--- a/courses/Diploma/docs/predzashita.pptx
+++ b/courses/Diploma/docs/predzashita.pptx
@@ -5,7 +5,7 @@
     <p:sldMasterId id="2147483648" r:id="rId4"/>
   </p:sldMasterIdLst>
   <p:notesMasterIdLst>
-    <p:notesMasterId r:id="rId32"/>
+    <p:notesMasterId r:id="rId25"/>
   </p:notesMasterIdLst>
   <p:sldIdLst>
     <p:sldId id="271" r:id="rId5"/>
@@ -15,26 +15,19 @@
     <p:sldId id="295" r:id="rId9"/>
     <p:sldId id="296" r:id="rId10"/>
     <p:sldId id="297" r:id="rId11"/>
-    <p:sldId id="287" r:id="rId12"/>
-    <p:sldId id="288" r:id="rId13"/>
-    <p:sldId id="289" r:id="rId14"/>
-    <p:sldId id="290" r:id="rId15"/>
-    <p:sldId id="291" r:id="rId16"/>
-    <p:sldId id="292" r:id="rId17"/>
-    <p:sldId id="285" r:id="rId18"/>
-    <p:sldId id="272" r:id="rId19"/>
-    <p:sldId id="273" r:id="rId20"/>
-    <p:sldId id="274" r:id="rId21"/>
-    <p:sldId id="275" r:id="rId22"/>
-    <p:sldId id="276" r:id="rId23"/>
-    <p:sldId id="277" r:id="rId24"/>
-    <p:sldId id="278" r:id="rId25"/>
-    <p:sldId id="279" r:id="rId26"/>
-    <p:sldId id="280" r:id="rId27"/>
-    <p:sldId id="267" r:id="rId28"/>
-    <p:sldId id="281" r:id="rId29"/>
-    <p:sldId id="282" r:id="rId30"/>
-    <p:sldId id="283" r:id="rId31"/>
+    <p:sldId id="272" r:id="rId12"/>
+    <p:sldId id="273" r:id="rId13"/>
+    <p:sldId id="274" r:id="rId14"/>
+    <p:sldId id="275" r:id="rId15"/>
+    <p:sldId id="276" r:id="rId16"/>
+    <p:sldId id="277" r:id="rId17"/>
+    <p:sldId id="278" r:id="rId18"/>
+    <p:sldId id="279" r:id="rId19"/>
+    <p:sldId id="280" r:id="rId20"/>
+    <p:sldId id="267" r:id="rId21"/>
+    <p:sldId id="281" r:id="rId22"/>
+    <p:sldId id="282" r:id="rId23"/>
+    <p:sldId id="283" r:id="rId24"/>
   </p:sldIdLst>
   <p:sldSz cx="12192000" cy="6858000"/>
   <p:notesSz cx="6858000" cy="9144000"/>
@@ -754,7 +747,6 @@
     </c:legend>
     <c:plotVisOnly val="1"/>
     <c:dispBlanksAs val="gap"/>
-    <c:showDLblsOverMax val="0"/>
     <c:extLst>
       <c:ext xmlns:c16r3="http://schemas.microsoft.com/office/drawing/2017/03/chart" uri="{56B9EC1D-385E-4148-901F-78D8002777C0}">
         <c16r3:dataDisplayOptions16>
@@ -762,6 +754,7 @@
         </c16r3:dataDisplayOptions16>
       </c:ext>
     </c:extLst>
+    <c:showDLblsOverMax val="0"/>
   </c:chart>
   <c:spPr>
     <a:noFill/>
@@ -1317,7 +1310,6 @@
     </c:legend>
     <c:plotVisOnly val="1"/>
     <c:dispBlanksAs val="gap"/>
-    <c:showDLblsOverMax val="0"/>
     <c:extLst>
       <c:ext xmlns:c16r3="http://schemas.microsoft.com/office/drawing/2017/03/chart" uri="{56B9EC1D-385E-4148-901F-78D8002777C0}">
         <c16r3:dataDisplayOptions16>
@@ -1325,6 +1317,7 @@
         </c16r3:dataDisplayOptions16>
       </c:ext>
     </c:extLst>
+    <c:showDLblsOverMax val="0"/>
   </c:chart>
   <c:spPr>
     <a:noFill/>
@@ -1694,7 +1687,6 @@
     </c:legend>
     <c:plotVisOnly val="1"/>
     <c:dispBlanksAs val="gap"/>
-    <c:showDLblsOverMax val="0"/>
     <c:extLst>
       <c:ext xmlns:c16r3="http://schemas.microsoft.com/office/drawing/2017/03/chart" uri="{56B9EC1D-385E-4148-901F-78D8002777C0}">
         <c16r3:dataDisplayOptions16>
@@ -1702,6 +1694,7 @@
         </c16r3:dataDisplayOptions16>
       </c:ext>
     </c:extLst>
+    <c:showDLblsOverMax val="0"/>
   </c:chart>
   <c:spPr>
     <a:noFill/>
@@ -2474,7 +2467,6 @@
     </c:legend>
     <c:plotVisOnly val="1"/>
     <c:dispBlanksAs val="zero"/>
-    <c:showDLblsOverMax val="0"/>
     <c:extLst>
       <c:ext xmlns:c16r3="http://schemas.microsoft.com/office/drawing/2017/03/chart" uri="{56B9EC1D-385E-4148-901F-78D8002777C0}">
         <c16r3:dataDisplayOptions16>
@@ -2482,6 +2474,7 @@
         </c16r3:dataDisplayOptions16>
       </c:ext>
     </c:extLst>
+    <c:showDLblsOverMax val="0"/>
   </c:chart>
   <c:spPr>
     <a:noFill/>
@@ -2921,7 +2914,6 @@
     </c:legend>
     <c:plotVisOnly val="1"/>
     <c:dispBlanksAs val="gap"/>
-    <c:showDLblsOverMax val="0"/>
     <c:extLst>
       <c:ext xmlns:c16r3="http://schemas.microsoft.com/office/drawing/2017/03/chart" uri="{56B9EC1D-385E-4148-901F-78D8002777C0}">
         <c16r3:dataDisplayOptions16>
@@ -2929,6 +2921,7 @@
         </c16r3:dataDisplayOptions16>
       </c:ext>
     </c:extLst>
+    <c:showDLblsOverMax val="0"/>
   </c:chart>
   <c:spPr>
     <a:noFill/>
@@ -3417,7 +3410,6 @@
     </c:legend>
     <c:plotVisOnly val="1"/>
     <c:dispBlanksAs val="gap"/>
-    <c:showDLblsOverMax val="0"/>
     <c:extLst>
       <c:ext xmlns:c16r3="http://schemas.microsoft.com/office/drawing/2017/03/chart" uri="{56B9EC1D-385E-4148-901F-78D8002777C0}">
         <c16r3:dataDisplayOptions16>
@@ -3425,6 +3417,7 @@
         </c16r3:dataDisplayOptions16>
       </c:ext>
     </c:extLst>
+    <c:showDLblsOverMax val="0"/>
   </c:chart>
   <c:spPr>
     <a:noFill/>
@@ -6741,7 +6734,7 @@
           <a:p>
             <a:fld id="{73261BF4-8B2C-784B-9959-B59A059012C3}" type="datetimeFigureOut">
               <a:rPr lang="en-RU" smtClean="0"/>
-              <a:t>03/26/2024</a:t>
+              <a:t>5/18/24</a:t>
             </a:fld>
             <a:endParaRPr lang="en-RU"/>
           </a:p>
@@ -7054,89 +7047,89 @@
           <a:lstStyle/>
           <a:p>
             <a:r>
-              <a:rPr lang="ru-RU" dirty="0" smtClean="0"/>
+              <a:rPr lang="ru-RU" dirty="0"/>
               <a:t>Добрый вечер!</a:t>
             </a:r>
             <a:br>
-              <a:rPr lang="ru-RU" dirty="0" smtClean="0"/>
+              <a:rPr lang="ru-RU" dirty="0"/>
             </a:br>
             <a:r>
-              <a:rPr lang="ru-RU" dirty="0" smtClean="0"/>
+              <a:rPr lang="ru-RU" dirty="0"/>
               <a:t>Меня</a:t>
             </a:r>
             <a:r>
-              <a:rPr lang="ru-RU" baseline="0" dirty="0" smtClean="0"/>
+              <a:rPr lang="ru-RU" baseline="0" dirty="0"/>
               <a:t> зовут Игорь Рухович, я выполняю работу</a:t>
             </a:r>
-            <a:endParaRPr lang="en-US" baseline="0" dirty="0" smtClean="0"/>
-          </a:p>
-          <a:p>
-            <a:r>
-              <a:rPr lang="ru-RU" b="1" dirty="0" smtClean="0"/>
+            <a:endParaRPr lang="en-US" baseline="0" dirty="0"/>
+          </a:p>
+          <a:p>
+            <a:r>
+              <a:rPr lang="ru-RU" b="1" dirty="0"/>
               <a:t>Прогнозирование временных рядов</a:t>
             </a:r>
             <a:r>
-              <a:rPr lang="en-US" b="1" baseline="0" dirty="0" smtClean="0"/>
+              <a:rPr lang="en-US" b="1" baseline="0" dirty="0"/>
               <a:t> </a:t>
             </a:r>
             <a:r>
-              <a:rPr lang="ru-RU" b="1" dirty="0" smtClean="0"/>
+              <a:rPr lang="ru-RU" b="1" dirty="0"/>
               <a:t>с помощью рекуррентных нейронных сетей.</a:t>
             </a:r>
-            <a:endParaRPr lang="en-US" b="1" dirty="0" smtClean="0"/>
-          </a:p>
-          <a:p>
-            <a:r>
-              <a:rPr lang="ru-RU" dirty="0" smtClean="0"/>
+            <a:endParaRPr lang="en-US" b="1" dirty="0"/>
+          </a:p>
+          <a:p>
+            <a:r>
+              <a:rPr lang="ru-RU" dirty="0"/>
               <a:t>Мой руководитель – Санжар </a:t>
             </a:r>
             <a:r>
-              <a:rPr lang="ru-RU" dirty="0" err="1" smtClean="0"/>
+              <a:rPr lang="ru-RU" dirty="0" err="1"/>
               <a:t>Досов</a:t>
             </a:r>
             <a:r>
-              <a:rPr lang="ru-RU" dirty="0" smtClean="0"/>
+              <a:rPr lang="ru-RU" dirty="0"/>
               <a:t>.</a:t>
             </a:r>
           </a:p>
           <a:p>
-            <a:endParaRPr lang="ru-RU" dirty="0" smtClean="0"/>
-          </a:p>
-          <a:p>
-            <a:r>
-              <a:rPr lang="ru-RU" smtClean="0"/>
+            <a:endParaRPr lang="ru-RU" dirty="0"/>
+          </a:p>
+          <a:p>
+            <a:r>
+              <a:rPr lang="ru-RU"/>
               <a:t>Хочу</a:t>
             </a:r>
             <a:r>
-              <a:rPr lang="ru-RU" baseline="0" smtClean="0"/>
+              <a:rPr lang="ru-RU" baseline="0"/>
               <a:t> </a:t>
             </a:r>
             <a:r>
-              <a:rPr lang="ru-RU" baseline="0" dirty="0" smtClean="0"/>
+              <a:rPr lang="ru-RU" baseline="0" dirty="0"/>
               <a:t>упомянуть, что я сменил тему работы. У меня была </a:t>
             </a:r>
             <a:r>
-              <a:rPr lang="ru-RU" b="1" baseline="0" dirty="0" smtClean="0"/>
+              <a:rPr lang="ru-RU" b="1" baseline="0" dirty="0"/>
               <a:t>классификация финансовых новостей</a:t>
             </a:r>
             <a:r>
-              <a:rPr lang="ru-RU" baseline="0" dirty="0" smtClean="0"/>
+              <a:rPr lang="ru-RU" baseline="0" dirty="0"/>
               <a:t>. Решил, что новая тема мне более интересна, с руководителем я это согласовал.</a:t>
             </a:r>
           </a:p>
           <a:p>
-            <a:endParaRPr lang="ru-RU" baseline="0" dirty="0" smtClean="0"/>
-          </a:p>
-          <a:p>
-            <a:r>
-              <a:rPr lang="ru-RU" baseline="0" dirty="0" smtClean="0"/>
+            <a:endParaRPr lang="ru-RU" baseline="0" dirty="0"/>
+          </a:p>
+          <a:p>
+            <a:r>
+              <a:rPr lang="ru-RU" baseline="0" dirty="0"/>
               <a:t>Итак, перейдем к теме</a:t>
             </a:r>
             <a:r>
-              <a:rPr lang="en-US" baseline="0" dirty="0" smtClean="0"/>
+              <a:rPr lang="en-US" baseline="0" dirty="0"/>
               <a:t>:</a:t>
             </a:r>
-            <a:endParaRPr lang="ru-RU" dirty="0" smtClean="0"/>
+            <a:endParaRPr lang="ru-RU" dirty="0"/>
           </a:p>
         </p:txBody>
       </p:sp>
@@ -7221,82 +7214,78 @@
           <a:lstStyle/>
           <a:p>
             <a:r>
-              <a:rPr lang="ru-RU" dirty="0" smtClean="0"/>
+              <a:rPr lang="ru-RU" dirty="0"/>
               <a:t>Актуальность</a:t>
             </a:r>
           </a:p>
           <a:p>
-            <a:endParaRPr lang="ru-RU" dirty="0" smtClean="0"/>
-          </a:p>
-          <a:p>
-            <a:r>
-              <a:rPr lang="ru-RU" dirty="0" smtClean="0"/>
+            <a:endParaRPr lang="ru-RU" dirty="0"/>
+          </a:p>
+          <a:p>
+            <a:r>
+              <a:rPr lang="ru-RU" dirty="0"/>
               <a:t>Проблема</a:t>
             </a:r>
             <a:r>
-              <a:rPr lang="ru-RU" baseline="0" dirty="0" smtClean="0"/>
+              <a:rPr lang="ru-RU" baseline="0" dirty="0"/>
               <a:t> прогнозирования временных рядов всегда была и будет актуальной. Дело в том, что временные ряды окружают нас повсюду, и часто необходимо оценивать, какое значение примет та или иная величина в последующие промежутки времени. Иногда нам нужно сделать упор на качественные предсказания, а иногда помимо качества требуется и высокая скорость обработки, например, если данных очень много.</a:t>
             </a:r>
           </a:p>
           <a:p>
-            <a:endParaRPr lang="ru-RU" baseline="0" dirty="0" smtClean="0"/>
-          </a:p>
-          <a:p>
-            <a:r>
-              <a:rPr lang="ru-RU" baseline="0" dirty="0" smtClean="0"/>
+            <a:endParaRPr lang="ru-RU" baseline="0" dirty="0"/>
+          </a:p>
+          <a:p>
+            <a:r>
+              <a:rPr lang="ru-RU" baseline="0" dirty="0"/>
               <a:t>Нам приходится прогнозировать тренды, продажи, различные пассажиропотоки, поломки агрегатов, потребление электроэнергии.  Также нужно рассчитывать нагрузку на сайты, формировать бюджеты, исходя из расходов. Этот список можно долго продолжать.</a:t>
             </a:r>
           </a:p>
           <a:p>
-            <a:endParaRPr lang="ru-RU" baseline="0" dirty="0" smtClean="0"/>
-          </a:p>
-          <a:p>
-            <a:r>
-              <a:rPr lang="ru-RU" baseline="0" dirty="0" smtClean="0"/>
-              <a:t>Одна из особенностей этой области машинного обучения в том, что тут нет какого-то единого, лучшего алгоритма</a:t>
-            </a:r>
-            <a:r>
-              <a:rPr lang="ru-RU" baseline="0" dirty="0" smtClean="0"/>
-              <a:t>, в отличие, например, от обработки натурального языка (</a:t>
-            </a:r>
-            <a:r>
-              <a:rPr lang="en-US" baseline="0" dirty="0" smtClean="0"/>
+            <a:endParaRPr lang="ru-RU" baseline="0" dirty="0"/>
+          </a:p>
+          <a:p>
+            <a:r>
+              <a:rPr lang="ru-RU" baseline="0" dirty="0"/>
+              <a:t>Одна из особенностей этой области машинного обучения в том, что тут нет какого-то единого, лучшего алгоритма, в отличие, например, от обработки натурального языка (</a:t>
+            </a:r>
+            <a:r>
+              <a:rPr lang="en-US" baseline="0" dirty="0"/>
               <a:t>NLP)</a:t>
             </a:r>
             <a:r>
-              <a:rPr lang="ru-RU" baseline="0" dirty="0" smtClean="0"/>
+              <a:rPr lang="ru-RU" baseline="0" dirty="0"/>
               <a:t>, где всех с отрывом побеждают тяжеловесные </a:t>
             </a:r>
             <a:r>
-              <a:rPr lang="en-US" baseline="0" dirty="0" smtClean="0"/>
+              <a:rPr lang="en-US" baseline="0" dirty="0"/>
               <a:t>GPT-</a:t>
             </a:r>
             <a:r>
-              <a:rPr lang="ru-RU" baseline="0" dirty="0" smtClean="0"/>
+              <a:rPr lang="ru-RU" baseline="0" dirty="0"/>
               <a:t> или </a:t>
             </a:r>
             <a:r>
-              <a:rPr lang="en-US" baseline="0" dirty="0" smtClean="0"/>
+              <a:rPr lang="en-US" baseline="0" dirty="0"/>
               <a:t>BERT-</a:t>
             </a:r>
             <a:r>
-              <a:rPr lang="ru-RU" baseline="0" dirty="0" smtClean="0"/>
+              <a:rPr lang="ru-RU" baseline="0" dirty="0"/>
               <a:t>модели. Здесь же разные подходы показывают себя по разному, в зависимости от исходных данных и требований к </a:t>
             </a:r>
             <a:r>
-              <a:rPr lang="en-US" baseline="0" dirty="0" smtClean="0"/>
+              <a:rPr lang="en-US" baseline="0" dirty="0"/>
               <a:t>[</a:t>
             </a:r>
             <a:r>
-              <a:rPr lang="ru-RU" baseline="0" dirty="0" smtClean="0"/>
+              <a:rPr lang="ru-RU" baseline="0" dirty="0"/>
               <a:t>прогнозирующим</a:t>
             </a:r>
             <a:r>
-              <a:rPr lang="en-US" baseline="0" dirty="0" smtClean="0"/>
+              <a:rPr lang="en-US" baseline="0" dirty="0"/>
               <a:t>]</a:t>
             </a:r>
             <a:r>
-              <a:rPr lang="ru-RU" baseline="0" dirty="0" smtClean="0"/>
+              <a:rPr lang="ru-RU" baseline="0" dirty="0"/>
               <a:t> моделям.</a:t>
             </a:r>
             <a:endParaRPr lang="ru-RU" dirty="0"/>
@@ -7384,81 +7373,81 @@
           <a:lstStyle/>
           <a:p>
             <a:r>
-              <a:rPr lang="ru-RU" dirty="0" smtClean="0"/>
+              <a:rPr lang="ru-RU" dirty="0"/>
               <a:t>Задачи</a:t>
             </a:r>
             <a:r>
-              <a:rPr lang="ru-RU" baseline="0" dirty="0" smtClean="0"/>
+              <a:rPr lang="ru-RU" baseline="0" dirty="0"/>
               <a:t> работы</a:t>
             </a:r>
-            <a:endParaRPr lang="ru-RU" dirty="0" smtClean="0"/>
-          </a:p>
-          <a:p>
-            <a:endParaRPr lang="ru-RU" dirty="0" smtClean="0"/>
-          </a:p>
-          <a:p>
-            <a:r>
-              <a:rPr lang="ru-RU" dirty="0" smtClean="0"/>
+            <a:endParaRPr lang="ru-RU" dirty="0"/>
+          </a:p>
+          <a:p>
+            <a:endParaRPr lang="ru-RU" dirty="0"/>
+          </a:p>
+          <a:p>
+            <a:r>
+              <a:rPr lang="ru-RU" dirty="0"/>
               <a:t> - Во-первых,</a:t>
             </a:r>
             <a:r>
-              <a:rPr lang="ru-RU" baseline="0" dirty="0" smtClean="0"/>
+              <a:rPr lang="ru-RU" baseline="0" dirty="0"/>
               <a:t> п</a:t>
             </a:r>
             <a:r>
-              <a:rPr lang="ru-RU" dirty="0" smtClean="0"/>
+              <a:rPr lang="ru-RU" dirty="0"/>
               <a:t>роанализировать</a:t>
             </a:r>
             <a:r>
-              <a:rPr lang="ru-RU" baseline="0" dirty="0" smtClean="0"/>
+              <a:rPr lang="ru-RU" baseline="0" dirty="0"/>
               <a:t> существующие решения, выбрать данные и воспроизвести результаты найденных алгоритмов в равных условиях</a:t>
             </a:r>
           </a:p>
           <a:p>
-            <a:endParaRPr lang="ru-RU" baseline="0" dirty="0" smtClean="0"/>
-          </a:p>
-          <a:p>
-            <a:r>
-              <a:rPr lang="ru-RU" baseline="0" dirty="0" smtClean="0"/>
+            <a:endParaRPr lang="ru-RU" baseline="0" dirty="0"/>
+          </a:p>
+          <a:p>
+            <a:r>
+              <a:rPr lang="ru-RU" baseline="0" dirty="0"/>
               <a:t> - Затем, предложить собственный метод, как некоторый компромисс между высоким быстродействием и одновременно хорошим качеством работы. Нужна подходящая нетривиальная модель, не требующая в то же время больших вычислительных ресурсов для обучения и дальнейшей работы</a:t>
             </a:r>
           </a:p>
           <a:p>
-            <a:endParaRPr lang="ru-RU" baseline="0" dirty="0" smtClean="0"/>
-          </a:p>
-          <a:p>
-            <a:r>
-              <a:rPr lang="ru-RU" baseline="0" dirty="0" smtClean="0"/>
+            <a:endParaRPr lang="ru-RU" baseline="0" dirty="0"/>
+          </a:p>
+          <a:p>
+            <a:r>
+              <a:rPr lang="ru-RU" baseline="0" dirty="0"/>
               <a:t> - Далее потребуется сравнить предложенный метод с существующими в равных условиях (то есть на одном </a:t>
             </a:r>
             <a:r>
-              <a:rPr lang="en-US" baseline="0" dirty="0" smtClean="0"/>
+              <a:rPr lang="en-US" baseline="0" dirty="0"/>
               <a:t>“</a:t>
             </a:r>
             <a:r>
-              <a:rPr lang="ru-RU" baseline="0" dirty="0" smtClean="0"/>
+              <a:rPr lang="ru-RU" baseline="0" dirty="0"/>
               <a:t>вычислительном устройстве</a:t>
             </a:r>
             <a:r>
-              <a:rPr lang="en-US" baseline="0" dirty="0" smtClean="0"/>
+              <a:rPr lang="en-US" baseline="0" dirty="0"/>
               <a:t>”</a:t>
             </a:r>
             <a:r>
-              <a:rPr lang="ru-RU" baseline="0" dirty="0" smtClean="0"/>
+              <a:rPr lang="ru-RU" baseline="0" dirty="0"/>
               <a:t>) и на данных разной природы</a:t>
             </a:r>
-            <a:endParaRPr lang="en-US" baseline="0" dirty="0" smtClean="0"/>
-          </a:p>
-          <a:p>
-            <a:endParaRPr lang="en-US" baseline="0" dirty="0" smtClean="0"/>
-          </a:p>
-          <a:p>
-            <a:r>
-              <a:rPr lang="en-US" baseline="0" dirty="0" smtClean="0"/>
+            <a:endParaRPr lang="en-US" baseline="0" dirty="0"/>
+          </a:p>
+          <a:p>
+            <a:endParaRPr lang="en-US" baseline="0" dirty="0"/>
+          </a:p>
+          <a:p>
+            <a:r>
+              <a:rPr lang="en-US" baseline="0" dirty="0"/>
               <a:t> - </a:t>
             </a:r>
             <a:r>
-              <a:rPr lang="ru-RU" baseline="0" dirty="0" smtClean="0"/>
+              <a:rPr lang="ru-RU" baseline="0" dirty="0"/>
               <a:t>И, по окончании, нужно будет сделать вывод о пользе предложенного метода для решения данной задачи, а также опубликовать метод и результаты сравнения в открытый доступ, чтобы исследователи (разумеется, в случае успеха модели) могли использовать это решение в своих задачах</a:t>
             </a:r>
             <a:endParaRPr lang="ru-RU" dirty="0"/>
@@ -7546,147 +7535,147 @@
           <a:lstStyle/>
           <a:p>
             <a:r>
-              <a:rPr lang="ru-RU" dirty="0" smtClean="0"/>
+              <a:rPr lang="ru-RU" dirty="0"/>
               <a:t>Перейдём к существующим решениям.</a:t>
             </a:r>
-            <a:endParaRPr lang="en-US" dirty="0" smtClean="0"/>
-          </a:p>
-          <a:p>
-            <a:endParaRPr lang="en-US" dirty="0" smtClean="0"/>
-          </a:p>
-          <a:p>
-            <a:r>
-              <a:rPr lang="ru-RU" baseline="0" dirty="0" smtClean="0"/>
+            <a:endParaRPr lang="en-US" dirty="0"/>
+          </a:p>
+          <a:p>
+            <a:endParaRPr lang="en-US" dirty="0"/>
+          </a:p>
+          <a:p>
+            <a:r>
+              <a:rPr lang="ru-RU" baseline="0" dirty="0"/>
               <a:t> - При произнесении слов </a:t>
             </a:r>
             <a:r>
-              <a:rPr lang="en-US" baseline="0" dirty="0" smtClean="0"/>
+              <a:rPr lang="en-US" baseline="0" dirty="0"/>
               <a:t>Time Series Forecasting (</a:t>
             </a:r>
             <a:r>
-              <a:rPr lang="ru-RU" baseline="0" dirty="0" smtClean="0"/>
+              <a:rPr lang="ru-RU" baseline="0" dirty="0"/>
               <a:t>или </a:t>
             </a:r>
             <a:r>
-              <a:rPr lang="en-US" baseline="0" dirty="0" smtClean="0"/>
+              <a:rPr lang="en-US" baseline="0" dirty="0"/>
               <a:t>TSF)</a:t>
             </a:r>
             <a:r>
-              <a:rPr lang="ru-RU" baseline="0" dirty="0" smtClean="0"/>
+              <a:rPr lang="ru-RU" baseline="0" dirty="0"/>
               <a:t>, многим первой в голову придёт известная модель </a:t>
             </a:r>
             <a:r>
-              <a:rPr lang="en-US" baseline="0" dirty="0" smtClean="0"/>
+              <a:rPr lang="en-US" baseline="0" dirty="0"/>
               <a:t>ARIMA</a:t>
             </a:r>
             <a:r>
-              <a:rPr lang="ru-RU" baseline="0" dirty="0" smtClean="0"/>
+              <a:rPr lang="ru-RU" baseline="0" dirty="0"/>
               <a:t>, предложенная аж в 70-х годах прошлого столетия с многочисленными дальнейшими модификациями (такими как </a:t>
             </a:r>
             <a:r>
-              <a:rPr lang="en-US" baseline="0" dirty="0" smtClean="0"/>
+              <a:rPr lang="en-US" baseline="0" dirty="0"/>
               <a:t>TBATS </a:t>
             </a:r>
             <a:r>
-              <a:rPr lang="ru-RU" baseline="0" dirty="0" smtClean="0"/>
+              <a:rPr lang="ru-RU" baseline="0" dirty="0"/>
               <a:t>и другие). Не буду сейчас углубляться в архитектуру этих моделей, лишь скажу, что это </a:t>
             </a:r>
             <a:r>
-              <a:rPr lang="ru-RU" baseline="0" dirty="0" err="1" smtClean="0"/>
+              <a:rPr lang="ru-RU" baseline="0" dirty="0" err="1"/>
               <a:t>авторегрессионные</a:t>
             </a:r>
             <a:r>
-              <a:rPr lang="ru-RU" baseline="0" dirty="0" smtClean="0"/>
+              <a:rPr lang="ru-RU" baseline="0" dirty="0"/>
               <a:t> подходы (то есть их предсказания линейно зависят от нескольких предыдущих значений). Эти подходы неплохо зарекомендовали себя в своё время, но всё же они довольно простые и могут не обнаружить некоторые сложные зависимости</a:t>
             </a:r>
           </a:p>
           <a:p>
-            <a:endParaRPr lang="ru-RU" baseline="0" dirty="0" smtClean="0"/>
-          </a:p>
-          <a:p>
-            <a:r>
-              <a:rPr lang="ru-RU" baseline="0" dirty="0" smtClean="0"/>
+            <a:endParaRPr lang="ru-RU" baseline="0" dirty="0"/>
+          </a:p>
+          <a:p>
+            <a:r>
+              <a:rPr lang="ru-RU" baseline="0" dirty="0"/>
               <a:t> - Среди </a:t>
             </a:r>
             <a:r>
-              <a:rPr lang="ru-RU" baseline="0" dirty="0" err="1" smtClean="0"/>
+              <a:rPr lang="ru-RU" baseline="0" dirty="0" err="1"/>
               <a:t>нейросетевых</a:t>
             </a:r>
             <a:r>
-              <a:rPr lang="ru-RU" baseline="0" dirty="0" smtClean="0"/>
+              <a:rPr lang="ru-RU" baseline="0" dirty="0"/>
               <a:t> подходов я выделил два наиболее интересных и недавно выпущенных. Это </a:t>
             </a:r>
             <a:r>
-              <a:rPr lang="en-US" baseline="0" dirty="0" smtClean="0"/>
+              <a:rPr lang="en-US" baseline="0" dirty="0"/>
               <a:t>N-BEATS – </a:t>
             </a:r>
             <a:r>
-              <a:rPr lang="ru-RU" baseline="0" dirty="0" smtClean="0"/>
+              <a:rPr lang="ru-RU" baseline="0" dirty="0"/>
               <a:t>сложная модель, основанная на рекуррентной сети собственного изобретения некоторых канадских исследователей. А также </a:t>
             </a:r>
             <a:r>
-              <a:rPr lang="en-US" baseline="0" dirty="0" smtClean="0"/>
+              <a:rPr lang="en-US" baseline="0" dirty="0"/>
               <a:t>LTSF-Linear</a:t>
             </a:r>
             <a:r>
-              <a:rPr lang="ru-RU" baseline="0" dirty="0" smtClean="0"/>
+              <a:rPr lang="ru-RU" baseline="0" dirty="0"/>
               <a:t> - большой ансамбль однослойных персептронов, который, по заверениям авторов, обгоняет многие, в том числе </a:t>
             </a:r>
             <a:r>
-              <a:rPr lang="ru-RU" baseline="0" dirty="0" err="1" smtClean="0"/>
+              <a:rPr lang="ru-RU" baseline="0" dirty="0" err="1"/>
               <a:t>трансформенные</a:t>
             </a:r>
             <a:r>
-              <a:rPr lang="ru-RU" baseline="0" dirty="0" smtClean="0"/>
+              <a:rPr lang="ru-RU" baseline="0" dirty="0"/>
               <a:t> модели</a:t>
             </a:r>
           </a:p>
           <a:p>
-            <a:endParaRPr lang="ru-RU" baseline="0" dirty="0" smtClean="0"/>
-          </a:p>
-          <a:p>
-            <a:r>
-              <a:rPr lang="ru-RU" baseline="0" dirty="0" smtClean="0"/>
+            <a:endParaRPr lang="ru-RU" baseline="0" dirty="0"/>
+          </a:p>
+          <a:p>
+            <a:r>
+              <a:rPr lang="ru-RU" baseline="0" dirty="0"/>
               <a:t> - И последняя категория – это </a:t>
             </a:r>
             <a:r>
-              <a:rPr lang="ru-RU" baseline="0" dirty="0" err="1" smtClean="0"/>
+              <a:rPr lang="ru-RU" baseline="0" dirty="0" err="1"/>
               <a:t>нейросетевые</a:t>
             </a:r>
             <a:r>
-              <a:rPr lang="ru-RU" baseline="0" dirty="0" smtClean="0"/>
+              <a:rPr lang="ru-RU" baseline="0" dirty="0"/>
               <a:t> методы, использующие механизм </a:t>
             </a:r>
             <a:r>
-              <a:rPr lang="en-US" baseline="0" dirty="0" smtClean="0"/>
+              <a:rPr lang="en-US" baseline="0" dirty="0"/>
               <a:t>attention</a:t>
             </a:r>
             <a:r>
-              <a:rPr lang="ru-RU" baseline="0" dirty="0" smtClean="0"/>
+              <a:rPr lang="ru-RU" baseline="0" dirty="0"/>
               <a:t> (или </a:t>
             </a:r>
             <a:r>
-              <a:rPr lang="ru-RU" baseline="0" dirty="0" err="1" smtClean="0"/>
+              <a:rPr lang="ru-RU" baseline="0" dirty="0" err="1"/>
               <a:t>трансформеры</a:t>
             </a:r>
             <a:r>
-              <a:rPr lang="ru-RU" baseline="0" dirty="0" smtClean="0"/>
+              <a:rPr lang="ru-RU" baseline="0" dirty="0"/>
               <a:t>). Я также нашел две наиболее интересных, свежих, и многообещающих модели. Здесь упомяну, что механизм </a:t>
             </a:r>
             <a:r>
-              <a:rPr lang="en-US" baseline="0" dirty="0" smtClean="0"/>
+              <a:rPr lang="en-US" baseline="0" dirty="0"/>
               <a:t>attention </a:t>
             </a:r>
             <a:r>
-              <a:rPr lang="ru-RU" baseline="0" dirty="0" smtClean="0"/>
+              <a:rPr lang="ru-RU" baseline="0" dirty="0"/>
               <a:t>работает за квадратичное от размера последовательности время, и в целом может не принести большой пользы именно в данной задаче. Не говоря уже о том, что </a:t>
             </a:r>
             <a:r>
-              <a:rPr lang="ru-RU" baseline="0" dirty="0" err="1" smtClean="0"/>
+              <a:rPr lang="ru-RU" baseline="0" dirty="0" err="1"/>
               <a:t>трансформенные</a:t>
             </a:r>
             <a:r>
-              <a:rPr lang="ru-RU" baseline="0" dirty="0" smtClean="0"/>
+              <a:rPr lang="ru-RU" baseline="0" dirty="0"/>
               <a:t> модели имеют значительно больше обучаемых параметров со всеми вытекающими.</a:t>
             </a:r>
             <a:endParaRPr lang="ru-RU" dirty="0"/>
@@ -7774,136 +7763,136 @@
           <a:lstStyle/>
           <a:p>
             <a:r>
-              <a:rPr lang="ru-RU" dirty="0" smtClean="0"/>
+              <a:rPr lang="ru-RU" dirty="0"/>
               <a:t>Итак, план работы</a:t>
             </a:r>
             <a:r>
-              <a:rPr lang="en-US" dirty="0" smtClean="0"/>
+              <a:rPr lang="en-US" dirty="0"/>
               <a:t>:</a:t>
             </a:r>
           </a:p>
           <a:p>
-            <a:endParaRPr lang="en-US" dirty="0" smtClean="0"/>
-          </a:p>
-          <a:p>
-            <a:r>
-              <a:rPr lang="en-US" dirty="0" smtClean="0"/>
+            <a:endParaRPr lang="en-US" dirty="0"/>
+          </a:p>
+          <a:p>
+            <a:r>
+              <a:rPr lang="en-US" dirty="0"/>
               <a:t> - </a:t>
             </a:r>
             <a:r>
-              <a:rPr lang="ru-RU" dirty="0" smtClean="0"/>
+              <a:rPr lang="ru-RU" dirty="0"/>
               <a:t>Выбрать</a:t>
             </a:r>
             <a:r>
-              <a:rPr lang="ru-RU" baseline="0" dirty="0" smtClean="0"/>
+              <a:rPr lang="ru-RU" baseline="0" dirty="0"/>
               <a:t> модели и временные ряды из разных сфер деятельности человека для анализа. В открытом доступе тут достаточно данных. Их, разумеется, придется подготовить, привести к общему виду и в удобную для моделей форму</a:t>
             </a:r>
           </a:p>
           <a:p>
-            <a:endParaRPr lang="ru-RU" baseline="0" dirty="0" smtClean="0"/>
-          </a:p>
-          <a:p>
-            <a:r>
-              <a:rPr lang="ru-RU" baseline="0" dirty="0" smtClean="0"/>
+            <a:endParaRPr lang="ru-RU" baseline="0" dirty="0"/>
+          </a:p>
+          <a:p>
+            <a:r>
+              <a:rPr lang="ru-RU" baseline="0" dirty="0"/>
               <a:t> - Затем в планах обучить несколько </a:t>
             </a:r>
             <a:r>
-              <a:rPr lang="en-US" baseline="0" dirty="0" smtClean="0"/>
+              <a:rPr lang="en-US" baseline="0" dirty="0"/>
               <a:t>RNN </a:t>
             </a:r>
             <a:r>
-              <a:rPr lang="ru-RU" baseline="0" dirty="0" smtClean="0"/>
+              <a:rPr lang="ru-RU" baseline="0" dirty="0"/>
               <a:t>(то есть рекуррентных) моделей. Тут есть классический </a:t>
             </a:r>
             <a:r>
-              <a:rPr lang="en-US" baseline="0" dirty="0" smtClean="0"/>
+              <a:rPr lang="en-US" baseline="0" dirty="0"/>
               <a:t>RNN</a:t>
             </a:r>
             <a:r>
-              <a:rPr lang="ru-RU" baseline="0" dirty="0" smtClean="0"/>
+              <a:rPr lang="ru-RU" baseline="0" dirty="0"/>
               <a:t>, сравнимый по возрасту с </a:t>
             </a:r>
             <a:r>
-              <a:rPr lang="en-US" baseline="0" dirty="0" smtClean="0"/>
+              <a:rPr lang="en-US" baseline="0" dirty="0"/>
               <a:t>ARIMA –</a:t>
             </a:r>
             <a:r>
-              <a:rPr lang="ru-RU" baseline="0" dirty="0" smtClean="0"/>
+              <a:rPr lang="ru-RU" baseline="0" dirty="0"/>
               <a:t> его, скорее, будем использовать как образец, больших надежд я на него не держу. Затем это </a:t>
             </a:r>
             <a:r>
-              <a:rPr lang="en-US" baseline="0" dirty="0" smtClean="0"/>
+              <a:rPr lang="en-US" baseline="0" dirty="0"/>
               <a:t>LSTM</a:t>
             </a:r>
             <a:r>
-              <a:rPr lang="ru-RU" baseline="0" dirty="0" smtClean="0"/>
+              <a:rPr lang="ru-RU" baseline="0" dirty="0"/>
               <a:t>-</a:t>
             </a:r>
             <a:r>
-              <a:rPr lang="en-US" baseline="0" dirty="0" smtClean="0"/>
+              <a:rPr lang="en-US" baseline="0" dirty="0"/>
               <a:t> </a:t>
             </a:r>
             <a:r>
-              <a:rPr lang="ru-RU" baseline="0" dirty="0" smtClean="0"/>
+              <a:rPr lang="ru-RU" baseline="0" dirty="0"/>
               <a:t>и </a:t>
             </a:r>
             <a:r>
-              <a:rPr lang="en-US" baseline="0" dirty="0" smtClean="0"/>
+              <a:rPr lang="en-US" baseline="0" dirty="0"/>
               <a:t>GRU-</a:t>
             </a:r>
             <a:r>
-              <a:rPr lang="ru-RU" baseline="0" dirty="0" smtClean="0"/>
+              <a:rPr lang="ru-RU" baseline="0" dirty="0"/>
               <a:t>модели, где лучше проработан механизм долгосрочной </a:t>
             </a:r>
             <a:r>
-              <a:rPr lang="en-US" baseline="0" dirty="0" smtClean="0"/>
+              <a:rPr lang="en-US" baseline="0" dirty="0"/>
               <a:t>“</a:t>
             </a:r>
             <a:r>
-              <a:rPr lang="ru-RU" baseline="0" dirty="0" smtClean="0"/>
+              <a:rPr lang="ru-RU" baseline="0" dirty="0"/>
               <a:t>памяти</a:t>
             </a:r>
             <a:r>
-              <a:rPr lang="en-US" baseline="0" dirty="0" smtClean="0"/>
+              <a:rPr lang="en-US" baseline="0" dirty="0"/>
               <a:t>”</a:t>
             </a:r>
             <a:r>
-              <a:rPr lang="ru-RU" baseline="0" dirty="0" smtClean="0"/>
+              <a:rPr lang="ru-RU" baseline="0" dirty="0"/>
               <a:t>. На них я делаю основную ставку.</a:t>
             </a:r>
           </a:p>
           <a:p>
-            <a:endParaRPr lang="ru-RU" baseline="0" dirty="0" smtClean="0"/>
-          </a:p>
-          <a:p>
-            <a:r>
-              <a:rPr lang="ru-RU" baseline="0" dirty="0" smtClean="0"/>
+            <a:endParaRPr lang="ru-RU" baseline="0" dirty="0"/>
+          </a:p>
+          <a:p>
+            <a:r>
+              <a:rPr lang="ru-RU" baseline="0" dirty="0"/>
               <a:t> - Разумеется, и модели, и данные придется модифицировать, чтобы добиться достойного качества. Про это у нас третий шаг. Попытаемся изменять числа параметров, рекуррентных слоев, попробуем двунаправленные модели, другие функции активации, а также собственные внутренние слои.</a:t>
             </a:r>
           </a:p>
           <a:p>
-            <a:endParaRPr lang="ru-RU" baseline="0" dirty="0" smtClean="0"/>
-          </a:p>
-          <a:p>
-            <a:r>
-              <a:rPr lang="ru-RU" baseline="0" dirty="0" smtClean="0"/>
+            <a:endParaRPr lang="ru-RU" baseline="0" dirty="0"/>
+          </a:p>
+          <a:p>
+            <a:r>
+              <a:rPr lang="ru-RU" baseline="0" dirty="0"/>
               <a:t> - Каждое улучшение будет включено в эксперимент, и затем мы сравним качество лучших предложенных моделей с известными подходами, которые я перечислял на предыдущем слайде.</a:t>
             </a:r>
           </a:p>
           <a:p>
-            <a:endParaRPr lang="ru-RU" baseline="0" dirty="0" smtClean="0"/>
-          </a:p>
-          <a:p>
-            <a:r>
-              <a:rPr lang="ru-RU" baseline="0" dirty="0" smtClean="0"/>
+            <a:endParaRPr lang="ru-RU" baseline="0" dirty="0"/>
+          </a:p>
+          <a:p>
+            <a:r>
+              <a:rPr lang="ru-RU" baseline="0" dirty="0"/>
               <a:t> - В конце будут сделаны выводы о пользе предложенных моделей для задачи прогнозирования временных рядов. Всё затем будет опубликовано в </a:t>
             </a:r>
             <a:r>
-              <a:rPr lang="ru-RU" baseline="0" dirty="0" err="1" smtClean="0"/>
+              <a:rPr lang="ru-RU" baseline="0" dirty="0" err="1"/>
               <a:t>репозитории</a:t>
             </a:r>
             <a:r>
-              <a:rPr lang="ru-RU" baseline="0" dirty="0" smtClean="0"/>
+              <a:rPr lang="ru-RU" baseline="0" dirty="0"/>
               <a:t>.</a:t>
             </a:r>
             <a:endParaRPr lang="ru-RU" dirty="0"/>
@@ -7991,91 +7980,91 @@
           <a:lstStyle/>
           <a:p>
             <a:r>
-              <a:rPr lang="ru-RU" dirty="0" smtClean="0"/>
+              <a:rPr lang="ru-RU" dirty="0"/>
               <a:t>Результаты,</a:t>
             </a:r>
             <a:r>
-              <a:rPr lang="ru-RU" baseline="0" dirty="0" smtClean="0"/>
+              <a:rPr lang="ru-RU" baseline="0" dirty="0"/>
               <a:t> которые я ожидаю</a:t>
             </a:r>
           </a:p>
           <a:p>
-            <a:endParaRPr lang="ru-RU" baseline="0" dirty="0" smtClean="0"/>
-          </a:p>
-          <a:p>
-            <a:r>
-              <a:rPr lang="ru-RU" baseline="0" dirty="0" smtClean="0"/>
+            <a:endParaRPr lang="ru-RU" baseline="0" dirty="0"/>
+          </a:p>
+          <a:p>
+            <a:r>
+              <a:rPr lang="ru-RU" baseline="0" dirty="0"/>
               <a:t> - Во-первых, хочется верить, что предложенные рекуррентные модели с легкостью победят классические подходы типа </a:t>
             </a:r>
             <a:r>
-              <a:rPr lang="en-US" baseline="0" dirty="0" smtClean="0"/>
+              <a:rPr lang="en-US" baseline="0" dirty="0"/>
               <a:t>ARIMA</a:t>
             </a:r>
             <a:r>
-              <a:rPr lang="ru-RU" baseline="0" dirty="0" smtClean="0"/>
+              <a:rPr lang="ru-RU" baseline="0" dirty="0"/>
               <a:t>. На то есть основания, ведь, как минимум, рекуррентные сети найдут нелинейные зависимости</a:t>
             </a:r>
-            <a:endParaRPr lang="en-US" baseline="0" dirty="0" smtClean="0"/>
-          </a:p>
-          <a:p>
-            <a:endParaRPr lang="en-US" baseline="0" dirty="0" smtClean="0"/>
-          </a:p>
-          <a:p>
-            <a:r>
-              <a:rPr lang="en-US" baseline="0" dirty="0" smtClean="0"/>
+            <a:endParaRPr lang="en-US" baseline="0" dirty="0"/>
+          </a:p>
+          <a:p>
+            <a:endParaRPr lang="en-US" baseline="0" dirty="0"/>
+          </a:p>
+          <a:p>
+            <a:r>
+              <a:rPr lang="en-US" baseline="0" dirty="0"/>
               <a:t> - </a:t>
             </a:r>
             <a:r>
-              <a:rPr lang="ru-RU" baseline="0" dirty="0" smtClean="0"/>
+              <a:rPr lang="ru-RU" baseline="0" dirty="0"/>
               <a:t>С другой стороны, есть понимание, что тяжеловесные и </a:t>
             </a:r>
             <a:r>
-              <a:rPr lang="en-US" baseline="0" dirty="0" smtClean="0"/>
+              <a:rPr lang="en-US" baseline="0" dirty="0"/>
               <a:t>“</a:t>
             </a:r>
             <a:r>
-              <a:rPr lang="ru-RU" baseline="0" dirty="0" smtClean="0"/>
+              <a:rPr lang="ru-RU" baseline="0" dirty="0"/>
               <a:t>вездесущие</a:t>
             </a:r>
             <a:r>
-              <a:rPr lang="en-US" baseline="0" dirty="0" smtClean="0"/>
+              <a:rPr lang="en-US" baseline="0" dirty="0"/>
               <a:t>”</a:t>
             </a:r>
             <a:r>
-              <a:rPr lang="ru-RU" baseline="0" dirty="0" smtClean="0"/>
+              <a:rPr lang="ru-RU" baseline="0" dirty="0"/>
               <a:t> сейчас </a:t>
             </a:r>
             <a:r>
-              <a:rPr lang="ru-RU" baseline="0" dirty="0" err="1" smtClean="0"/>
+              <a:rPr lang="ru-RU" baseline="0" dirty="0" err="1"/>
               <a:t>трансформеры</a:t>
             </a:r>
             <a:r>
-              <a:rPr lang="ru-RU" baseline="0" dirty="0" smtClean="0"/>
+              <a:rPr lang="ru-RU" baseline="0" dirty="0"/>
               <a:t>, скорее всего, обойдут по качеству наши модели. Ожидаю однако, что отрыв будет минимальным, а время работы, и, тем более, обучения</a:t>
             </a:r>
             <a:r>
-              <a:rPr lang="en-US" baseline="0" dirty="0" smtClean="0"/>
+              <a:rPr lang="en-US" baseline="0" dirty="0"/>
               <a:t> </a:t>
             </a:r>
             <a:r>
-              <a:rPr lang="ru-RU" baseline="0" dirty="0" smtClean="0"/>
+              <a:rPr lang="ru-RU" baseline="0" dirty="0"/>
               <a:t>рекуррентной сети будет значительно меньше</a:t>
             </a:r>
           </a:p>
           <a:p>
-            <a:endParaRPr lang="ru-RU" baseline="0" dirty="0" smtClean="0"/>
-          </a:p>
-          <a:p>
-            <a:r>
-              <a:rPr lang="ru-RU" baseline="0" dirty="0" smtClean="0"/>
+            <a:endParaRPr lang="ru-RU" baseline="0" dirty="0"/>
+          </a:p>
+          <a:p>
+            <a:r>
+              <a:rPr lang="ru-RU" baseline="0" dirty="0"/>
               <a:t> - И, последнее, в сравнении со свежими </a:t>
             </a:r>
             <a:r>
-              <a:rPr lang="ru-RU" baseline="0" dirty="0" err="1" smtClean="0"/>
+              <a:rPr lang="ru-RU" baseline="0" dirty="0" err="1"/>
               <a:t>нейросетевыми</a:t>
             </a:r>
             <a:r>
-              <a:rPr lang="ru-RU" baseline="0" dirty="0" smtClean="0"/>
+              <a:rPr lang="ru-RU" baseline="0" dirty="0"/>
               <a:t> моделями без механизма внимания, результат пока не известен. Одна из главных задач тут – максимально приблизиться, а лучше обогнать их по качеству</a:t>
             </a:r>
             <a:endParaRPr lang="ru-RU" dirty="0"/>
@@ -8163,20 +8152,20 @@
           <a:lstStyle/>
           <a:p>
             <a:r>
-              <a:rPr lang="ru-RU" dirty="0" smtClean="0"/>
+              <a:rPr lang="ru-RU" dirty="0"/>
               <a:t>На этом у меня всё,</a:t>
             </a:r>
             <a:r>
-              <a:rPr lang="ru-RU" baseline="0" dirty="0" smtClean="0"/>
+              <a:rPr lang="ru-RU" baseline="0" dirty="0"/>
               <a:t> спасибо!</a:t>
             </a:r>
           </a:p>
           <a:p>
-            <a:endParaRPr lang="ru-RU" baseline="0" dirty="0" smtClean="0"/>
-          </a:p>
-          <a:p>
-            <a:r>
-              <a:rPr lang="ru-RU" baseline="0" dirty="0" smtClean="0"/>
+            <a:endParaRPr lang="ru-RU" baseline="0" dirty="0"/>
+          </a:p>
+          <a:p>
+            <a:r>
+              <a:rPr lang="ru-RU" baseline="0" dirty="0"/>
               <a:t>Готов ответить на ваши вопросы</a:t>
             </a:r>
             <a:endParaRPr lang="ru-RU" dirty="0"/>
@@ -8284,7 +8273,7 @@
           <a:p>
             <a:fld id="{6C748903-8EB5-294E-A216-6B54B0368783}" type="slidenum">
               <a:rPr lang="en-RU" smtClean="0"/>
-              <a:t>24</a:t>
+              <a:t>17</a:t>
             </a:fld>
             <a:endParaRPr lang="en-RU"/>
           </a:p>
@@ -8368,7 +8357,7 @@
           <a:p>
             <a:fld id="{6C748903-8EB5-294E-A216-6B54B0368783}" type="slidenum">
               <a:rPr lang="en-RU" smtClean="0"/>
-              <a:t>25</a:t>
+              <a:t>18</a:t>
             </a:fld>
             <a:endParaRPr lang="en-RU"/>
           </a:p>
@@ -21523,7 +21512,7 @@
           <a:p>
             <a:fld id="{53063DFB-8595-A44B-9F09-A50FA310E559}" type="datetimeFigureOut">
               <a:rPr lang="en-RU" smtClean="0"/>
-              <a:t>03/26/2024</a:t>
+              <a:t>5/18/24</a:t>
             </a:fld>
             <a:endParaRPr lang="en-RU"/>
           </a:p>
@@ -21971,24 +21960,15 @@
           <a:p>
             <a:r>
               <a:rPr lang="ru-RU" dirty="0"/>
-              <a:t>Прогнозирование временных </a:t>
-            </a:r>
-            <a:r>
-              <a:rPr lang="ru-RU" dirty="0" smtClean="0"/>
-              <a:t>рядов</a:t>
+              <a:t>Прогнозирование временных рядов</a:t>
             </a:r>
             <a:br>
-              <a:rPr lang="ru-RU" dirty="0" smtClean="0"/>
+              <a:rPr lang="ru-RU" dirty="0"/>
             </a:br>
             <a:r>
-              <a:rPr lang="ru-RU" dirty="0" smtClean="0"/>
-              <a:t>с помощью </a:t>
-            </a:r>
-            <a:r>
               <a:rPr lang="ru-RU" dirty="0"/>
-              <a:t>рекуррентных нейронных сетей</a:t>
-            </a:r>
-            <a:endParaRPr lang="ru-RU" dirty="0"/>
+              <a:t>с помощью рекуррентных нейронных сетей</a:t>
+            </a:r>
           </a:p>
         </p:txBody>
       </p:sp>
@@ -22091,10 +22071,9 @@
           </a:p>
           <a:p>
             <a:r>
-              <a:rPr lang="ru-RU" dirty="0" smtClean="0"/>
+              <a:rPr lang="ru-RU" dirty="0"/>
               <a:t>2024</a:t>
             </a:r>
-            <a:endParaRPr lang="ru-RU" dirty="0"/>
           </a:p>
         </p:txBody>
       </p:sp>
@@ -22122,11 +22101,11 @@
           <a:lstStyle/>
           <a:p>
             <a:r>
-              <a:rPr lang="ru-RU" dirty="0" smtClean="0"/>
+              <a:rPr lang="ru-RU" dirty="0"/>
               <a:t>Выполняет</a:t>
             </a:r>
             <a:r>
-              <a:rPr lang="en-US" dirty="0" smtClean="0"/>
+              <a:rPr lang="en-US" dirty="0"/>
               <a:t>: </a:t>
             </a:r>
             <a:r>
@@ -22152,7 +22131,7 @@
               <a:t>: </a:t>
             </a:r>
             <a:r>
-              <a:rPr lang="ru-RU" dirty="0" smtClean="0"/>
+              <a:rPr lang="ru-RU" dirty="0"/>
               <a:t>аспирант, приглашённый преподаватель </a:t>
             </a:r>
             <a:r>
@@ -22181,3015 +22160,10 @@
   <p:clrMapOvr>
     <a:masterClrMapping/>
   </p:clrMapOvr>
-  <p:timing>
-    <p:tnLst>
-      <p:par>
-        <p:cTn id="1" dur="indefinite" restart="never" nodeType="tmRoot"/>
-      </p:par>
-    </p:tnLst>
-  </p:timing>
 </p:sld>
 </file>
 
 <file path=ppt/slides/slide10.xml><?xml version="1.0" encoding="utf-8"?>
-<p:sld xmlns:a="http://schemas.openxmlformats.org/drawingml/2006/main" xmlns:r="http://schemas.openxmlformats.org/officeDocument/2006/relationships" xmlns:p="http://schemas.openxmlformats.org/presentationml/2006/main">
-  <p:cSld>
-    <p:spTree>
-      <p:nvGrpSpPr>
-        <p:cNvPr id="1" name=""/>
-        <p:cNvGrpSpPr/>
-        <p:nvPr/>
-      </p:nvGrpSpPr>
-      <p:grpSpPr>
-        <a:xfrm>
-          <a:off x="0" y="0"/>
-          <a:ext cx="0" cy="0"/>
-          <a:chOff x="0" y="0"/>
-          <a:chExt cx="0" cy="0"/>
-        </a:xfrm>
-      </p:grpSpPr>
-      <p:sp>
-        <p:nvSpPr>
-          <p:cNvPr id="2" name="Текст 1">
-            <a:extLst>
-              <a:ext uri="{FF2B5EF4-FFF2-40B4-BE49-F238E27FC236}">
-                <a16:creationId xmlns:a16="http://schemas.microsoft.com/office/drawing/2014/main" id="{7AC8064E-5791-204C-B92F-A01827949435}"/>
-              </a:ext>
-            </a:extLst>
-          </p:cNvPr>
-          <p:cNvSpPr>
-            <a:spLocks noGrp="1"/>
-          </p:cNvSpPr>
-          <p:nvPr>
-            <p:ph type="body" sz="quarter" idx="13"/>
-          </p:nvPr>
-        </p:nvSpPr>
-        <p:spPr>
-          <a:xfrm>
-            <a:off x="1143689" y="540904"/>
-            <a:ext cx="2070100" cy="415925"/>
-          </a:xfrm>
-        </p:spPr>
-        <p:txBody>
-          <a:bodyPr/>
-          <a:lstStyle/>
-          <a:p>
-            <a:r>
-              <a:rPr lang="ru-RU" dirty="0"/>
-              <a:t>Магистерская программа </a:t>
-            </a:r>
-            <a:r>
-              <a:rPr lang="en-US" dirty="0"/>
-              <a:t>”</a:t>
-            </a:r>
-            <a:r>
-              <a:rPr lang="ru-RU" dirty="0"/>
-              <a:t>Интеллектуальный анализ данных</a:t>
-            </a:r>
-            <a:r>
-              <a:rPr lang="en-US" dirty="0"/>
-              <a:t>”</a:t>
-            </a:r>
-            <a:endParaRPr lang="ru-RU" dirty="0"/>
-          </a:p>
-          <a:p>
-            <a:endParaRPr lang="ru-RU" dirty="0"/>
-          </a:p>
-        </p:txBody>
-      </p:sp>
-      <p:sp>
-        <p:nvSpPr>
-          <p:cNvPr id="3" name="Текст 2">
-            <a:extLst>
-              <a:ext uri="{FF2B5EF4-FFF2-40B4-BE49-F238E27FC236}">
-                <a16:creationId xmlns:a16="http://schemas.microsoft.com/office/drawing/2014/main" id="{C5A111DD-C00C-2D48-9F7A-4E23C5BA0C63}"/>
-              </a:ext>
-            </a:extLst>
-          </p:cNvPr>
-          <p:cNvSpPr>
-            <a:spLocks noGrp="1"/>
-          </p:cNvSpPr>
-          <p:nvPr>
-            <p:ph type="body" sz="quarter" idx="14"/>
-          </p:nvPr>
-        </p:nvSpPr>
-        <p:spPr/>
-        <p:txBody>
-          <a:bodyPr/>
-          <a:lstStyle/>
-          <a:p>
-            <a:r>
-              <a:rPr lang="ru-RU" dirty="0"/>
-              <a:t>Исследование динамики связей на рыночном графе</a:t>
-            </a:r>
-          </a:p>
-        </p:txBody>
-      </p:sp>
-      <p:sp>
-        <p:nvSpPr>
-          <p:cNvPr id="4" name="Текст 3">
-            <a:extLst>
-              <a:ext uri="{FF2B5EF4-FFF2-40B4-BE49-F238E27FC236}">
-                <a16:creationId xmlns:a16="http://schemas.microsoft.com/office/drawing/2014/main" id="{D7B3E517-ED8B-0241-AB87-BE49B315EEBF}"/>
-              </a:ext>
-            </a:extLst>
-          </p:cNvPr>
-          <p:cNvSpPr>
-            <a:spLocks noGrp="1"/>
-          </p:cNvSpPr>
-          <p:nvPr>
-            <p:ph type="body" sz="quarter" idx="15"/>
-          </p:nvPr>
-        </p:nvSpPr>
-        <p:spPr/>
-        <p:txBody>
-          <a:bodyPr/>
-          <a:lstStyle/>
-          <a:p>
-            <a:r>
-              <a:rPr lang="ru-RU" dirty="0"/>
-              <a:t>Наш подход</a:t>
-            </a:r>
-          </a:p>
-        </p:txBody>
-      </p:sp>
-      <mc:AlternateContent xmlns:mc="http://schemas.openxmlformats.org/markup-compatibility/2006">
-        <mc:Choice xmlns:a14="http://schemas.microsoft.com/office/drawing/2010/main" Requires="a14">
-          <p:sp>
-            <p:nvSpPr>
-              <p:cNvPr id="9" name="Текст 3">
-                <a:extLst>
-                  <a:ext uri="{FF2B5EF4-FFF2-40B4-BE49-F238E27FC236}">
-                    <a16:creationId xmlns:a16="http://schemas.microsoft.com/office/drawing/2014/main" id="{53356540-7218-FF4B-B6BC-5BD291A372E2}"/>
-                  </a:ext>
-                </a:extLst>
-              </p:cNvPr>
-              <p:cNvSpPr>
-                <a:spLocks noGrp="1"/>
-              </p:cNvSpPr>
-              <p:nvPr/>
-            </p:nvSpPr>
-            <p:spPr>
-              <a:xfrm>
-                <a:off x="697686" y="2408243"/>
-                <a:ext cx="6518660" cy="3393234"/>
-              </a:xfrm>
-              <a:prstGeom prst="rect">
-                <a:avLst/>
-              </a:prstGeom>
-            </p:spPr>
-            <p:txBody>
-              <a:bodyPr vert="horz" lIns="0" tIns="0" rIns="0" bIns="45720" rtlCol="0">
-                <a:normAutofit fontScale="85000" lnSpcReduction="10000"/>
-              </a:bodyPr>
-              <a:lstStyle>
-                <a:lvl1pPr marL="0" marR="0" indent="0" algn="l" defTabSz="914400" rtl="0" eaLnBrk="1" fontAlgn="auto" latinLnBrk="0" hangingPunct="1">
-                  <a:lnSpc>
-                    <a:spcPct val="100000"/>
-                  </a:lnSpc>
-                  <a:spcBef>
-                    <a:spcPts val="1000"/>
-                  </a:spcBef>
-                  <a:spcAft>
-                    <a:spcPts val="0"/>
-                  </a:spcAft>
-                  <a:buClrTx/>
-                  <a:buSzTx/>
-                  <a:buFont typeface="Arial" panose="020B0604020202020204" pitchFamily="34" charset="0"/>
-                  <a:buNone/>
-                  <a:tabLst/>
-                  <a:defRPr sz="1300" b="0" i="0" kern="1200">
-                    <a:solidFill>
-                      <a:srgbClr val="0E2D69"/>
-                    </a:solidFill>
-                    <a:latin typeface="HSE Sans" panose="02000000000000000000" pitchFamily="2" charset="0"/>
-                    <a:ea typeface="+mn-ea"/>
-                    <a:cs typeface="+mn-cs"/>
-                  </a:defRPr>
-                </a:lvl1pPr>
-                <a:lvl2pPr marL="457200" indent="0" algn="l" defTabSz="914400" rtl="0" eaLnBrk="1" latinLnBrk="0" hangingPunct="1">
-                  <a:lnSpc>
-                    <a:spcPct val="100000"/>
-                  </a:lnSpc>
-                  <a:spcBef>
-                    <a:spcPts val="1000"/>
-                  </a:spcBef>
-                  <a:buFont typeface="Arial" panose="020B0604020202020204" pitchFamily="34" charset="0"/>
-                  <a:buNone/>
-                  <a:defRPr sz="1300" b="0" i="0" kern="1200">
-                    <a:solidFill>
-                      <a:srgbClr val="0E2D69"/>
-                    </a:solidFill>
-                    <a:latin typeface="HSE Sans" panose="02000000000000000000" pitchFamily="2" charset="0"/>
-                    <a:ea typeface="+mn-ea"/>
-                    <a:cs typeface="+mn-cs"/>
-                  </a:defRPr>
-                </a:lvl2pPr>
-                <a:lvl3pPr marL="914400" indent="0" algn="l" defTabSz="914400" rtl="0" eaLnBrk="1" latinLnBrk="0" hangingPunct="1">
-                  <a:lnSpc>
-                    <a:spcPct val="100000"/>
-                  </a:lnSpc>
-                  <a:spcBef>
-                    <a:spcPts val="1000"/>
-                  </a:spcBef>
-                  <a:buFont typeface="Arial" panose="020B0604020202020204" pitchFamily="34" charset="0"/>
-                  <a:buNone/>
-                  <a:defRPr sz="1300" b="0" i="0" kern="1200">
-                    <a:solidFill>
-                      <a:srgbClr val="0E2D69"/>
-                    </a:solidFill>
-                    <a:latin typeface="HSE Sans" panose="02000000000000000000" pitchFamily="2" charset="0"/>
-                    <a:ea typeface="+mn-ea"/>
-                    <a:cs typeface="+mn-cs"/>
-                  </a:defRPr>
-                </a:lvl3pPr>
-                <a:lvl4pPr marL="1371600" indent="0" algn="l" defTabSz="914400" rtl="0" eaLnBrk="1" latinLnBrk="0" hangingPunct="1">
-                  <a:lnSpc>
-                    <a:spcPct val="100000"/>
-                  </a:lnSpc>
-                  <a:spcBef>
-                    <a:spcPts val="1000"/>
-                  </a:spcBef>
-                  <a:buFont typeface="Arial" panose="020B0604020202020204" pitchFamily="34" charset="0"/>
-                  <a:buNone/>
-                  <a:defRPr sz="1300" b="0" i="0" kern="1200">
-                    <a:solidFill>
-                      <a:srgbClr val="0E2D69"/>
-                    </a:solidFill>
-                    <a:latin typeface="HSE Sans" panose="02000000000000000000" pitchFamily="2" charset="0"/>
-                    <a:ea typeface="+mn-ea"/>
-                    <a:cs typeface="+mn-cs"/>
-                  </a:defRPr>
-                </a:lvl4pPr>
-                <a:lvl5pPr marL="1828800" indent="0" algn="l" defTabSz="914400" rtl="0" eaLnBrk="1" latinLnBrk="0" hangingPunct="1">
-                  <a:lnSpc>
-                    <a:spcPct val="100000"/>
-                  </a:lnSpc>
-                  <a:spcBef>
-                    <a:spcPts val="1000"/>
-                  </a:spcBef>
-                  <a:buFont typeface="Arial" panose="020B0604020202020204" pitchFamily="34" charset="0"/>
-                  <a:buNone/>
-                  <a:defRPr sz="1300" b="0" i="0" kern="1200">
-                    <a:solidFill>
-                      <a:srgbClr val="0E2D69"/>
-                    </a:solidFill>
-                    <a:latin typeface="HSE Sans" panose="02000000000000000000" pitchFamily="2" charset="0"/>
-                    <a:ea typeface="+mn-ea"/>
-                    <a:cs typeface="+mn-cs"/>
-                  </a:defRPr>
-                </a:lvl5pPr>
-                <a:lvl6pPr marL="2514600" indent="-228600" algn="l" defTabSz="914400" rtl="0" eaLnBrk="1" latinLnBrk="0" hangingPunct="1">
-                  <a:lnSpc>
-                    <a:spcPct val="90000"/>
-                  </a:lnSpc>
-                  <a:spcBef>
-                    <a:spcPts val="500"/>
-                  </a:spcBef>
-                  <a:buFont typeface="Arial" panose="020B0604020202020204" pitchFamily="34" charset="0"/>
-                  <a:buChar char="•"/>
-                  <a:defRPr sz="1800" kern="1200">
-                    <a:solidFill>
-                      <a:schemeClr val="tx1"/>
-                    </a:solidFill>
-                    <a:latin typeface="+mn-lt"/>
-                    <a:ea typeface="+mn-ea"/>
-                    <a:cs typeface="+mn-cs"/>
-                  </a:defRPr>
-                </a:lvl6pPr>
-                <a:lvl7pPr marL="2971800" indent="-228600" algn="l" defTabSz="914400" rtl="0" eaLnBrk="1" latinLnBrk="0" hangingPunct="1">
-                  <a:lnSpc>
-                    <a:spcPct val="90000"/>
-                  </a:lnSpc>
-                  <a:spcBef>
-                    <a:spcPts val="500"/>
-                  </a:spcBef>
-                  <a:buFont typeface="Arial" panose="020B0604020202020204" pitchFamily="34" charset="0"/>
-                  <a:buChar char="•"/>
-                  <a:defRPr sz="1800" kern="1200">
-                    <a:solidFill>
-                      <a:schemeClr val="tx1"/>
-                    </a:solidFill>
-                    <a:latin typeface="+mn-lt"/>
-                    <a:ea typeface="+mn-ea"/>
-                    <a:cs typeface="+mn-cs"/>
-                  </a:defRPr>
-                </a:lvl7pPr>
-                <a:lvl8pPr marL="3429000" indent="-228600" algn="l" defTabSz="914400" rtl="0" eaLnBrk="1" latinLnBrk="0" hangingPunct="1">
-                  <a:lnSpc>
-                    <a:spcPct val="90000"/>
-                  </a:lnSpc>
-                  <a:spcBef>
-                    <a:spcPts val="500"/>
-                  </a:spcBef>
-                  <a:buFont typeface="Arial" panose="020B0604020202020204" pitchFamily="34" charset="0"/>
-                  <a:buChar char="•"/>
-                  <a:defRPr sz="1800" kern="1200">
-                    <a:solidFill>
-                      <a:schemeClr val="tx1"/>
-                    </a:solidFill>
-                    <a:latin typeface="+mn-lt"/>
-                    <a:ea typeface="+mn-ea"/>
-                    <a:cs typeface="+mn-cs"/>
-                  </a:defRPr>
-                </a:lvl8pPr>
-                <a:lvl9pPr marL="3886200" indent="-228600" algn="l" defTabSz="914400" rtl="0" eaLnBrk="1" latinLnBrk="0" hangingPunct="1">
-                  <a:lnSpc>
-                    <a:spcPct val="90000"/>
-                  </a:lnSpc>
-                  <a:spcBef>
-                    <a:spcPts val="500"/>
-                  </a:spcBef>
-                  <a:buFont typeface="Arial" panose="020B0604020202020204" pitchFamily="34" charset="0"/>
-                  <a:buChar char="•"/>
-                  <a:defRPr sz="1800" kern="1200">
-                    <a:solidFill>
-                      <a:schemeClr val="tx1"/>
-                    </a:solidFill>
-                    <a:latin typeface="+mn-lt"/>
-                    <a:ea typeface="+mn-ea"/>
-                    <a:cs typeface="+mn-cs"/>
-                  </a:defRPr>
-                </a:lvl9pPr>
-              </a:lstStyle>
-              <a:p>
-                <a:pPr marL="285750" indent="-285750">
-                  <a:buFont typeface="Arial" panose="020B0604020202020204" pitchFamily="34" charset="0"/>
-                  <a:buChar char="•"/>
-                </a:pPr>
-                <a:r>
-                  <a:rPr lang="ru-RU" sz="1800" dirty="0"/>
-                  <a:t>Получены данные о российском рынке акций, начиная с 2015 года</a:t>
-                </a:r>
-              </a:p>
-              <a:p>
-                <a:pPr marL="285750" indent="-285750">
-                  <a:buFont typeface="Arial" panose="020B0604020202020204" pitchFamily="34" charset="0"/>
-                  <a:buChar char="•"/>
-                </a:pPr>
-                <a:r>
-                  <a:rPr lang="ru-RU" sz="1800" dirty="0"/>
-                  <a:t>Данные разбиты на промежутки по 500 торговых дней, с пересечением каждой пары в 450 дней (как предложено</a:t>
-                </a:r>
-                <a:r>
-                  <a:rPr lang="en-US" sz="1800" dirty="0"/>
-                  <a:t> </a:t>
-                </a:r>
-                <a:r>
-                  <a:rPr lang="ru-RU" sz="1800" dirty="0"/>
-                  <a:t>в статье</a:t>
-                </a:r>
-                <a:r>
-                  <a:rPr lang="en-US" sz="1800" dirty="0"/>
-                  <a:t>*)</a:t>
-                </a:r>
-              </a:p>
-              <a:p>
-                <a:pPr marL="285750" indent="-285750">
-                  <a:buFont typeface="Arial" panose="020B0604020202020204" pitchFamily="34" charset="0"/>
-                  <a:buChar char="•"/>
-                </a:pPr>
-                <a:r>
-                  <a:rPr lang="ru-RU" sz="1800" dirty="0"/>
-                  <a:t>Для отсутствия пропусков, из рассмотрения исключили бумаги, не вошедшие хотя бы в 1 промежуток</a:t>
-                </a:r>
-              </a:p>
-              <a:p>
-                <a:pPr marL="285750" indent="-285750">
-                  <a:buFont typeface="Arial" panose="020B0604020202020204" pitchFamily="34" charset="0"/>
-                  <a:buChar char="•"/>
-                </a:pPr>
-                <a:r>
-                  <a:rPr lang="ru-RU" sz="1800" dirty="0"/>
-                  <a:t>Для построения рыночных графов использовали корреляции Пирсона и </a:t>
-                </a:r>
-                <a14:m>
-                  <m:oMath xmlns:m="http://schemas.openxmlformats.org/officeDocument/2006/math">
-                    <m:r>
-                      <a:rPr lang="en-US" sz="1800" b="0" i="1" smtClean="0">
-                        <a:latin typeface="Cambria Math" panose="02040503050406030204" pitchFamily="18" charset="0"/>
-                      </a:rPr>
-                      <m:t>𝜏</m:t>
-                    </m:r>
-                  </m:oMath>
-                </a14:m>
-                <a:r>
-                  <a:rPr lang="en-US" sz="1800" dirty="0"/>
-                  <a:t>-</a:t>
-                </a:r>
-                <a:r>
-                  <a:rPr lang="ru-RU" sz="1800" dirty="0"/>
-                  <a:t>Кендалла (совпадения рангов искусственно избегались)</a:t>
-                </a:r>
-              </a:p>
-              <a:p>
-                <a:pPr marL="285750" indent="-285750">
-                  <a:buFont typeface="Arial" panose="020B0604020202020204" pitchFamily="34" charset="0"/>
-                  <a:buChar char="•"/>
-                </a:pPr>
-                <a:r>
-                  <a:rPr lang="ru-RU" sz="1800" dirty="0"/>
-                  <a:t>В полученных графах эвристическими методами находили максимальные клики и строили их объединения с учетом </a:t>
-                </a:r>
-                <a:r>
-                  <a:rPr lang="en-US" sz="1800" dirty="0"/>
-                  <a:t>“</a:t>
-                </a:r>
-                <a:r>
-                  <a:rPr lang="ru-RU" sz="1800" dirty="0"/>
-                  <a:t>вкладов</a:t>
-                </a:r>
-                <a:r>
-                  <a:rPr lang="en-US" sz="1800" dirty="0"/>
-                  <a:t>”</a:t>
-                </a:r>
-                <a:r>
-                  <a:rPr lang="ru-RU" sz="1800" dirty="0"/>
-                  <a:t> вершин</a:t>
-                </a:r>
-              </a:p>
-            </p:txBody>
-          </p:sp>
-        </mc:Choice>
-        <mc:Fallback>
-          <p:sp>
-            <p:nvSpPr>
-              <p:cNvPr id="9" name="Текст 3">
-                <a:extLst>
-                  <a:ext uri="{FF2B5EF4-FFF2-40B4-BE49-F238E27FC236}">
-                    <a16:creationId xmlns:a16="http://schemas.microsoft.com/office/drawing/2014/main" id="{53356540-7218-FF4B-B6BC-5BD291A372E2}"/>
-                  </a:ext>
-                </a:extLst>
-              </p:cNvPr>
-              <p:cNvSpPr>
-                <a:spLocks noGrp="1" noRot="1" noChangeAspect="1" noMove="1" noResize="1" noEditPoints="1" noAdjustHandles="1" noChangeArrowheads="1" noChangeShapeType="1" noTextEdit="1"/>
-              </p:cNvSpPr>
-              <p:nvPr/>
-            </p:nvSpPr>
-            <p:spPr>
-              <a:xfrm>
-                <a:off x="697686" y="2408243"/>
-                <a:ext cx="6518660" cy="3393234"/>
-              </a:xfrm>
-              <a:prstGeom prst="rect">
-                <a:avLst/>
-              </a:prstGeom>
-              <a:blipFill>
-                <a:blip r:embed="rId2"/>
-                <a:stretch>
-                  <a:fillRect l="-1682" t="-2513" r="-3271"/>
-                </a:stretch>
-              </a:blipFill>
-            </p:spPr>
-            <p:txBody>
-              <a:bodyPr/>
-              <a:lstStyle/>
-              <a:p>
-                <a:r>
-                  <a:rPr lang="ru-RU">
-                    <a:noFill/>
-                  </a:rPr>
-                  <a:t> </a:t>
-                </a:r>
-              </a:p>
-            </p:txBody>
-          </p:sp>
-        </mc:Fallback>
-      </mc:AlternateContent>
-      <p:sp>
-        <p:nvSpPr>
-          <p:cNvPr id="16" name="TextBox 15">
-            <a:extLst>
-              <a:ext uri="{FF2B5EF4-FFF2-40B4-BE49-F238E27FC236}">
-                <a16:creationId xmlns:a16="http://schemas.microsoft.com/office/drawing/2014/main" id="{0D0B2F98-1BD8-DB7F-B12E-2E43ADE83F79}"/>
-              </a:ext>
-            </a:extLst>
-          </p:cNvPr>
-          <p:cNvSpPr txBox="1"/>
-          <p:nvPr/>
-        </p:nvSpPr>
-        <p:spPr>
-          <a:xfrm>
-            <a:off x="585897" y="1447790"/>
-            <a:ext cx="4107406" cy="707886"/>
-          </a:xfrm>
-          <a:prstGeom prst="rect">
-            <a:avLst/>
-          </a:prstGeom>
-          <a:noFill/>
-        </p:spPr>
-        <p:txBody>
-          <a:bodyPr wrap="none" rtlCol="0">
-            <a:spAutoFit/>
-          </a:bodyPr>
-          <a:lstStyle/>
-          <a:p>
-            <a:pPr algn="l"/>
-            <a:r>
-              <a:rPr lang="ru-RU" sz="4000" dirty="0">
-                <a:latin typeface="HSE Sans" panose="02000000000000000000" pitchFamily="2" charset="0"/>
-              </a:rPr>
-              <a:t>Что было сделано</a:t>
-            </a:r>
-          </a:p>
-        </p:txBody>
-      </p:sp>
-      <p:sp>
-        <p:nvSpPr>
-          <p:cNvPr id="10" name="TextBox 9">
-            <a:extLst>
-              <a:ext uri="{FF2B5EF4-FFF2-40B4-BE49-F238E27FC236}">
-                <a16:creationId xmlns:a16="http://schemas.microsoft.com/office/drawing/2014/main" id="{8747EFE6-6C79-8A3F-F154-497568FD152E}"/>
-              </a:ext>
-            </a:extLst>
-          </p:cNvPr>
-          <p:cNvSpPr txBox="1"/>
-          <p:nvPr/>
-        </p:nvSpPr>
-        <p:spPr>
-          <a:xfrm>
-            <a:off x="697686" y="6317096"/>
-            <a:ext cx="10871903" cy="253916"/>
-          </a:xfrm>
-          <a:prstGeom prst="rect">
-            <a:avLst/>
-          </a:prstGeom>
-          <a:noFill/>
-        </p:spPr>
-        <p:txBody>
-          <a:bodyPr wrap="square">
-            <a:spAutoFit/>
-          </a:bodyPr>
-          <a:lstStyle/>
-          <a:p>
-            <a:pPr lvl="0" algn="just">
-              <a:spcAft>
-                <a:spcPts val="1200"/>
-              </a:spcAft>
-            </a:pPr>
-            <a:r>
-              <a:rPr lang="ru-RU" sz="1050" dirty="0">
-                <a:effectLst/>
-                <a:latin typeface="Times New Roman" panose="02020603050405020304" pitchFamily="18" charset="0"/>
-                <a:ea typeface="Calibri" panose="020F0502020204030204" pitchFamily="34" charset="0"/>
-              </a:rPr>
-              <a:t>(</a:t>
-            </a:r>
-            <a:r>
-              <a:rPr lang="en-US" sz="1050" dirty="0">
-                <a:effectLst/>
-                <a:latin typeface="Times New Roman" panose="02020603050405020304" pitchFamily="18" charset="0"/>
-                <a:ea typeface="Calibri" panose="020F0502020204030204" pitchFamily="34" charset="0"/>
-              </a:rPr>
-              <a:t>*</a:t>
-            </a:r>
-            <a:r>
-              <a:rPr lang="ru-RU" sz="1050" dirty="0">
-                <a:effectLst/>
-                <a:latin typeface="Times New Roman" panose="02020603050405020304" pitchFamily="18" charset="0"/>
-                <a:ea typeface="Calibri" panose="020F0502020204030204" pitchFamily="34" charset="0"/>
-              </a:rPr>
-              <a:t>)</a:t>
-            </a:r>
-            <a:r>
-              <a:rPr lang="en-US" sz="1050" dirty="0">
-                <a:effectLst/>
-                <a:latin typeface="Times New Roman" panose="02020603050405020304" pitchFamily="18" charset="0"/>
-                <a:ea typeface="Calibri" panose="020F0502020204030204" pitchFamily="34" charset="0"/>
-              </a:rPr>
-              <a:t>. </a:t>
-            </a:r>
-            <a:r>
-              <a:rPr lang="en-US" sz="1050" dirty="0" err="1">
-                <a:effectLst/>
-                <a:latin typeface="Times New Roman" panose="02020603050405020304" pitchFamily="18" charset="0"/>
-                <a:ea typeface="Calibri" panose="020F0502020204030204" pitchFamily="34" charset="0"/>
-              </a:rPr>
-              <a:t>Vizgunov</a:t>
-            </a:r>
-            <a:r>
-              <a:rPr lang="en-US" sz="1050" dirty="0">
-                <a:effectLst/>
-                <a:latin typeface="Times New Roman" panose="02020603050405020304" pitchFamily="18" charset="0"/>
-                <a:ea typeface="Calibri" panose="020F0502020204030204" pitchFamily="34" charset="0"/>
-              </a:rPr>
-              <a:t>, A.N., </a:t>
-            </a:r>
-            <a:r>
-              <a:rPr lang="en-US" sz="1050" dirty="0" err="1">
-                <a:effectLst/>
-                <a:latin typeface="Times New Roman" panose="02020603050405020304" pitchFamily="18" charset="0"/>
-                <a:ea typeface="Calibri" panose="020F0502020204030204" pitchFamily="34" charset="0"/>
-              </a:rPr>
-              <a:t>Goldengorin</a:t>
-            </a:r>
-            <a:r>
-              <a:rPr lang="en-US" sz="1050" dirty="0">
-                <a:effectLst/>
-                <a:latin typeface="Times New Roman" panose="02020603050405020304" pitchFamily="18" charset="0"/>
-                <a:ea typeface="Calibri" panose="020F0502020204030204" pitchFamily="34" charset="0"/>
-              </a:rPr>
-              <a:t>, B., </a:t>
-            </a:r>
-            <a:r>
-              <a:rPr lang="en-US" sz="1050" dirty="0" err="1">
-                <a:effectLst/>
-                <a:latin typeface="Times New Roman" panose="02020603050405020304" pitchFamily="18" charset="0"/>
-                <a:ea typeface="Calibri" panose="020F0502020204030204" pitchFamily="34" charset="0"/>
-              </a:rPr>
-              <a:t>Kalyagin</a:t>
-            </a:r>
-            <a:r>
-              <a:rPr lang="en-US" sz="1050" dirty="0">
-                <a:effectLst/>
-                <a:latin typeface="Times New Roman" panose="02020603050405020304" pitchFamily="18" charset="0"/>
-                <a:ea typeface="Calibri" panose="020F0502020204030204" pitchFamily="34" charset="0"/>
-              </a:rPr>
-              <a:t>, V.A., </a:t>
-            </a:r>
-            <a:r>
-              <a:rPr lang="en-US" sz="1050" dirty="0" err="1">
-                <a:effectLst/>
-                <a:latin typeface="Times New Roman" panose="02020603050405020304" pitchFamily="18" charset="0"/>
-                <a:ea typeface="Calibri" panose="020F0502020204030204" pitchFamily="34" charset="0"/>
-              </a:rPr>
-              <a:t>Koldanov</a:t>
-            </a:r>
-            <a:r>
-              <a:rPr lang="en-US" sz="1050" dirty="0">
-                <a:effectLst/>
-                <a:latin typeface="Times New Roman" panose="02020603050405020304" pitchFamily="18" charset="0"/>
-                <a:ea typeface="Calibri" panose="020F0502020204030204" pitchFamily="34" charset="0"/>
-              </a:rPr>
-              <a:t>, A.P., </a:t>
-            </a:r>
-            <a:r>
-              <a:rPr lang="en-US" sz="1050" dirty="0" err="1">
-                <a:effectLst/>
-                <a:latin typeface="Times New Roman" panose="02020603050405020304" pitchFamily="18" charset="0"/>
-                <a:ea typeface="Calibri" panose="020F0502020204030204" pitchFamily="34" charset="0"/>
-              </a:rPr>
-              <a:t>Koldanov</a:t>
-            </a:r>
-            <a:r>
-              <a:rPr lang="en-US" sz="1050" dirty="0">
-                <a:effectLst/>
-                <a:latin typeface="Times New Roman" panose="02020603050405020304" pitchFamily="18" charset="0"/>
-                <a:ea typeface="Calibri" panose="020F0502020204030204" pitchFamily="34" charset="0"/>
-              </a:rPr>
-              <a:t>, P., </a:t>
-            </a:r>
-            <a:r>
-              <a:rPr lang="en-US" sz="1050" dirty="0" err="1">
-                <a:effectLst/>
-                <a:latin typeface="Times New Roman" panose="02020603050405020304" pitchFamily="18" charset="0"/>
-                <a:ea typeface="Calibri" panose="020F0502020204030204" pitchFamily="34" charset="0"/>
-              </a:rPr>
-              <a:t>Pardalos</a:t>
-            </a:r>
-            <a:r>
-              <a:rPr lang="en-US" sz="1050" dirty="0">
-                <a:effectLst/>
-                <a:latin typeface="Times New Roman" panose="02020603050405020304" pitchFamily="18" charset="0"/>
-                <a:ea typeface="Calibri" panose="020F0502020204030204" pitchFamily="34" charset="0"/>
-              </a:rPr>
-              <a:t>, P.M.: Network approach for the Russian stock market // </a:t>
-            </a:r>
-            <a:r>
-              <a:rPr lang="en-US" sz="1050" dirty="0" err="1">
-                <a:effectLst/>
-                <a:latin typeface="Times New Roman" panose="02020603050405020304" pitchFamily="18" charset="0"/>
-                <a:ea typeface="Calibri" panose="020F0502020204030204" pitchFamily="34" charset="0"/>
-              </a:rPr>
-              <a:t>Comput</a:t>
-            </a:r>
-            <a:r>
-              <a:rPr lang="en-US" sz="1050" dirty="0">
-                <a:effectLst/>
-                <a:latin typeface="Times New Roman" panose="02020603050405020304" pitchFamily="18" charset="0"/>
-                <a:ea typeface="Calibri" panose="020F0502020204030204" pitchFamily="34" charset="0"/>
-              </a:rPr>
-              <a:t>. </a:t>
-            </a:r>
-            <a:r>
-              <a:rPr lang="en-US" sz="1050" dirty="0" err="1">
-                <a:effectLst/>
-                <a:latin typeface="Times New Roman" panose="02020603050405020304" pitchFamily="18" charset="0"/>
-                <a:ea typeface="Calibri" panose="020F0502020204030204" pitchFamily="34" charset="0"/>
-              </a:rPr>
-              <a:t>Manag</a:t>
-            </a:r>
-            <a:r>
-              <a:rPr lang="en-US" sz="1050" dirty="0">
-                <a:effectLst/>
-                <a:latin typeface="Times New Roman" panose="02020603050405020304" pitchFamily="18" charset="0"/>
-                <a:ea typeface="Calibri" panose="020F0502020204030204" pitchFamily="34" charset="0"/>
-              </a:rPr>
-              <a:t>. Sci. 11:45–55, (2014)</a:t>
-            </a:r>
-            <a:endParaRPr lang="ru-RU" sz="1050" dirty="0">
-              <a:effectLst/>
-              <a:latin typeface="Times New Roman" panose="02020603050405020304" pitchFamily="18" charset="0"/>
-              <a:ea typeface="Calibri" panose="020F0502020204030204" pitchFamily="34" charset="0"/>
-            </a:endParaRPr>
-          </a:p>
-        </p:txBody>
-      </p:sp>
-      <p:pic>
-        <p:nvPicPr>
-          <p:cNvPr id="13" name="Рисунок 12">
-            <a:extLst>
-              <a:ext uri="{FF2B5EF4-FFF2-40B4-BE49-F238E27FC236}">
-                <a16:creationId xmlns:a16="http://schemas.microsoft.com/office/drawing/2014/main" id="{5FF1264D-56B7-F336-BBC3-DB5BF206532D}"/>
-              </a:ext>
-            </a:extLst>
-          </p:cNvPr>
-          <p:cNvPicPr>
-            <a:picLocks noChangeAspect="1"/>
-          </p:cNvPicPr>
-          <p:nvPr/>
-        </p:nvPicPr>
-        <p:blipFill>
-          <a:blip r:embed="rId3"/>
-          <a:stretch>
-            <a:fillRect/>
-          </a:stretch>
-        </p:blipFill>
-        <p:spPr>
-          <a:xfrm>
-            <a:off x="8556987" y="4306286"/>
-            <a:ext cx="3239597" cy="1790493"/>
-          </a:xfrm>
-          <a:prstGeom prst="rect">
-            <a:avLst/>
-          </a:prstGeom>
-        </p:spPr>
-      </p:pic>
-      <p:pic>
-        <p:nvPicPr>
-          <p:cNvPr id="14" name="Рисунок 13">
-            <a:extLst>
-              <a:ext uri="{FF2B5EF4-FFF2-40B4-BE49-F238E27FC236}">
-                <a16:creationId xmlns:a16="http://schemas.microsoft.com/office/drawing/2014/main" id="{0C77E255-7CF1-70AA-D777-8D98CF661572}"/>
-              </a:ext>
-            </a:extLst>
-          </p:cNvPr>
-          <p:cNvPicPr>
-            <a:picLocks noChangeAspect="1"/>
-          </p:cNvPicPr>
-          <p:nvPr/>
-        </p:nvPicPr>
-        <p:blipFill>
-          <a:blip r:embed="rId4"/>
-          <a:stretch>
-            <a:fillRect/>
-          </a:stretch>
-        </p:blipFill>
-        <p:spPr>
-          <a:xfrm>
-            <a:off x="7294942" y="1371177"/>
-            <a:ext cx="3053026" cy="2714792"/>
-          </a:xfrm>
-          <a:prstGeom prst="rect">
-            <a:avLst/>
-          </a:prstGeom>
-        </p:spPr>
-      </p:pic>
-      <p:sp>
-        <p:nvSpPr>
-          <p:cNvPr id="15" name="TextBox 14">
-            <a:extLst>
-              <a:ext uri="{FF2B5EF4-FFF2-40B4-BE49-F238E27FC236}">
-                <a16:creationId xmlns:a16="http://schemas.microsoft.com/office/drawing/2014/main" id="{ADAEA6E6-0051-2CD4-A55C-E313C23D2D5F}"/>
-              </a:ext>
-            </a:extLst>
-          </p:cNvPr>
-          <p:cNvSpPr txBox="1"/>
-          <p:nvPr/>
-        </p:nvSpPr>
-        <p:spPr>
-          <a:xfrm>
-            <a:off x="10426564" y="2313074"/>
-            <a:ext cx="1370020" cy="830997"/>
-          </a:xfrm>
-          <a:prstGeom prst="rect">
-            <a:avLst/>
-          </a:prstGeom>
-          <a:noFill/>
-        </p:spPr>
-        <p:txBody>
-          <a:bodyPr wrap="square" rtlCol="0">
-            <a:spAutoFit/>
-          </a:bodyPr>
-          <a:lstStyle/>
-          <a:p>
-            <a:pPr algn="l"/>
-            <a:r>
-              <a:rPr lang="ru-RU" sz="1200" dirty="0">
-                <a:latin typeface="HSE Sans" panose="02000000000000000000" pitchFamily="2" charset="0"/>
-              </a:rPr>
-              <a:t>Полученные промежутки длиной 500 торговых дней</a:t>
-            </a:r>
-          </a:p>
-        </p:txBody>
-      </p:sp>
-      <p:sp>
-        <p:nvSpPr>
-          <p:cNvPr id="17" name="TextBox 16">
-            <a:extLst>
-              <a:ext uri="{FF2B5EF4-FFF2-40B4-BE49-F238E27FC236}">
-                <a16:creationId xmlns:a16="http://schemas.microsoft.com/office/drawing/2014/main" id="{F38012A8-EB4E-A444-9B91-68C962F81B4A}"/>
-              </a:ext>
-            </a:extLst>
-          </p:cNvPr>
-          <p:cNvSpPr txBox="1"/>
-          <p:nvPr/>
-        </p:nvSpPr>
-        <p:spPr>
-          <a:xfrm>
-            <a:off x="7294942" y="4785814"/>
-            <a:ext cx="1262045" cy="1015663"/>
-          </a:xfrm>
-          <a:prstGeom prst="rect">
-            <a:avLst/>
-          </a:prstGeom>
-          <a:noFill/>
-        </p:spPr>
-        <p:txBody>
-          <a:bodyPr wrap="square" rtlCol="0">
-            <a:spAutoFit/>
-          </a:bodyPr>
-          <a:lstStyle/>
-          <a:p>
-            <a:pPr algn="l"/>
-            <a:r>
-              <a:rPr lang="ru-RU" sz="1200" dirty="0">
-                <a:latin typeface="HSE Sans" panose="02000000000000000000" pitchFamily="2" charset="0"/>
-              </a:rPr>
-              <a:t>Пример объединения максимальных клик рыночного графа</a:t>
-            </a:r>
-          </a:p>
-        </p:txBody>
-      </p:sp>
-    </p:spTree>
-    <p:extLst>
-      <p:ext uri="{BB962C8B-B14F-4D97-AF65-F5344CB8AC3E}">
-        <p14:creationId xmlns:p14="http://schemas.microsoft.com/office/powerpoint/2010/main" val="1696264342"/>
-      </p:ext>
-    </p:extLst>
-  </p:cSld>
-  <p:clrMapOvr>
-    <a:masterClrMapping/>
-  </p:clrMapOvr>
-</p:sld>
-</file>
-
-<file path=ppt/slides/slide11.xml><?xml version="1.0" encoding="utf-8"?>
-<p:sld xmlns:a="http://schemas.openxmlformats.org/drawingml/2006/main" xmlns:r="http://schemas.openxmlformats.org/officeDocument/2006/relationships" xmlns:p="http://schemas.openxmlformats.org/presentationml/2006/main">
-  <p:cSld>
-    <p:spTree>
-      <p:nvGrpSpPr>
-        <p:cNvPr id="1" name=""/>
-        <p:cNvGrpSpPr/>
-        <p:nvPr/>
-      </p:nvGrpSpPr>
-      <p:grpSpPr>
-        <a:xfrm>
-          <a:off x="0" y="0"/>
-          <a:ext cx="0" cy="0"/>
-          <a:chOff x="0" y="0"/>
-          <a:chExt cx="0" cy="0"/>
-        </a:xfrm>
-      </p:grpSpPr>
-      <p:sp>
-        <p:nvSpPr>
-          <p:cNvPr id="2" name="Текст 1">
-            <a:extLst>
-              <a:ext uri="{FF2B5EF4-FFF2-40B4-BE49-F238E27FC236}">
-                <a16:creationId xmlns:a16="http://schemas.microsoft.com/office/drawing/2014/main" id="{7AC8064E-5791-204C-B92F-A01827949435}"/>
-              </a:ext>
-            </a:extLst>
-          </p:cNvPr>
-          <p:cNvSpPr>
-            <a:spLocks noGrp="1"/>
-          </p:cNvSpPr>
-          <p:nvPr>
-            <p:ph type="body" sz="quarter" idx="13"/>
-          </p:nvPr>
-        </p:nvSpPr>
-        <p:spPr>
-          <a:xfrm>
-            <a:off x="1143689" y="540904"/>
-            <a:ext cx="2070100" cy="415925"/>
-          </a:xfrm>
-        </p:spPr>
-        <p:txBody>
-          <a:bodyPr/>
-          <a:lstStyle/>
-          <a:p>
-            <a:r>
-              <a:rPr lang="ru-RU" dirty="0"/>
-              <a:t>Магистерская программа </a:t>
-            </a:r>
-            <a:r>
-              <a:rPr lang="en-US" dirty="0"/>
-              <a:t>”</a:t>
-            </a:r>
-            <a:r>
-              <a:rPr lang="ru-RU" dirty="0"/>
-              <a:t>Интеллектуальный анализ данных</a:t>
-            </a:r>
-            <a:r>
-              <a:rPr lang="en-US" dirty="0"/>
-              <a:t>”</a:t>
-            </a:r>
-            <a:endParaRPr lang="ru-RU" dirty="0"/>
-          </a:p>
-          <a:p>
-            <a:endParaRPr lang="ru-RU" dirty="0"/>
-          </a:p>
-        </p:txBody>
-      </p:sp>
-      <p:sp>
-        <p:nvSpPr>
-          <p:cNvPr id="3" name="Текст 2">
-            <a:extLst>
-              <a:ext uri="{FF2B5EF4-FFF2-40B4-BE49-F238E27FC236}">
-                <a16:creationId xmlns:a16="http://schemas.microsoft.com/office/drawing/2014/main" id="{C5A111DD-C00C-2D48-9F7A-4E23C5BA0C63}"/>
-              </a:ext>
-            </a:extLst>
-          </p:cNvPr>
-          <p:cNvSpPr>
-            <a:spLocks noGrp="1"/>
-          </p:cNvSpPr>
-          <p:nvPr>
-            <p:ph type="body" sz="quarter" idx="14"/>
-          </p:nvPr>
-        </p:nvSpPr>
-        <p:spPr/>
-        <p:txBody>
-          <a:bodyPr/>
-          <a:lstStyle/>
-          <a:p>
-            <a:r>
-              <a:rPr lang="ru-RU" dirty="0"/>
-              <a:t>Исследование динамики связей на рыночном графе</a:t>
-            </a:r>
-          </a:p>
-        </p:txBody>
-      </p:sp>
-      <p:sp>
-        <p:nvSpPr>
-          <p:cNvPr id="4" name="Текст 3">
-            <a:extLst>
-              <a:ext uri="{FF2B5EF4-FFF2-40B4-BE49-F238E27FC236}">
-                <a16:creationId xmlns:a16="http://schemas.microsoft.com/office/drawing/2014/main" id="{D7B3E517-ED8B-0241-AB87-BE49B315EEBF}"/>
-              </a:ext>
-            </a:extLst>
-          </p:cNvPr>
-          <p:cNvSpPr>
-            <a:spLocks noGrp="1"/>
-          </p:cNvSpPr>
-          <p:nvPr>
-            <p:ph type="body" sz="quarter" idx="15"/>
-          </p:nvPr>
-        </p:nvSpPr>
-        <p:spPr/>
-        <p:txBody>
-          <a:bodyPr/>
-          <a:lstStyle/>
-          <a:p>
-            <a:r>
-              <a:rPr lang="ru-RU" dirty="0"/>
-              <a:t>Результаты</a:t>
-            </a:r>
-          </a:p>
-        </p:txBody>
-      </p:sp>
-      <p:sp>
-        <p:nvSpPr>
-          <p:cNvPr id="9" name="Текст 3">
-            <a:extLst>
-              <a:ext uri="{FF2B5EF4-FFF2-40B4-BE49-F238E27FC236}">
-                <a16:creationId xmlns:a16="http://schemas.microsoft.com/office/drawing/2014/main" id="{53356540-7218-FF4B-B6BC-5BD291A372E2}"/>
-              </a:ext>
-            </a:extLst>
-          </p:cNvPr>
-          <p:cNvSpPr>
-            <a:spLocks noGrp="1"/>
-          </p:cNvSpPr>
-          <p:nvPr/>
-        </p:nvSpPr>
-        <p:spPr>
-          <a:xfrm>
-            <a:off x="697686" y="2408243"/>
-            <a:ext cx="6518660" cy="3393234"/>
-          </a:xfrm>
-          <a:prstGeom prst="rect">
-            <a:avLst/>
-          </a:prstGeom>
-        </p:spPr>
-        <p:txBody>
-          <a:bodyPr vert="horz" lIns="0" tIns="0" rIns="0" bIns="45720" rtlCol="0">
-            <a:normAutofit/>
-          </a:bodyPr>
-          <a:lstStyle>
-            <a:lvl1pPr marL="0" marR="0" indent="0" algn="l" defTabSz="914400" rtl="0" eaLnBrk="1" fontAlgn="auto" latinLnBrk="0" hangingPunct="1">
-              <a:lnSpc>
-                <a:spcPct val="100000"/>
-              </a:lnSpc>
-              <a:spcBef>
-                <a:spcPts val="1000"/>
-              </a:spcBef>
-              <a:spcAft>
-                <a:spcPts val="0"/>
-              </a:spcAft>
-              <a:buClrTx/>
-              <a:buSzTx/>
-              <a:buFont typeface="Arial" panose="020B0604020202020204" pitchFamily="34" charset="0"/>
-              <a:buNone/>
-              <a:tabLst/>
-              <a:defRPr sz="1300" b="0" i="0" kern="1200">
-                <a:solidFill>
-                  <a:srgbClr val="0E2D69"/>
-                </a:solidFill>
-                <a:latin typeface="HSE Sans" panose="02000000000000000000" pitchFamily="2" charset="0"/>
-                <a:ea typeface="+mn-ea"/>
-                <a:cs typeface="+mn-cs"/>
-              </a:defRPr>
-            </a:lvl1pPr>
-            <a:lvl2pPr marL="457200" indent="0" algn="l" defTabSz="914400" rtl="0" eaLnBrk="1" latinLnBrk="0" hangingPunct="1">
-              <a:lnSpc>
-                <a:spcPct val="100000"/>
-              </a:lnSpc>
-              <a:spcBef>
-                <a:spcPts val="1000"/>
-              </a:spcBef>
-              <a:buFont typeface="Arial" panose="020B0604020202020204" pitchFamily="34" charset="0"/>
-              <a:buNone/>
-              <a:defRPr sz="1300" b="0" i="0" kern="1200">
-                <a:solidFill>
-                  <a:srgbClr val="0E2D69"/>
-                </a:solidFill>
-                <a:latin typeface="HSE Sans" panose="02000000000000000000" pitchFamily="2" charset="0"/>
-                <a:ea typeface="+mn-ea"/>
-                <a:cs typeface="+mn-cs"/>
-              </a:defRPr>
-            </a:lvl2pPr>
-            <a:lvl3pPr marL="914400" indent="0" algn="l" defTabSz="914400" rtl="0" eaLnBrk="1" latinLnBrk="0" hangingPunct="1">
-              <a:lnSpc>
-                <a:spcPct val="100000"/>
-              </a:lnSpc>
-              <a:spcBef>
-                <a:spcPts val="1000"/>
-              </a:spcBef>
-              <a:buFont typeface="Arial" panose="020B0604020202020204" pitchFamily="34" charset="0"/>
-              <a:buNone/>
-              <a:defRPr sz="1300" b="0" i="0" kern="1200">
-                <a:solidFill>
-                  <a:srgbClr val="0E2D69"/>
-                </a:solidFill>
-                <a:latin typeface="HSE Sans" panose="02000000000000000000" pitchFamily="2" charset="0"/>
-                <a:ea typeface="+mn-ea"/>
-                <a:cs typeface="+mn-cs"/>
-              </a:defRPr>
-            </a:lvl3pPr>
-            <a:lvl4pPr marL="1371600" indent="0" algn="l" defTabSz="914400" rtl="0" eaLnBrk="1" latinLnBrk="0" hangingPunct="1">
-              <a:lnSpc>
-                <a:spcPct val="100000"/>
-              </a:lnSpc>
-              <a:spcBef>
-                <a:spcPts val="1000"/>
-              </a:spcBef>
-              <a:buFont typeface="Arial" panose="020B0604020202020204" pitchFamily="34" charset="0"/>
-              <a:buNone/>
-              <a:defRPr sz="1300" b="0" i="0" kern="1200">
-                <a:solidFill>
-                  <a:srgbClr val="0E2D69"/>
-                </a:solidFill>
-                <a:latin typeface="HSE Sans" panose="02000000000000000000" pitchFamily="2" charset="0"/>
-                <a:ea typeface="+mn-ea"/>
-                <a:cs typeface="+mn-cs"/>
-              </a:defRPr>
-            </a:lvl4pPr>
-            <a:lvl5pPr marL="1828800" indent="0" algn="l" defTabSz="914400" rtl="0" eaLnBrk="1" latinLnBrk="0" hangingPunct="1">
-              <a:lnSpc>
-                <a:spcPct val="100000"/>
-              </a:lnSpc>
-              <a:spcBef>
-                <a:spcPts val="1000"/>
-              </a:spcBef>
-              <a:buFont typeface="Arial" panose="020B0604020202020204" pitchFamily="34" charset="0"/>
-              <a:buNone/>
-              <a:defRPr sz="1300" b="0" i="0" kern="1200">
-                <a:solidFill>
-                  <a:srgbClr val="0E2D69"/>
-                </a:solidFill>
-                <a:latin typeface="HSE Sans" panose="02000000000000000000" pitchFamily="2" charset="0"/>
-                <a:ea typeface="+mn-ea"/>
-                <a:cs typeface="+mn-cs"/>
-              </a:defRPr>
-            </a:lvl5pPr>
-            <a:lvl6pPr marL="2514600" indent="-228600" algn="l" defTabSz="914400" rtl="0" eaLnBrk="1" latinLnBrk="0" hangingPunct="1">
-              <a:lnSpc>
-                <a:spcPct val="90000"/>
-              </a:lnSpc>
-              <a:spcBef>
-                <a:spcPts val="500"/>
-              </a:spcBef>
-              <a:buFont typeface="Arial" panose="020B0604020202020204" pitchFamily="34" charset="0"/>
-              <a:buChar char="•"/>
-              <a:defRPr sz="1800" kern="1200">
-                <a:solidFill>
-                  <a:schemeClr val="tx1"/>
-                </a:solidFill>
-                <a:latin typeface="+mn-lt"/>
-                <a:ea typeface="+mn-ea"/>
-                <a:cs typeface="+mn-cs"/>
-              </a:defRPr>
-            </a:lvl6pPr>
-            <a:lvl7pPr marL="2971800" indent="-228600" algn="l" defTabSz="914400" rtl="0" eaLnBrk="1" latinLnBrk="0" hangingPunct="1">
-              <a:lnSpc>
-                <a:spcPct val="90000"/>
-              </a:lnSpc>
-              <a:spcBef>
-                <a:spcPts val="500"/>
-              </a:spcBef>
-              <a:buFont typeface="Arial" panose="020B0604020202020204" pitchFamily="34" charset="0"/>
-              <a:buChar char="•"/>
-              <a:defRPr sz="1800" kern="1200">
-                <a:solidFill>
-                  <a:schemeClr val="tx1"/>
-                </a:solidFill>
-                <a:latin typeface="+mn-lt"/>
-                <a:ea typeface="+mn-ea"/>
-                <a:cs typeface="+mn-cs"/>
-              </a:defRPr>
-            </a:lvl7pPr>
-            <a:lvl8pPr marL="3429000" indent="-228600" algn="l" defTabSz="914400" rtl="0" eaLnBrk="1" latinLnBrk="0" hangingPunct="1">
-              <a:lnSpc>
-                <a:spcPct val="90000"/>
-              </a:lnSpc>
-              <a:spcBef>
-                <a:spcPts val="500"/>
-              </a:spcBef>
-              <a:buFont typeface="Arial" panose="020B0604020202020204" pitchFamily="34" charset="0"/>
-              <a:buChar char="•"/>
-              <a:defRPr sz="1800" kern="1200">
-                <a:solidFill>
-                  <a:schemeClr val="tx1"/>
-                </a:solidFill>
-                <a:latin typeface="+mn-lt"/>
-                <a:ea typeface="+mn-ea"/>
-                <a:cs typeface="+mn-cs"/>
-              </a:defRPr>
-            </a:lvl8pPr>
-            <a:lvl9pPr marL="3886200" indent="-228600" algn="l" defTabSz="914400" rtl="0" eaLnBrk="1" latinLnBrk="0" hangingPunct="1">
-              <a:lnSpc>
-                <a:spcPct val="90000"/>
-              </a:lnSpc>
-              <a:spcBef>
-                <a:spcPts val="500"/>
-              </a:spcBef>
-              <a:buFont typeface="Arial" panose="020B0604020202020204" pitchFamily="34" charset="0"/>
-              <a:buChar char="•"/>
-              <a:defRPr sz="1800" kern="1200">
-                <a:solidFill>
-                  <a:schemeClr val="tx1"/>
-                </a:solidFill>
-                <a:latin typeface="+mn-lt"/>
-                <a:ea typeface="+mn-ea"/>
-                <a:cs typeface="+mn-cs"/>
-              </a:defRPr>
-            </a:lvl9pPr>
-          </a:lstStyle>
-          <a:p>
-            <a:r>
-              <a:rPr lang="ru-RU" sz="1600" dirty="0"/>
-              <a:t>Для каждого рыночного графа были вычислены</a:t>
-            </a:r>
-            <a:r>
-              <a:rPr lang="en-US" sz="1600" dirty="0"/>
-              <a:t>:</a:t>
-            </a:r>
-          </a:p>
-          <a:p>
-            <a:pPr marL="285750" indent="-285750">
-              <a:buFont typeface="Arial" panose="020B0604020202020204" pitchFamily="34" charset="0"/>
-              <a:buChar char="•"/>
-            </a:pPr>
-            <a:r>
-              <a:rPr lang="ru-RU" sz="1600" dirty="0"/>
-              <a:t>Размер максимальной клики (сверху справа)</a:t>
-            </a:r>
-          </a:p>
-          <a:p>
-            <a:pPr marL="285750" indent="-285750">
-              <a:buFont typeface="Arial" panose="020B0604020202020204" pitchFamily="34" charset="0"/>
-              <a:buChar char="•"/>
-            </a:pPr>
-            <a:r>
-              <a:rPr lang="ru-RU" sz="1600" dirty="0"/>
-              <a:t>Количество клик максимального размера (снизу)</a:t>
-            </a:r>
-            <a:endParaRPr lang="en-US" sz="1600" dirty="0"/>
-          </a:p>
-          <a:p>
-            <a:pPr marL="285750" indent="-285750">
-              <a:buFont typeface="Arial" panose="020B0604020202020204" pitchFamily="34" charset="0"/>
-              <a:buChar char="•"/>
-            </a:pPr>
-            <a:r>
-              <a:rPr lang="ru-RU" sz="1600" dirty="0"/>
-              <a:t>Размер объединения вершин из максимальных клик (снизу справа)</a:t>
-            </a:r>
-          </a:p>
-          <a:p>
-            <a:r>
-              <a:rPr lang="ru-RU" sz="1600" dirty="0"/>
-              <a:t>Для наглядности, характеристики представлены на тепловых картах</a:t>
-            </a:r>
-          </a:p>
-        </p:txBody>
-      </p:sp>
-      <p:sp>
-        <p:nvSpPr>
-          <p:cNvPr id="16" name="TextBox 15">
-            <a:extLst>
-              <a:ext uri="{FF2B5EF4-FFF2-40B4-BE49-F238E27FC236}">
-                <a16:creationId xmlns:a16="http://schemas.microsoft.com/office/drawing/2014/main" id="{0D0B2F98-1BD8-DB7F-B12E-2E43ADE83F79}"/>
-              </a:ext>
-            </a:extLst>
-          </p:cNvPr>
-          <p:cNvSpPr txBox="1"/>
-          <p:nvPr/>
-        </p:nvSpPr>
-        <p:spPr>
-          <a:xfrm>
-            <a:off x="585897" y="1447790"/>
-            <a:ext cx="4458208" cy="707886"/>
-          </a:xfrm>
-          <a:prstGeom prst="rect">
-            <a:avLst/>
-          </a:prstGeom>
-          <a:noFill/>
-        </p:spPr>
-        <p:txBody>
-          <a:bodyPr wrap="none" rtlCol="0">
-            <a:spAutoFit/>
-          </a:bodyPr>
-          <a:lstStyle/>
-          <a:p>
-            <a:pPr algn="l"/>
-            <a:r>
-              <a:rPr lang="ru-RU" sz="4000" dirty="0">
-                <a:latin typeface="HSE Sans" panose="02000000000000000000" pitchFamily="2" charset="0"/>
-              </a:rPr>
-              <a:t>Анализ результатов</a:t>
-            </a:r>
-          </a:p>
-        </p:txBody>
-      </p:sp>
-      <p:pic>
-        <p:nvPicPr>
-          <p:cNvPr id="5" name="Рисунок 4">
-            <a:extLst>
-              <a:ext uri="{FF2B5EF4-FFF2-40B4-BE49-F238E27FC236}">
-                <a16:creationId xmlns:a16="http://schemas.microsoft.com/office/drawing/2014/main" id="{DF5896BA-D4E0-60E6-77B0-B9A7A0605F62}"/>
-              </a:ext>
-            </a:extLst>
-          </p:cNvPr>
-          <p:cNvPicPr>
-            <a:picLocks noChangeAspect="1"/>
-          </p:cNvPicPr>
-          <p:nvPr/>
-        </p:nvPicPr>
-        <p:blipFill rotWithShape="1">
-          <a:blip r:embed="rId2"/>
-          <a:srcRect r="8883"/>
-          <a:stretch/>
-        </p:blipFill>
-        <p:spPr bwMode="auto">
-          <a:xfrm>
-            <a:off x="6298892" y="4300151"/>
-            <a:ext cx="5307211" cy="2052667"/>
-          </a:xfrm>
-          <a:prstGeom prst="rect">
-            <a:avLst/>
-          </a:prstGeom>
-          <a:ln>
-            <a:noFill/>
-          </a:ln>
-          <a:extLst>
-            <a:ext uri="{53640926-AAD7-44D8-BBD7-CCE9431645EC}">
-              <a14:shadowObscured xmlns:a14="http://schemas.microsoft.com/office/drawing/2010/main"/>
-            </a:ext>
-          </a:extLst>
-        </p:spPr>
-      </p:pic>
-      <p:pic>
-        <p:nvPicPr>
-          <p:cNvPr id="6" name="Рисунок 5">
-            <a:extLst>
-              <a:ext uri="{FF2B5EF4-FFF2-40B4-BE49-F238E27FC236}">
-                <a16:creationId xmlns:a16="http://schemas.microsoft.com/office/drawing/2014/main" id="{FADF4748-00AA-F943-4D56-0B6AD3F0FB59}"/>
-              </a:ext>
-            </a:extLst>
-          </p:cNvPr>
-          <p:cNvPicPr>
-            <a:picLocks noChangeAspect="1"/>
-          </p:cNvPicPr>
-          <p:nvPr/>
-        </p:nvPicPr>
-        <p:blipFill rotWithShape="1">
-          <a:blip r:embed="rId3"/>
-          <a:srcRect r="9381"/>
-          <a:stretch/>
-        </p:blipFill>
-        <p:spPr bwMode="auto">
-          <a:xfrm>
-            <a:off x="697686" y="4300151"/>
-            <a:ext cx="5278618" cy="2052667"/>
-          </a:xfrm>
-          <a:prstGeom prst="rect">
-            <a:avLst/>
-          </a:prstGeom>
-          <a:ln>
-            <a:noFill/>
-          </a:ln>
-          <a:extLst>
-            <a:ext uri="{53640926-AAD7-44D8-BBD7-CCE9431645EC}">
-              <a14:shadowObscured xmlns:a14="http://schemas.microsoft.com/office/drawing/2010/main"/>
-            </a:ext>
-          </a:extLst>
-        </p:spPr>
-      </p:pic>
-      <p:pic>
-        <p:nvPicPr>
-          <p:cNvPr id="7" name="Рисунок 6">
-            <a:extLst>
-              <a:ext uri="{FF2B5EF4-FFF2-40B4-BE49-F238E27FC236}">
-                <a16:creationId xmlns:a16="http://schemas.microsoft.com/office/drawing/2014/main" id="{8DB667DD-4897-00FD-EB15-BCBC68411C2F}"/>
-              </a:ext>
-            </a:extLst>
-          </p:cNvPr>
-          <p:cNvPicPr>
-            <a:picLocks noChangeAspect="1"/>
-          </p:cNvPicPr>
-          <p:nvPr/>
-        </p:nvPicPr>
-        <p:blipFill rotWithShape="1">
-          <a:blip r:embed="rId4"/>
-          <a:srcRect r="9249"/>
-          <a:stretch/>
-        </p:blipFill>
-        <p:spPr bwMode="auto">
-          <a:xfrm>
-            <a:off x="5873578" y="1263259"/>
-            <a:ext cx="5732525" cy="2226016"/>
-          </a:xfrm>
-          <a:prstGeom prst="rect">
-            <a:avLst/>
-          </a:prstGeom>
-          <a:ln>
-            <a:noFill/>
-          </a:ln>
-          <a:extLst>
-            <a:ext uri="{53640926-AAD7-44D8-BBD7-CCE9431645EC}">
-              <a14:shadowObscured xmlns:a14="http://schemas.microsoft.com/office/drawing/2010/main"/>
-            </a:ext>
-          </a:extLst>
-        </p:spPr>
-      </p:pic>
-    </p:spTree>
-    <p:extLst>
-      <p:ext uri="{BB962C8B-B14F-4D97-AF65-F5344CB8AC3E}">
-        <p14:creationId xmlns:p14="http://schemas.microsoft.com/office/powerpoint/2010/main" val="3610452580"/>
-      </p:ext>
-    </p:extLst>
-  </p:cSld>
-  <p:clrMapOvr>
-    <a:masterClrMapping/>
-  </p:clrMapOvr>
-</p:sld>
-</file>
-
-<file path=ppt/slides/slide12.xml><?xml version="1.0" encoding="utf-8"?>
-<p:sld xmlns:a="http://schemas.openxmlformats.org/drawingml/2006/main" xmlns:r="http://schemas.openxmlformats.org/officeDocument/2006/relationships" xmlns:p="http://schemas.openxmlformats.org/presentationml/2006/main">
-  <p:cSld>
-    <p:spTree>
-      <p:nvGrpSpPr>
-        <p:cNvPr id="1" name=""/>
-        <p:cNvGrpSpPr/>
-        <p:nvPr/>
-      </p:nvGrpSpPr>
-      <p:grpSpPr>
-        <a:xfrm>
-          <a:off x="0" y="0"/>
-          <a:ext cx="0" cy="0"/>
-          <a:chOff x="0" y="0"/>
-          <a:chExt cx="0" cy="0"/>
-        </a:xfrm>
-      </p:grpSpPr>
-      <p:sp>
-        <p:nvSpPr>
-          <p:cNvPr id="2" name="Текст 1">
-            <a:extLst>
-              <a:ext uri="{FF2B5EF4-FFF2-40B4-BE49-F238E27FC236}">
-                <a16:creationId xmlns:a16="http://schemas.microsoft.com/office/drawing/2014/main" id="{7AC8064E-5791-204C-B92F-A01827949435}"/>
-              </a:ext>
-            </a:extLst>
-          </p:cNvPr>
-          <p:cNvSpPr>
-            <a:spLocks noGrp="1"/>
-          </p:cNvSpPr>
-          <p:nvPr>
-            <p:ph type="body" sz="quarter" idx="13"/>
-          </p:nvPr>
-        </p:nvSpPr>
-        <p:spPr>
-          <a:xfrm>
-            <a:off x="1143689" y="540904"/>
-            <a:ext cx="2070100" cy="415925"/>
-          </a:xfrm>
-        </p:spPr>
-        <p:txBody>
-          <a:bodyPr/>
-          <a:lstStyle/>
-          <a:p>
-            <a:r>
-              <a:rPr lang="ru-RU" dirty="0"/>
-              <a:t>Магистерская программа </a:t>
-            </a:r>
-            <a:r>
-              <a:rPr lang="en-US" dirty="0"/>
-              <a:t>”</a:t>
-            </a:r>
-            <a:r>
-              <a:rPr lang="ru-RU" dirty="0"/>
-              <a:t>Интеллектуальный анализ данных</a:t>
-            </a:r>
-            <a:r>
-              <a:rPr lang="en-US" dirty="0"/>
-              <a:t>”</a:t>
-            </a:r>
-            <a:endParaRPr lang="ru-RU" dirty="0"/>
-          </a:p>
-          <a:p>
-            <a:endParaRPr lang="ru-RU" dirty="0"/>
-          </a:p>
-        </p:txBody>
-      </p:sp>
-      <p:sp>
-        <p:nvSpPr>
-          <p:cNvPr id="3" name="Текст 2">
-            <a:extLst>
-              <a:ext uri="{FF2B5EF4-FFF2-40B4-BE49-F238E27FC236}">
-                <a16:creationId xmlns:a16="http://schemas.microsoft.com/office/drawing/2014/main" id="{C5A111DD-C00C-2D48-9F7A-4E23C5BA0C63}"/>
-              </a:ext>
-            </a:extLst>
-          </p:cNvPr>
-          <p:cNvSpPr>
-            <a:spLocks noGrp="1"/>
-          </p:cNvSpPr>
-          <p:nvPr>
-            <p:ph type="body" sz="quarter" idx="14"/>
-          </p:nvPr>
-        </p:nvSpPr>
-        <p:spPr/>
-        <p:txBody>
-          <a:bodyPr/>
-          <a:lstStyle/>
-          <a:p>
-            <a:r>
-              <a:rPr lang="ru-RU" dirty="0"/>
-              <a:t>Исследование динамики связей на рыночном графе</a:t>
-            </a:r>
-          </a:p>
-        </p:txBody>
-      </p:sp>
-      <p:sp>
-        <p:nvSpPr>
-          <p:cNvPr id="4" name="Текст 3">
-            <a:extLst>
-              <a:ext uri="{FF2B5EF4-FFF2-40B4-BE49-F238E27FC236}">
-                <a16:creationId xmlns:a16="http://schemas.microsoft.com/office/drawing/2014/main" id="{D7B3E517-ED8B-0241-AB87-BE49B315EEBF}"/>
-              </a:ext>
-            </a:extLst>
-          </p:cNvPr>
-          <p:cNvSpPr>
-            <a:spLocks noGrp="1"/>
-          </p:cNvSpPr>
-          <p:nvPr>
-            <p:ph type="body" sz="quarter" idx="15"/>
-          </p:nvPr>
-        </p:nvSpPr>
-        <p:spPr/>
-        <p:txBody>
-          <a:bodyPr/>
-          <a:lstStyle/>
-          <a:p>
-            <a:r>
-              <a:rPr lang="ru-RU" dirty="0"/>
-              <a:t>Результаты</a:t>
-            </a:r>
-          </a:p>
-        </p:txBody>
-      </p:sp>
-      <mc:AlternateContent xmlns:mc="http://schemas.openxmlformats.org/markup-compatibility/2006">
-        <mc:Choice xmlns:a14="http://schemas.microsoft.com/office/drawing/2010/main" Requires="a14">
-          <p:sp>
-            <p:nvSpPr>
-              <p:cNvPr id="9" name="Текст 3">
-                <a:extLst>
-                  <a:ext uri="{FF2B5EF4-FFF2-40B4-BE49-F238E27FC236}">
-                    <a16:creationId xmlns:a16="http://schemas.microsoft.com/office/drawing/2014/main" id="{53356540-7218-FF4B-B6BC-5BD291A372E2}"/>
-                  </a:ext>
-                </a:extLst>
-              </p:cNvPr>
-              <p:cNvSpPr>
-                <a:spLocks noGrp="1"/>
-              </p:cNvSpPr>
-              <p:nvPr/>
-            </p:nvSpPr>
-            <p:spPr>
-              <a:xfrm>
-                <a:off x="697686" y="2408243"/>
-                <a:ext cx="4831577" cy="3393234"/>
-              </a:xfrm>
-              <a:prstGeom prst="rect">
-                <a:avLst/>
-              </a:prstGeom>
-            </p:spPr>
-            <p:txBody>
-              <a:bodyPr vert="horz" lIns="0" tIns="0" rIns="0" bIns="45720" rtlCol="0">
-                <a:normAutofit fontScale="70000" lnSpcReduction="20000"/>
-              </a:bodyPr>
-              <a:lstStyle>
-                <a:lvl1pPr marL="0" marR="0" indent="0" algn="l" defTabSz="914400" rtl="0" eaLnBrk="1" fontAlgn="auto" latinLnBrk="0" hangingPunct="1">
-                  <a:lnSpc>
-                    <a:spcPct val="100000"/>
-                  </a:lnSpc>
-                  <a:spcBef>
-                    <a:spcPts val="1000"/>
-                  </a:spcBef>
-                  <a:spcAft>
-                    <a:spcPts val="0"/>
-                  </a:spcAft>
-                  <a:buClrTx/>
-                  <a:buSzTx/>
-                  <a:buFont typeface="Arial" panose="020B0604020202020204" pitchFamily="34" charset="0"/>
-                  <a:buNone/>
-                  <a:tabLst/>
-                  <a:defRPr sz="1300" b="0" i="0" kern="1200">
-                    <a:solidFill>
-                      <a:srgbClr val="0E2D69"/>
-                    </a:solidFill>
-                    <a:latin typeface="HSE Sans" panose="02000000000000000000" pitchFamily="2" charset="0"/>
-                    <a:ea typeface="+mn-ea"/>
-                    <a:cs typeface="+mn-cs"/>
-                  </a:defRPr>
-                </a:lvl1pPr>
-                <a:lvl2pPr marL="457200" indent="0" algn="l" defTabSz="914400" rtl="0" eaLnBrk="1" latinLnBrk="0" hangingPunct="1">
-                  <a:lnSpc>
-                    <a:spcPct val="100000"/>
-                  </a:lnSpc>
-                  <a:spcBef>
-                    <a:spcPts val="1000"/>
-                  </a:spcBef>
-                  <a:buFont typeface="Arial" panose="020B0604020202020204" pitchFamily="34" charset="0"/>
-                  <a:buNone/>
-                  <a:defRPr sz="1300" b="0" i="0" kern="1200">
-                    <a:solidFill>
-                      <a:srgbClr val="0E2D69"/>
-                    </a:solidFill>
-                    <a:latin typeface="HSE Sans" panose="02000000000000000000" pitchFamily="2" charset="0"/>
-                    <a:ea typeface="+mn-ea"/>
-                    <a:cs typeface="+mn-cs"/>
-                  </a:defRPr>
-                </a:lvl2pPr>
-                <a:lvl3pPr marL="914400" indent="0" algn="l" defTabSz="914400" rtl="0" eaLnBrk="1" latinLnBrk="0" hangingPunct="1">
-                  <a:lnSpc>
-                    <a:spcPct val="100000"/>
-                  </a:lnSpc>
-                  <a:spcBef>
-                    <a:spcPts val="1000"/>
-                  </a:spcBef>
-                  <a:buFont typeface="Arial" panose="020B0604020202020204" pitchFamily="34" charset="0"/>
-                  <a:buNone/>
-                  <a:defRPr sz="1300" b="0" i="0" kern="1200">
-                    <a:solidFill>
-                      <a:srgbClr val="0E2D69"/>
-                    </a:solidFill>
-                    <a:latin typeface="HSE Sans" panose="02000000000000000000" pitchFamily="2" charset="0"/>
-                    <a:ea typeface="+mn-ea"/>
-                    <a:cs typeface="+mn-cs"/>
-                  </a:defRPr>
-                </a:lvl3pPr>
-                <a:lvl4pPr marL="1371600" indent="0" algn="l" defTabSz="914400" rtl="0" eaLnBrk="1" latinLnBrk="0" hangingPunct="1">
-                  <a:lnSpc>
-                    <a:spcPct val="100000"/>
-                  </a:lnSpc>
-                  <a:spcBef>
-                    <a:spcPts val="1000"/>
-                  </a:spcBef>
-                  <a:buFont typeface="Arial" panose="020B0604020202020204" pitchFamily="34" charset="0"/>
-                  <a:buNone/>
-                  <a:defRPr sz="1300" b="0" i="0" kern="1200">
-                    <a:solidFill>
-                      <a:srgbClr val="0E2D69"/>
-                    </a:solidFill>
-                    <a:latin typeface="HSE Sans" panose="02000000000000000000" pitchFamily="2" charset="0"/>
-                    <a:ea typeface="+mn-ea"/>
-                    <a:cs typeface="+mn-cs"/>
-                  </a:defRPr>
-                </a:lvl4pPr>
-                <a:lvl5pPr marL="1828800" indent="0" algn="l" defTabSz="914400" rtl="0" eaLnBrk="1" latinLnBrk="0" hangingPunct="1">
-                  <a:lnSpc>
-                    <a:spcPct val="100000"/>
-                  </a:lnSpc>
-                  <a:spcBef>
-                    <a:spcPts val="1000"/>
-                  </a:spcBef>
-                  <a:buFont typeface="Arial" panose="020B0604020202020204" pitchFamily="34" charset="0"/>
-                  <a:buNone/>
-                  <a:defRPr sz="1300" b="0" i="0" kern="1200">
-                    <a:solidFill>
-                      <a:srgbClr val="0E2D69"/>
-                    </a:solidFill>
-                    <a:latin typeface="HSE Sans" panose="02000000000000000000" pitchFamily="2" charset="0"/>
-                    <a:ea typeface="+mn-ea"/>
-                    <a:cs typeface="+mn-cs"/>
-                  </a:defRPr>
-                </a:lvl5pPr>
-                <a:lvl6pPr marL="2514600" indent="-228600" algn="l" defTabSz="914400" rtl="0" eaLnBrk="1" latinLnBrk="0" hangingPunct="1">
-                  <a:lnSpc>
-                    <a:spcPct val="90000"/>
-                  </a:lnSpc>
-                  <a:spcBef>
-                    <a:spcPts val="500"/>
-                  </a:spcBef>
-                  <a:buFont typeface="Arial" panose="020B0604020202020204" pitchFamily="34" charset="0"/>
-                  <a:buChar char="•"/>
-                  <a:defRPr sz="1800" kern="1200">
-                    <a:solidFill>
-                      <a:schemeClr val="tx1"/>
-                    </a:solidFill>
-                    <a:latin typeface="+mn-lt"/>
-                    <a:ea typeface="+mn-ea"/>
-                    <a:cs typeface="+mn-cs"/>
-                  </a:defRPr>
-                </a:lvl6pPr>
-                <a:lvl7pPr marL="2971800" indent="-228600" algn="l" defTabSz="914400" rtl="0" eaLnBrk="1" latinLnBrk="0" hangingPunct="1">
-                  <a:lnSpc>
-                    <a:spcPct val="90000"/>
-                  </a:lnSpc>
-                  <a:spcBef>
-                    <a:spcPts val="500"/>
-                  </a:spcBef>
-                  <a:buFont typeface="Arial" panose="020B0604020202020204" pitchFamily="34" charset="0"/>
-                  <a:buChar char="•"/>
-                  <a:defRPr sz="1800" kern="1200">
-                    <a:solidFill>
-                      <a:schemeClr val="tx1"/>
-                    </a:solidFill>
-                    <a:latin typeface="+mn-lt"/>
-                    <a:ea typeface="+mn-ea"/>
-                    <a:cs typeface="+mn-cs"/>
-                  </a:defRPr>
-                </a:lvl7pPr>
-                <a:lvl8pPr marL="3429000" indent="-228600" algn="l" defTabSz="914400" rtl="0" eaLnBrk="1" latinLnBrk="0" hangingPunct="1">
-                  <a:lnSpc>
-                    <a:spcPct val="90000"/>
-                  </a:lnSpc>
-                  <a:spcBef>
-                    <a:spcPts val="500"/>
-                  </a:spcBef>
-                  <a:buFont typeface="Arial" panose="020B0604020202020204" pitchFamily="34" charset="0"/>
-                  <a:buChar char="•"/>
-                  <a:defRPr sz="1800" kern="1200">
-                    <a:solidFill>
-                      <a:schemeClr val="tx1"/>
-                    </a:solidFill>
-                    <a:latin typeface="+mn-lt"/>
-                    <a:ea typeface="+mn-ea"/>
-                    <a:cs typeface="+mn-cs"/>
-                  </a:defRPr>
-                </a:lvl8pPr>
-                <a:lvl9pPr marL="3886200" indent="-228600" algn="l" defTabSz="914400" rtl="0" eaLnBrk="1" latinLnBrk="0" hangingPunct="1">
-                  <a:lnSpc>
-                    <a:spcPct val="90000"/>
-                  </a:lnSpc>
-                  <a:spcBef>
-                    <a:spcPts val="500"/>
-                  </a:spcBef>
-                  <a:buFont typeface="Arial" panose="020B0604020202020204" pitchFamily="34" charset="0"/>
-                  <a:buChar char="•"/>
-                  <a:defRPr sz="1800" kern="1200">
-                    <a:solidFill>
-                      <a:schemeClr val="tx1"/>
-                    </a:solidFill>
-                    <a:latin typeface="+mn-lt"/>
-                    <a:ea typeface="+mn-ea"/>
-                    <a:cs typeface="+mn-cs"/>
-                  </a:defRPr>
-                </a:lvl9pPr>
-              </a:lstStyle>
-              <a:p>
-                <a:r>
-                  <a:rPr lang="ru-RU" sz="1600" dirty="0"/>
-                  <a:t>Несмотря на известность общепринятого коэффициента Пирсона, он интерпретируется только для класса эллиптических распределений, к которому может не относиться доходность акций</a:t>
-                </a:r>
-                <a:r>
-                  <a:rPr lang="en-US" sz="1600" dirty="0"/>
-                  <a:t>**</a:t>
-                </a:r>
-                <a:r>
-                  <a:rPr lang="ru-RU" sz="1600" dirty="0"/>
-                  <a:t>. Поэтому была дополнительно рассмотрена другая мера.</a:t>
-                </a:r>
-              </a:p>
-              <a:p>
-                <a:r>
-                  <a:rPr lang="ru-RU" sz="1600" dirty="0"/>
-                  <a:t>Сверху – карта размеров максимальных клик в классических пороговых рыночных графах</a:t>
-                </a:r>
-              </a:p>
-              <a:p>
-                <a:r>
-                  <a:rPr lang="ru-RU" sz="1600" dirty="0"/>
-                  <a:t>Снизу – аналогичная карта размеров максимальных клик в пороговых графах, на основе</a:t>
-                </a:r>
-                <a:r>
-                  <a:rPr lang="en-US" sz="1600" dirty="0"/>
-                  <a:t> </a:t>
-                </a:r>
-                <a14:m>
-                  <m:oMath xmlns:m="http://schemas.openxmlformats.org/officeDocument/2006/math">
-                    <m:r>
-                      <a:rPr lang="en-US" sz="1600" b="0" i="1" smtClean="0">
-                        <a:latin typeface="Cambria Math" panose="02040503050406030204" pitchFamily="18" charset="0"/>
-                      </a:rPr>
-                      <m:t>𝜏</m:t>
-                    </m:r>
-                  </m:oMath>
-                </a14:m>
-                <a:r>
-                  <a:rPr lang="ru-RU" sz="1600" dirty="0"/>
-                  <a:t>-Кендалла</a:t>
-                </a:r>
-              </a:p>
-            </p:txBody>
-          </p:sp>
-        </mc:Choice>
-        <mc:Fallback>
-          <p:sp>
-            <p:nvSpPr>
-              <p:cNvPr id="9" name="Текст 3">
-                <a:extLst>
-                  <a:ext uri="{FF2B5EF4-FFF2-40B4-BE49-F238E27FC236}">
-                    <a16:creationId xmlns:a16="http://schemas.microsoft.com/office/drawing/2014/main" id="{53356540-7218-FF4B-B6BC-5BD291A372E2}"/>
-                  </a:ext>
-                </a:extLst>
-              </p:cNvPr>
-              <p:cNvSpPr>
-                <a:spLocks noGrp="1" noRot="1" noChangeAspect="1" noMove="1" noResize="1" noEditPoints="1" noAdjustHandles="1" noChangeArrowheads="1" noChangeShapeType="1" noTextEdit="1"/>
-              </p:cNvSpPr>
-              <p:nvPr/>
-            </p:nvSpPr>
-            <p:spPr>
-              <a:xfrm>
-                <a:off x="697686" y="2408243"/>
-                <a:ext cx="4831577" cy="3393234"/>
-              </a:xfrm>
-              <a:prstGeom prst="rect">
-                <a:avLst/>
-              </a:prstGeom>
-              <a:blipFill>
-                <a:blip r:embed="rId2"/>
-                <a:stretch>
-                  <a:fillRect l="-1765" t="-2334" r="-883"/>
-                </a:stretch>
-              </a:blipFill>
-            </p:spPr>
-            <p:txBody>
-              <a:bodyPr/>
-              <a:lstStyle/>
-              <a:p>
-                <a:r>
-                  <a:rPr lang="ru-RU">
-                    <a:noFill/>
-                  </a:rPr>
-                  <a:t> </a:t>
-                </a:r>
-              </a:p>
-            </p:txBody>
-          </p:sp>
-        </mc:Fallback>
-      </mc:AlternateContent>
-      <mc:AlternateContent xmlns:mc="http://schemas.openxmlformats.org/markup-compatibility/2006" xmlns:a14="http://schemas.microsoft.com/office/drawing/2010/main">
-        <mc:Choice Requires="a14">
-          <p:sp>
-            <p:nvSpPr>
-              <p:cNvPr id="16" name="TextBox 15">
-                <a:extLst>
-                  <a:ext uri="{FF2B5EF4-FFF2-40B4-BE49-F238E27FC236}">
-                    <a16:creationId xmlns:a16="http://schemas.microsoft.com/office/drawing/2014/main" id="{0D0B2F98-1BD8-DB7F-B12E-2E43ADE83F79}"/>
-                  </a:ext>
-                </a:extLst>
-              </p:cNvPr>
-              <p:cNvSpPr txBox="1"/>
-              <p:nvPr/>
-            </p:nvSpPr>
-            <p:spPr>
-              <a:xfrm>
-                <a:off x="585897" y="1447790"/>
-                <a:ext cx="5505610" cy="707886"/>
-              </a:xfrm>
-              <a:prstGeom prst="rect">
-                <a:avLst/>
-              </a:prstGeom>
-              <a:noFill/>
-            </p:spPr>
-            <p:txBody>
-              <a:bodyPr wrap="none" rtlCol="0">
-                <a:spAutoFit/>
-              </a:bodyPr>
-              <a:lstStyle/>
-              <a:p>
-                <a:pPr algn="l"/>
-                <a:r>
-                  <a:rPr lang="ru-RU" sz="4000" dirty="0">
-                    <a:latin typeface="HSE Sans" panose="02000000000000000000" pitchFamily="2" charset="0"/>
-                  </a:rPr>
-                  <a:t>Сравнение с </a:t>
-                </a:r>
-                <a14:m>
-                  <m:oMath xmlns:m="http://schemas.openxmlformats.org/officeDocument/2006/math">
-                    <m:r>
-                      <a:rPr lang="en-US" sz="4000" b="0" i="1" smtClean="0">
-                        <a:latin typeface="Cambria Math" panose="02040503050406030204" pitchFamily="18" charset="0"/>
-                      </a:rPr>
-                      <m:t>𝜏</m:t>
-                    </m:r>
-                  </m:oMath>
-                </a14:m>
-                <a:r>
-                  <a:rPr lang="ru-RU" sz="4000" dirty="0">
-                    <a:latin typeface="HSE Sans" panose="02000000000000000000" pitchFamily="2" charset="0"/>
-                  </a:rPr>
-                  <a:t>-Кендалла</a:t>
-                </a:r>
-              </a:p>
-            </p:txBody>
-          </p:sp>
-        </mc:Choice>
-        <mc:Fallback xmlns="">
-          <p:sp>
-            <p:nvSpPr>
-              <p:cNvPr id="16" name="TextBox 15">
-                <a:extLst>
-                  <a:ext uri="{FF2B5EF4-FFF2-40B4-BE49-F238E27FC236}">
-                    <a16:creationId xmlns:a16="http://schemas.microsoft.com/office/drawing/2014/main" id="{0D0B2F98-1BD8-DB7F-B12E-2E43ADE83F79}"/>
-                  </a:ext>
-                </a:extLst>
-              </p:cNvPr>
-              <p:cNvSpPr txBox="1">
-                <a:spLocks noRot="1" noChangeAspect="1" noMove="1" noResize="1" noEditPoints="1" noAdjustHandles="1" noChangeArrowheads="1" noChangeShapeType="1" noTextEdit="1"/>
-              </p:cNvSpPr>
-              <p:nvPr/>
-            </p:nvSpPr>
-            <p:spPr>
-              <a:xfrm>
-                <a:off x="585897" y="1447790"/>
-                <a:ext cx="5505610" cy="707886"/>
-              </a:xfrm>
-              <a:prstGeom prst="rect">
-                <a:avLst/>
-              </a:prstGeom>
-              <a:blipFill>
-                <a:blip r:embed="rId3"/>
-                <a:stretch>
-                  <a:fillRect l="-3917" t="-12281" r="-2995" b="-38596"/>
-                </a:stretch>
-              </a:blipFill>
-            </p:spPr>
-            <p:txBody>
-              <a:bodyPr/>
-              <a:lstStyle/>
-              <a:p>
-                <a:r>
-                  <a:rPr lang="ru-RU">
-                    <a:noFill/>
-                  </a:rPr>
-                  <a:t> </a:t>
-                </a:r>
-              </a:p>
-            </p:txBody>
-          </p:sp>
-        </mc:Fallback>
-      </mc:AlternateContent>
-      <p:pic>
-        <p:nvPicPr>
-          <p:cNvPr id="7" name="Рисунок 6">
-            <a:extLst>
-              <a:ext uri="{FF2B5EF4-FFF2-40B4-BE49-F238E27FC236}">
-                <a16:creationId xmlns:a16="http://schemas.microsoft.com/office/drawing/2014/main" id="{8DB667DD-4897-00FD-EB15-BCBC68411C2F}"/>
-              </a:ext>
-            </a:extLst>
-          </p:cNvPr>
-          <p:cNvPicPr>
-            <a:picLocks noChangeAspect="1"/>
-          </p:cNvPicPr>
-          <p:nvPr/>
-        </p:nvPicPr>
-        <p:blipFill rotWithShape="1">
-          <a:blip r:embed="rId4"/>
-          <a:srcRect r="9249"/>
-          <a:stretch/>
-        </p:blipFill>
-        <p:spPr bwMode="auto">
-          <a:xfrm>
-            <a:off x="5993465" y="2009970"/>
-            <a:ext cx="5779070" cy="2244090"/>
-          </a:xfrm>
-          <a:prstGeom prst="rect">
-            <a:avLst/>
-          </a:prstGeom>
-          <a:ln>
-            <a:noFill/>
-          </a:ln>
-          <a:extLst>
-            <a:ext uri="{53640926-AAD7-44D8-BBD7-CCE9431645EC}">
-              <a14:shadowObscured xmlns:a14="http://schemas.microsoft.com/office/drawing/2010/main"/>
-            </a:ext>
-          </a:extLst>
-        </p:spPr>
-      </p:pic>
-      <p:pic>
-        <p:nvPicPr>
-          <p:cNvPr id="8" name="Рисунок 7">
-            <a:extLst>
-              <a:ext uri="{FF2B5EF4-FFF2-40B4-BE49-F238E27FC236}">
-                <a16:creationId xmlns:a16="http://schemas.microsoft.com/office/drawing/2014/main" id="{2414B7CF-4194-734D-24AF-1B13C42D44B6}"/>
-              </a:ext>
-            </a:extLst>
-          </p:cNvPr>
-          <p:cNvPicPr>
-            <a:picLocks noChangeAspect="1"/>
-          </p:cNvPicPr>
-          <p:nvPr/>
-        </p:nvPicPr>
-        <p:blipFill rotWithShape="1">
-          <a:blip r:embed="rId5"/>
-          <a:srcRect r="9249"/>
-          <a:stretch/>
-        </p:blipFill>
-        <p:spPr bwMode="auto">
-          <a:xfrm>
-            <a:off x="6013085" y="4254060"/>
-            <a:ext cx="5759450" cy="2244090"/>
-          </a:xfrm>
-          <a:prstGeom prst="rect">
-            <a:avLst/>
-          </a:prstGeom>
-          <a:ln>
-            <a:noFill/>
-          </a:ln>
-          <a:extLst>
-            <a:ext uri="{53640926-AAD7-44D8-BBD7-CCE9431645EC}">
-              <a14:shadowObscured xmlns:a14="http://schemas.microsoft.com/office/drawing/2010/main"/>
-            </a:ext>
-          </a:extLst>
-        </p:spPr>
-      </p:pic>
-      <p:sp>
-        <p:nvSpPr>
-          <p:cNvPr id="11" name="TextBox 10">
-            <a:extLst>
-              <a:ext uri="{FF2B5EF4-FFF2-40B4-BE49-F238E27FC236}">
-                <a16:creationId xmlns:a16="http://schemas.microsoft.com/office/drawing/2014/main" id="{B4D5D6B3-D7F3-7D91-D266-D67F368178E1}"/>
-              </a:ext>
-            </a:extLst>
-          </p:cNvPr>
-          <p:cNvSpPr txBox="1"/>
-          <p:nvPr/>
-        </p:nvSpPr>
-        <p:spPr>
-          <a:xfrm>
-            <a:off x="419465" y="6028555"/>
-            <a:ext cx="5505610" cy="577081"/>
-          </a:xfrm>
-          <a:prstGeom prst="rect">
-            <a:avLst/>
-          </a:prstGeom>
-          <a:noFill/>
-        </p:spPr>
-        <p:txBody>
-          <a:bodyPr wrap="square">
-            <a:spAutoFit/>
-          </a:bodyPr>
-          <a:lstStyle/>
-          <a:p>
-            <a:pPr lvl="0" algn="just">
-              <a:spcAft>
-                <a:spcPts val="1200"/>
-              </a:spcAft>
-            </a:pPr>
-            <a:r>
-              <a:rPr lang="en-US" sz="1050" dirty="0">
-                <a:latin typeface="Times New Roman" panose="02020603050405020304" pitchFamily="18" charset="0"/>
-                <a:ea typeface="Calibri" panose="020F0502020204030204" pitchFamily="34" charset="0"/>
-              </a:rPr>
-              <a:t>(*</a:t>
-            </a:r>
-            <a:r>
-              <a:rPr lang="en-US" sz="1050" dirty="0">
-                <a:effectLst/>
-                <a:latin typeface="Times New Roman" panose="02020603050405020304" pitchFamily="18" charset="0"/>
-                <a:ea typeface="Calibri" panose="020F0502020204030204" pitchFamily="34" charset="0"/>
-              </a:rPr>
-              <a:t>*). </a:t>
-            </a:r>
-            <a:r>
-              <a:rPr lang="en-US" sz="1050" dirty="0" err="1">
-                <a:effectLst/>
-                <a:latin typeface="Times New Roman" panose="02020603050405020304" pitchFamily="18" charset="0"/>
-                <a:ea typeface="Calibri" panose="020F0502020204030204" pitchFamily="34" charset="0"/>
-              </a:rPr>
-              <a:t>Bautin</a:t>
-            </a:r>
-            <a:r>
-              <a:rPr lang="en-US" sz="1050" dirty="0">
-                <a:effectLst/>
-                <a:latin typeface="Times New Roman" panose="02020603050405020304" pitchFamily="18" charset="0"/>
-                <a:ea typeface="Calibri" panose="020F0502020204030204" pitchFamily="34" charset="0"/>
-              </a:rPr>
-              <a:t> G.A., </a:t>
-            </a:r>
-            <a:r>
-              <a:rPr lang="en-US" sz="1050" dirty="0" err="1">
-                <a:effectLst/>
-                <a:latin typeface="Times New Roman" panose="02020603050405020304" pitchFamily="18" charset="0"/>
-                <a:ea typeface="Calibri" panose="020F0502020204030204" pitchFamily="34" charset="0"/>
-              </a:rPr>
-              <a:t>Kalyagin</a:t>
-            </a:r>
-            <a:r>
-              <a:rPr lang="en-US" sz="1050" dirty="0">
-                <a:effectLst/>
-                <a:latin typeface="Times New Roman" panose="02020603050405020304" pitchFamily="18" charset="0"/>
-                <a:ea typeface="Calibri" panose="020F0502020204030204" pitchFamily="34" charset="0"/>
-              </a:rPr>
-              <a:t> V.A., </a:t>
-            </a:r>
-            <a:r>
-              <a:rPr lang="en-US" sz="1050" dirty="0" err="1">
-                <a:effectLst/>
-                <a:latin typeface="Times New Roman" panose="02020603050405020304" pitchFamily="18" charset="0"/>
-                <a:ea typeface="Calibri" panose="020F0502020204030204" pitchFamily="34" charset="0"/>
-              </a:rPr>
-              <a:t>Koldanov</a:t>
-            </a:r>
-            <a:r>
-              <a:rPr lang="en-US" sz="1050" dirty="0">
-                <a:effectLst/>
-                <a:latin typeface="Times New Roman" panose="02020603050405020304" pitchFamily="18" charset="0"/>
-                <a:ea typeface="Calibri" panose="020F0502020204030204" pitchFamily="34" charset="0"/>
-              </a:rPr>
-              <a:t> A.P., </a:t>
-            </a:r>
-            <a:r>
-              <a:rPr lang="en-US" sz="1050" dirty="0" err="1">
-                <a:effectLst/>
-                <a:latin typeface="Times New Roman" panose="02020603050405020304" pitchFamily="18" charset="0"/>
-                <a:ea typeface="Calibri" panose="020F0502020204030204" pitchFamily="34" charset="0"/>
-              </a:rPr>
-              <a:t>Koldanov</a:t>
-            </a:r>
-            <a:r>
-              <a:rPr lang="en-US" sz="1050" dirty="0">
-                <a:effectLst/>
-                <a:latin typeface="Times New Roman" panose="02020603050405020304" pitchFamily="18" charset="0"/>
-                <a:ea typeface="Calibri" panose="020F0502020204030204" pitchFamily="34" charset="0"/>
-              </a:rPr>
-              <a:t> P.A., </a:t>
-            </a:r>
-            <a:r>
-              <a:rPr lang="en-US" sz="1050" dirty="0" err="1">
-                <a:effectLst/>
-                <a:latin typeface="Times New Roman" panose="02020603050405020304" pitchFamily="18" charset="0"/>
-                <a:ea typeface="Calibri" panose="020F0502020204030204" pitchFamily="34" charset="0"/>
-              </a:rPr>
-              <a:t>Pardalos</a:t>
-            </a:r>
-            <a:r>
-              <a:rPr lang="en-US" sz="1050" dirty="0">
-                <a:effectLst/>
-                <a:latin typeface="Times New Roman" panose="02020603050405020304" pitchFamily="18" charset="0"/>
-                <a:ea typeface="Calibri" panose="020F0502020204030204" pitchFamily="34" charset="0"/>
-              </a:rPr>
-              <a:t> P.M.: Simple Measure of Similarity for the Market Graph Construction // Computational Management Science. Vol. 10. P. 105—124, (2013)</a:t>
-            </a:r>
-            <a:endParaRPr lang="ru-RU" sz="1050" dirty="0">
-              <a:effectLst/>
-              <a:latin typeface="Times New Roman" panose="02020603050405020304" pitchFamily="18" charset="0"/>
-              <a:ea typeface="Calibri" panose="020F0502020204030204" pitchFamily="34" charset="0"/>
-            </a:endParaRPr>
-          </a:p>
-        </p:txBody>
-      </p:sp>
-    </p:spTree>
-    <p:extLst>
-      <p:ext uri="{BB962C8B-B14F-4D97-AF65-F5344CB8AC3E}">
-        <p14:creationId xmlns:p14="http://schemas.microsoft.com/office/powerpoint/2010/main" val="3123807852"/>
-      </p:ext>
-    </p:extLst>
-  </p:cSld>
-  <p:clrMapOvr>
-    <a:masterClrMapping/>
-  </p:clrMapOvr>
-</p:sld>
-</file>
-
-<file path=ppt/slides/slide13.xml><?xml version="1.0" encoding="utf-8"?>
-<p:sld xmlns:a="http://schemas.openxmlformats.org/drawingml/2006/main" xmlns:r="http://schemas.openxmlformats.org/officeDocument/2006/relationships" xmlns:p="http://schemas.openxmlformats.org/presentationml/2006/main">
-  <p:cSld>
-    <p:spTree>
-      <p:nvGrpSpPr>
-        <p:cNvPr id="1" name=""/>
-        <p:cNvGrpSpPr/>
-        <p:nvPr/>
-      </p:nvGrpSpPr>
-      <p:grpSpPr>
-        <a:xfrm>
-          <a:off x="0" y="0"/>
-          <a:ext cx="0" cy="0"/>
-          <a:chOff x="0" y="0"/>
-          <a:chExt cx="0" cy="0"/>
-        </a:xfrm>
-      </p:grpSpPr>
-      <p:sp>
-        <p:nvSpPr>
-          <p:cNvPr id="2" name="Текст 1">
-            <a:extLst>
-              <a:ext uri="{FF2B5EF4-FFF2-40B4-BE49-F238E27FC236}">
-                <a16:creationId xmlns:a16="http://schemas.microsoft.com/office/drawing/2014/main" id="{7AC8064E-5791-204C-B92F-A01827949435}"/>
-              </a:ext>
-            </a:extLst>
-          </p:cNvPr>
-          <p:cNvSpPr>
-            <a:spLocks noGrp="1"/>
-          </p:cNvSpPr>
-          <p:nvPr>
-            <p:ph type="body" sz="quarter" idx="13"/>
-          </p:nvPr>
-        </p:nvSpPr>
-        <p:spPr>
-          <a:xfrm>
-            <a:off x="1143689" y="540904"/>
-            <a:ext cx="2070100" cy="415925"/>
-          </a:xfrm>
-        </p:spPr>
-        <p:txBody>
-          <a:bodyPr/>
-          <a:lstStyle/>
-          <a:p>
-            <a:r>
-              <a:rPr lang="ru-RU" dirty="0"/>
-              <a:t>Магистерская программа </a:t>
-            </a:r>
-            <a:r>
-              <a:rPr lang="en-US" dirty="0"/>
-              <a:t>”</a:t>
-            </a:r>
-            <a:r>
-              <a:rPr lang="ru-RU" dirty="0"/>
-              <a:t>Интеллектуальный анализ данных</a:t>
-            </a:r>
-            <a:r>
-              <a:rPr lang="en-US" dirty="0"/>
-              <a:t>”</a:t>
-            </a:r>
-            <a:endParaRPr lang="ru-RU" dirty="0"/>
-          </a:p>
-          <a:p>
-            <a:endParaRPr lang="ru-RU" dirty="0"/>
-          </a:p>
-        </p:txBody>
-      </p:sp>
-      <p:sp>
-        <p:nvSpPr>
-          <p:cNvPr id="3" name="Текст 2">
-            <a:extLst>
-              <a:ext uri="{FF2B5EF4-FFF2-40B4-BE49-F238E27FC236}">
-                <a16:creationId xmlns:a16="http://schemas.microsoft.com/office/drawing/2014/main" id="{C5A111DD-C00C-2D48-9F7A-4E23C5BA0C63}"/>
-              </a:ext>
-            </a:extLst>
-          </p:cNvPr>
-          <p:cNvSpPr>
-            <a:spLocks noGrp="1"/>
-          </p:cNvSpPr>
-          <p:nvPr>
-            <p:ph type="body" sz="quarter" idx="14"/>
-          </p:nvPr>
-        </p:nvSpPr>
-        <p:spPr/>
-        <p:txBody>
-          <a:bodyPr/>
-          <a:lstStyle/>
-          <a:p>
-            <a:r>
-              <a:rPr lang="ru-RU" dirty="0"/>
-              <a:t>Исследование динамики связей на рыночном графе</a:t>
-            </a:r>
-          </a:p>
-        </p:txBody>
-      </p:sp>
-      <p:sp>
-        <p:nvSpPr>
-          <p:cNvPr id="4" name="Текст 3">
-            <a:extLst>
-              <a:ext uri="{FF2B5EF4-FFF2-40B4-BE49-F238E27FC236}">
-                <a16:creationId xmlns:a16="http://schemas.microsoft.com/office/drawing/2014/main" id="{D7B3E517-ED8B-0241-AB87-BE49B315EEBF}"/>
-              </a:ext>
-            </a:extLst>
-          </p:cNvPr>
-          <p:cNvSpPr>
-            <a:spLocks noGrp="1"/>
-          </p:cNvSpPr>
-          <p:nvPr>
-            <p:ph type="body" sz="quarter" idx="15"/>
-          </p:nvPr>
-        </p:nvSpPr>
-        <p:spPr/>
-        <p:txBody>
-          <a:bodyPr/>
-          <a:lstStyle/>
-          <a:p>
-            <a:r>
-              <a:rPr lang="ru-RU" dirty="0"/>
-              <a:t>Результаты</a:t>
-            </a:r>
-          </a:p>
-        </p:txBody>
-      </p:sp>
-      <p:sp>
-        <p:nvSpPr>
-          <p:cNvPr id="16" name="TextBox 15">
-            <a:extLst>
-              <a:ext uri="{FF2B5EF4-FFF2-40B4-BE49-F238E27FC236}">
-                <a16:creationId xmlns:a16="http://schemas.microsoft.com/office/drawing/2014/main" id="{0D0B2F98-1BD8-DB7F-B12E-2E43ADE83F79}"/>
-              </a:ext>
-            </a:extLst>
-          </p:cNvPr>
-          <p:cNvSpPr txBox="1"/>
-          <p:nvPr/>
-        </p:nvSpPr>
-        <p:spPr>
-          <a:xfrm>
-            <a:off x="585897" y="1447790"/>
-            <a:ext cx="7701467" cy="707886"/>
-          </a:xfrm>
-          <a:prstGeom prst="rect">
-            <a:avLst/>
-          </a:prstGeom>
-          <a:noFill/>
-        </p:spPr>
-        <p:txBody>
-          <a:bodyPr wrap="none" rtlCol="0">
-            <a:spAutoFit/>
-          </a:bodyPr>
-          <a:lstStyle/>
-          <a:p>
-            <a:pPr algn="l"/>
-            <a:r>
-              <a:rPr lang="ru-RU" sz="4000" dirty="0">
-                <a:latin typeface="HSE Sans" panose="02000000000000000000" pitchFamily="2" charset="0"/>
-              </a:rPr>
-              <a:t>Объединения максимальных клик</a:t>
-            </a:r>
-          </a:p>
-        </p:txBody>
-      </p:sp>
-      <p:pic>
-        <p:nvPicPr>
-          <p:cNvPr id="5" name="Рисунок 4">
-            <a:extLst>
-              <a:ext uri="{FF2B5EF4-FFF2-40B4-BE49-F238E27FC236}">
-                <a16:creationId xmlns:a16="http://schemas.microsoft.com/office/drawing/2014/main" id="{B98B8F97-863B-8604-BF60-4438AAF2160C}"/>
-              </a:ext>
-            </a:extLst>
-          </p:cNvPr>
-          <p:cNvPicPr>
-            <a:picLocks noChangeAspect="1"/>
-          </p:cNvPicPr>
-          <p:nvPr/>
-        </p:nvPicPr>
-        <p:blipFill>
-          <a:blip r:embed="rId2"/>
-          <a:stretch>
-            <a:fillRect/>
-          </a:stretch>
-        </p:blipFill>
-        <p:spPr>
-          <a:xfrm>
-            <a:off x="693791" y="2198925"/>
-            <a:ext cx="5039995" cy="3984625"/>
-          </a:xfrm>
-          <a:prstGeom prst="rect">
-            <a:avLst/>
-          </a:prstGeom>
-        </p:spPr>
-      </p:pic>
-      <p:pic>
-        <p:nvPicPr>
-          <p:cNvPr id="6" name="Рисунок 5">
-            <a:extLst>
-              <a:ext uri="{FF2B5EF4-FFF2-40B4-BE49-F238E27FC236}">
-                <a16:creationId xmlns:a16="http://schemas.microsoft.com/office/drawing/2014/main" id="{AEFC9F61-A4CE-AB7C-55C2-2A18AAF7CD9E}"/>
-              </a:ext>
-            </a:extLst>
-          </p:cNvPr>
-          <p:cNvPicPr>
-            <a:picLocks noChangeAspect="1"/>
-          </p:cNvPicPr>
-          <p:nvPr/>
-        </p:nvPicPr>
-        <p:blipFill>
-          <a:blip r:embed="rId3"/>
-          <a:stretch>
-            <a:fillRect/>
-          </a:stretch>
-        </p:blipFill>
-        <p:spPr>
-          <a:xfrm>
-            <a:off x="6528565" y="2444000"/>
-            <a:ext cx="5039995" cy="2832100"/>
-          </a:xfrm>
-          <a:prstGeom prst="rect">
-            <a:avLst/>
-          </a:prstGeom>
-        </p:spPr>
-      </p:pic>
-      <mc:AlternateContent xmlns:mc="http://schemas.openxmlformats.org/markup-compatibility/2006" xmlns:a14="http://schemas.microsoft.com/office/drawing/2010/main">
-        <mc:Choice Requires="a14">
-          <p:sp>
-            <p:nvSpPr>
-              <p:cNvPr id="10" name="TextBox 9">
-                <a:extLst>
-                  <a:ext uri="{FF2B5EF4-FFF2-40B4-BE49-F238E27FC236}">
-                    <a16:creationId xmlns:a16="http://schemas.microsoft.com/office/drawing/2014/main" id="{8D3A6ED0-EA56-31B5-C51A-069C9C256751}"/>
-                  </a:ext>
-                </a:extLst>
-              </p:cNvPr>
-              <p:cNvSpPr txBox="1"/>
-              <p:nvPr/>
-            </p:nvSpPr>
-            <p:spPr>
-              <a:xfrm>
-                <a:off x="6528564" y="5276100"/>
-                <a:ext cx="5039995" cy="461665"/>
-              </a:xfrm>
-              <a:prstGeom prst="rect">
-                <a:avLst/>
-              </a:prstGeom>
-              <a:noFill/>
-            </p:spPr>
-            <p:txBody>
-              <a:bodyPr wrap="square" rtlCol="0">
-                <a:spAutoFit/>
-              </a:bodyPr>
-              <a:lstStyle/>
-              <a:p>
-                <a:pPr algn="ctr"/>
-                <a:r>
-                  <a:rPr lang="ru-RU" sz="1200" kern="0" dirty="0">
-                    <a:effectLst/>
-                    <a:latin typeface="Times New Roman" panose="02020603050405020304" pitchFamily="18" charset="0"/>
-                    <a:ea typeface="Calibri" panose="020F0502020204030204" pitchFamily="34" charset="0"/>
-                  </a:rPr>
-                  <a:t>Вклады компаний в макс. клики в различных рыночных графах.</a:t>
-                </a:r>
-                <a:r>
-                  <a:rPr lang="en-US" sz="1200" kern="0" dirty="0">
-                    <a:effectLst/>
-                    <a:latin typeface="Times New Roman" panose="02020603050405020304" pitchFamily="18" charset="0"/>
-                    <a:ea typeface="Calibri" panose="020F0502020204030204" pitchFamily="34" charset="0"/>
-                  </a:rPr>
-                  <a:t/>
-                </a:r>
-                <a:br>
-                  <a:rPr lang="en-US" sz="1200" kern="0" dirty="0">
-                    <a:effectLst/>
-                    <a:latin typeface="Times New Roman" panose="02020603050405020304" pitchFamily="18" charset="0"/>
-                    <a:ea typeface="Calibri" panose="020F0502020204030204" pitchFamily="34" charset="0"/>
-                  </a:rPr>
-                </a:br>
-                <a14:m>
-                  <m:oMath xmlns:m="http://schemas.openxmlformats.org/officeDocument/2006/math">
-                    <m:r>
-                      <a:rPr lang="en-US" sz="1200" b="0" i="1" kern="0" smtClean="0">
-                        <a:effectLst/>
-                        <a:latin typeface="Cambria Math" panose="02040503050406030204" pitchFamily="18" charset="0"/>
-                        <a:ea typeface="Calibri" panose="020F0502020204030204" pitchFamily="34" charset="0"/>
-                      </a:rPr>
-                      <m:t>𝜏</m:t>
-                    </m:r>
-                  </m:oMath>
-                </a14:m>
-                <a:r>
-                  <a:rPr lang="en-US" sz="1200" kern="0" dirty="0">
-                    <a:effectLst/>
-                    <a:latin typeface="Times New Roman" panose="02020603050405020304" pitchFamily="18" charset="0"/>
-                    <a:ea typeface="Calibri" panose="020F0502020204030204" pitchFamily="34" charset="0"/>
-                  </a:rPr>
-                  <a:t>-</a:t>
-                </a:r>
-                <a:r>
-                  <a:rPr lang="ru-RU" sz="1200" kern="0" dirty="0">
-                    <a:effectLst/>
-                    <a:latin typeface="Times New Roman" panose="02020603050405020304" pitchFamily="18" charset="0"/>
-                    <a:ea typeface="Calibri" panose="020F0502020204030204" pitchFamily="34" charset="0"/>
-                  </a:rPr>
-                  <a:t>Кендалла не менее 0.4. Показаны вклады от 3%</a:t>
-                </a:r>
-                <a:r>
-                  <a:rPr lang="ru-RU" sz="1200" dirty="0">
-                    <a:effectLst/>
-                  </a:rPr>
-                  <a:t> </a:t>
-                </a:r>
-                <a:endParaRPr lang="ru-RU" sz="1200" dirty="0">
-                  <a:latin typeface="HSE Sans" panose="02000000000000000000" pitchFamily="2" charset="0"/>
-                </a:endParaRPr>
-              </a:p>
-            </p:txBody>
-          </p:sp>
-        </mc:Choice>
-        <mc:Fallback xmlns="">
-          <p:sp>
-            <p:nvSpPr>
-              <p:cNvPr id="10" name="TextBox 9">
-                <a:extLst>
-                  <a:ext uri="{FF2B5EF4-FFF2-40B4-BE49-F238E27FC236}">
-                    <a16:creationId xmlns:a16="http://schemas.microsoft.com/office/drawing/2014/main" id="{8D3A6ED0-EA56-31B5-C51A-069C9C256751}"/>
-                  </a:ext>
-                </a:extLst>
-              </p:cNvPr>
-              <p:cNvSpPr txBox="1">
-                <a:spLocks noRot="1" noChangeAspect="1" noMove="1" noResize="1" noEditPoints="1" noAdjustHandles="1" noChangeArrowheads="1" noChangeShapeType="1" noTextEdit="1"/>
-              </p:cNvSpPr>
-              <p:nvPr/>
-            </p:nvSpPr>
-            <p:spPr>
-              <a:xfrm>
-                <a:off x="6528564" y="5276100"/>
-                <a:ext cx="5039995" cy="461665"/>
-              </a:xfrm>
-              <a:prstGeom prst="rect">
-                <a:avLst/>
-              </a:prstGeom>
-              <a:blipFill>
-                <a:blip r:embed="rId4"/>
-                <a:stretch>
-                  <a:fillRect b="-10811"/>
-                </a:stretch>
-              </a:blipFill>
-            </p:spPr>
-            <p:txBody>
-              <a:bodyPr/>
-              <a:lstStyle/>
-              <a:p>
-                <a:r>
-                  <a:rPr lang="ru-RU">
-                    <a:noFill/>
-                  </a:rPr>
-                  <a:t> </a:t>
-                </a:r>
-              </a:p>
-            </p:txBody>
-          </p:sp>
-        </mc:Fallback>
-      </mc:AlternateContent>
-      <mc:AlternateContent xmlns:mc="http://schemas.openxmlformats.org/markup-compatibility/2006" xmlns:a14="http://schemas.microsoft.com/office/drawing/2010/main">
-        <mc:Choice Requires="a14">
-          <p:sp>
-            <p:nvSpPr>
-              <p:cNvPr id="12" name="TextBox 11">
-                <a:extLst>
-                  <a:ext uri="{FF2B5EF4-FFF2-40B4-BE49-F238E27FC236}">
-                    <a16:creationId xmlns:a16="http://schemas.microsoft.com/office/drawing/2014/main" id="{0A7BA650-BE43-98AC-C4A8-46A19C1986FE}"/>
-                  </a:ext>
-                </a:extLst>
-              </p:cNvPr>
-              <p:cNvSpPr txBox="1"/>
-              <p:nvPr/>
-            </p:nvSpPr>
-            <p:spPr>
-              <a:xfrm>
-                <a:off x="623440" y="5537219"/>
-                <a:ext cx="3870773" cy="646331"/>
-              </a:xfrm>
-              <a:prstGeom prst="rect">
-                <a:avLst/>
-              </a:prstGeom>
-              <a:noFill/>
-            </p:spPr>
-            <p:txBody>
-              <a:bodyPr wrap="square" rtlCol="0">
-                <a:spAutoFit/>
-              </a:bodyPr>
-              <a:lstStyle/>
-              <a:p>
-                <a:pPr algn="ctr"/>
-                <a:r>
-                  <a:rPr lang="ru-RU" sz="1200" kern="0" dirty="0">
-                    <a:effectLst/>
-                    <a:latin typeface="Times New Roman" panose="02020603050405020304" pitchFamily="18" charset="0"/>
-                    <a:ea typeface="Calibri" panose="020F0502020204030204" pitchFamily="34" charset="0"/>
-                  </a:rPr>
-                  <a:t>Вклады компаний в макс. клики в различных рыночных графах. </a:t>
-                </a:r>
-                <a14:m>
-                  <m:oMath xmlns:m="http://schemas.openxmlformats.org/officeDocument/2006/math">
-                    <m:r>
-                      <a:rPr lang="ru-RU" sz="1200" b="0" i="1" kern="0" smtClean="0">
-                        <a:effectLst/>
-                        <a:latin typeface="Cambria Math" panose="02040503050406030204" pitchFamily="18" charset="0"/>
-                        <a:ea typeface="Calibri" panose="020F0502020204030204" pitchFamily="34" charset="0"/>
-                      </a:rPr>
-                      <m:t>𝜃</m:t>
-                    </m:r>
-                  </m:oMath>
-                </a14:m>
-                <a:r>
-                  <a:rPr lang="ru-RU" sz="1200" kern="0" dirty="0">
-                    <a:effectLst/>
-                    <a:latin typeface="Times New Roman" panose="02020603050405020304" pitchFamily="18" charset="0"/>
-                    <a:ea typeface="Calibri" panose="020F0502020204030204" pitchFamily="34" charset="0"/>
-                  </a:rPr>
-                  <a:t>-Пирсона не менее 0.3. Показаны вклады от 10%</a:t>
-                </a:r>
-                <a:r>
-                  <a:rPr lang="ru-RU" sz="1200" dirty="0">
-                    <a:effectLst/>
-                  </a:rPr>
-                  <a:t> </a:t>
-                </a:r>
-                <a:endParaRPr lang="ru-RU" sz="1200" dirty="0">
-                  <a:latin typeface="HSE Sans" panose="02000000000000000000" pitchFamily="2" charset="0"/>
-                </a:endParaRPr>
-              </a:p>
-            </p:txBody>
-          </p:sp>
-        </mc:Choice>
-        <mc:Fallback xmlns="">
-          <p:sp>
-            <p:nvSpPr>
-              <p:cNvPr id="12" name="TextBox 11">
-                <a:extLst>
-                  <a:ext uri="{FF2B5EF4-FFF2-40B4-BE49-F238E27FC236}">
-                    <a16:creationId xmlns:a16="http://schemas.microsoft.com/office/drawing/2014/main" id="{0A7BA650-BE43-98AC-C4A8-46A19C1986FE}"/>
-                  </a:ext>
-                </a:extLst>
-              </p:cNvPr>
-              <p:cNvSpPr txBox="1">
-                <a:spLocks noRot="1" noChangeAspect="1" noMove="1" noResize="1" noEditPoints="1" noAdjustHandles="1" noChangeArrowheads="1" noChangeShapeType="1" noTextEdit="1"/>
-              </p:cNvSpPr>
-              <p:nvPr/>
-            </p:nvSpPr>
-            <p:spPr>
-              <a:xfrm>
-                <a:off x="623440" y="5537219"/>
-                <a:ext cx="3870773" cy="646331"/>
-              </a:xfrm>
-              <a:prstGeom prst="rect">
-                <a:avLst/>
-              </a:prstGeom>
-              <a:blipFill>
-                <a:blip r:embed="rId5"/>
-                <a:stretch>
-                  <a:fillRect r="-654" b="-7692"/>
-                </a:stretch>
-              </a:blipFill>
-            </p:spPr>
-            <p:txBody>
-              <a:bodyPr/>
-              <a:lstStyle/>
-              <a:p>
-                <a:r>
-                  <a:rPr lang="ru-RU">
-                    <a:noFill/>
-                  </a:rPr>
-                  <a:t> </a:t>
-                </a:r>
-              </a:p>
-            </p:txBody>
-          </p:sp>
-        </mc:Fallback>
-      </mc:AlternateContent>
-    </p:spTree>
-    <p:extLst>
-      <p:ext uri="{BB962C8B-B14F-4D97-AF65-F5344CB8AC3E}">
-        <p14:creationId xmlns:p14="http://schemas.microsoft.com/office/powerpoint/2010/main" val="1809033217"/>
-      </p:ext>
-    </p:extLst>
-  </p:cSld>
-  <p:clrMapOvr>
-    <a:masterClrMapping/>
-  </p:clrMapOvr>
-</p:sld>
-</file>
-
-<file path=ppt/slides/slide14.xml><?xml version="1.0" encoding="utf-8"?>
-<p:sld xmlns:a="http://schemas.openxmlformats.org/drawingml/2006/main" xmlns:r="http://schemas.openxmlformats.org/officeDocument/2006/relationships" xmlns:p="http://schemas.openxmlformats.org/presentationml/2006/main">
-  <p:cSld>
-    <p:spTree>
-      <p:nvGrpSpPr>
-        <p:cNvPr id="1" name=""/>
-        <p:cNvGrpSpPr/>
-        <p:nvPr/>
-      </p:nvGrpSpPr>
-      <p:grpSpPr>
-        <a:xfrm>
-          <a:off x="0" y="0"/>
-          <a:ext cx="0" cy="0"/>
-          <a:chOff x="0" y="0"/>
-          <a:chExt cx="0" cy="0"/>
-        </a:xfrm>
-      </p:grpSpPr>
-    </p:spTree>
-    <p:extLst>
-      <p:ext uri="{BB962C8B-B14F-4D97-AF65-F5344CB8AC3E}">
-        <p14:creationId xmlns:p14="http://schemas.microsoft.com/office/powerpoint/2010/main" val="1282161965"/>
-      </p:ext>
-    </p:extLst>
-  </p:cSld>
-  <p:clrMapOvr>
-    <a:masterClrMapping/>
-  </p:clrMapOvr>
-</p:sld>
-</file>
-
-<file path=ppt/slides/slide15.xml><?xml version="1.0" encoding="utf-8"?>
-<p:sld xmlns:a="http://schemas.openxmlformats.org/drawingml/2006/main" xmlns:r="http://schemas.openxmlformats.org/officeDocument/2006/relationships" xmlns:p="http://schemas.openxmlformats.org/presentationml/2006/main">
-  <p:cSld>
-    <p:spTree>
-      <p:nvGrpSpPr>
-        <p:cNvPr id="1" name=""/>
-        <p:cNvGrpSpPr/>
-        <p:nvPr/>
-      </p:nvGrpSpPr>
-      <p:grpSpPr>
-        <a:xfrm>
-          <a:off x="0" y="0"/>
-          <a:ext cx="0" cy="0"/>
-          <a:chOff x="0" y="0"/>
-          <a:chExt cx="0" cy="0"/>
-        </a:xfrm>
-      </p:grpSpPr>
-      <p:sp>
-        <p:nvSpPr>
-          <p:cNvPr id="2" name="Рисунок 1">
-            <a:extLst>
-              <a:ext uri="{FF2B5EF4-FFF2-40B4-BE49-F238E27FC236}">
-                <a16:creationId xmlns:a16="http://schemas.microsoft.com/office/drawing/2014/main" id="{80FC3A29-7E6A-6A44-ACE4-DF555422EA08}"/>
-              </a:ext>
-            </a:extLst>
-          </p:cNvPr>
-          <p:cNvSpPr>
-            <a:spLocks noGrp="1"/>
-          </p:cNvSpPr>
-          <p:nvPr>
-            <p:ph type="pic" sz="quarter" idx="10"/>
-          </p:nvPr>
-        </p:nvSpPr>
-        <p:spPr/>
-      </p:sp>
-      <p:sp>
-        <p:nvSpPr>
-          <p:cNvPr id="3" name="Заголовок 2">
-            <a:extLst>
-              <a:ext uri="{FF2B5EF4-FFF2-40B4-BE49-F238E27FC236}">
-                <a16:creationId xmlns:a16="http://schemas.microsoft.com/office/drawing/2014/main" id="{E2EAF03B-EC26-1D47-94AC-C75942861D6C}"/>
-              </a:ext>
-            </a:extLst>
-          </p:cNvPr>
-          <p:cNvSpPr>
-            <a:spLocks noGrp="1"/>
-          </p:cNvSpPr>
-          <p:nvPr>
-            <p:ph type="title"/>
-          </p:nvPr>
-        </p:nvSpPr>
-        <p:spPr/>
-        <p:txBody>
-          <a:bodyPr/>
-          <a:lstStyle/>
-          <a:p>
-            <a:r>
-              <a:rPr lang="ru-RU" dirty="0"/>
-              <a:t>Заголовок</a:t>
-            </a:r>
-          </a:p>
-        </p:txBody>
-      </p:sp>
-      <p:sp>
-        <p:nvSpPr>
-          <p:cNvPr id="4" name="Текст 3">
-            <a:extLst>
-              <a:ext uri="{FF2B5EF4-FFF2-40B4-BE49-F238E27FC236}">
-                <a16:creationId xmlns:a16="http://schemas.microsoft.com/office/drawing/2014/main" id="{53356540-7218-FF4B-B6BC-5BD291A372E2}"/>
-              </a:ext>
-            </a:extLst>
-          </p:cNvPr>
-          <p:cNvSpPr>
-            <a:spLocks noGrp="1"/>
-          </p:cNvSpPr>
-          <p:nvPr>
-            <p:ph type="body" sz="quarter" idx="12"/>
-          </p:nvPr>
-        </p:nvSpPr>
-        <p:spPr/>
-        <p:txBody>
-          <a:bodyPr/>
-          <a:lstStyle/>
-          <a:p>
-            <a:r>
-              <a:rPr lang="ru-RU" dirty="0" err="1"/>
-              <a:t>Тексттфывф</a:t>
-            </a:r>
-            <a:r>
-              <a:rPr lang="ru-RU" dirty="0"/>
-              <a:t> </a:t>
-            </a:r>
-            <a:r>
-              <a:rPr lang="ru-RU" dirty="0" err="1"/>
-              <a:t>фыв</a:t>
-            </a:r>
-            <a:r>
-              <a:rPr lang="ru-RU" dirty="0"/>
-              <a:t> </a:t>
-            </a:r>
-            <a:r>
-              <a:rPr lang="ru-RU" dirty="0" err="1"/>
-              <a:t>фыв</a:t>
-            </a:r>
-            <a:r>
-              <a:rPr lang="ru-RU" dirty="0"/>
-              <a:t> </a:t>
-            </a:r>
-          </a:p>
-        </p:txBody>
-      </p:sp>
-      <p:sp>
-        <p:nvSpPr>
-          <p:cNvPr id="5" name="Текст 4">
-            <a:extLst>
-              <a:ext uri="{FF2B5EF4-FFF2-40B4-BE49-F238E27FC236}">
-                <a16:creationId xmlns:a16="http://schemas.microsoft.com/office/drawing/2014/main" id="{3EB29DC1-D5D4-FB41-9E2D-AA4750D0CC8B}"/>
-              </a:ext>
-            </a:extLst>
-          </p:cNvPr>
-          <p:cNvSpPr>
-            <a:spLocks noGrp="1"/>
-          </p:cNvSpPr>
-          <p:nvPr>
-            <p:ph type="body" sz="quarter" idx="13"/>
-          </p:nvPr>
-        </p:nvSpPr>
-        <p:spPr/>
-        <p:txBody>
-          <a:bodyPr/>
-          <a:lstStyle/>
-          <a:p>
-            <a:endParaRPr lang="ru-RU"/>
-          </a:p>
-        </p:txBody>
-      </p:sp>
-      <p:sp>
-        <p:nvSpPr>
-          <p:cNvPr id="6" name="Текст 5">
-            <a:extLst>
-              <a:ext uri="{FF2B5EF4-FFF2-40B4-BE49-F238E27FC236}">
-                <a16:creationId xmlns:a16="http://schemas.microsoft.com/office/drawing/2014/main" id="{B5B6DD1A-BEFA-D842-9B7A-78D7BD1A5259}"/>
-              </a:ext>
-            </a:extLst>
-          </p:cNvPr>
-          <p:cNvSpPr>
-            <a:spLocks noGrp="1"/>
-          </p:cNvSpPr>
-          <p:nvPr>
-            <p:ph type="body" sz="quarter" idx="14"/>
-          </p:nvPr>
-        </p:nvSpPr>
-        <p:spPr/>
-        <p:txBody>
-          <a:bodyPr/>
-          <a:lstStyle/>
-          <a:p>
-            <a:r>
-              <a:rPr lang="ru-RU" dirty="0"/>
-              <a:t>Исследование динамики связей на рыночном графе</a:t>
-            </a:r>
-          </a:p>
-        </p:txBody>
-      </p:sp>
-      <p:sp>
-        <p:nvSpPr>
-          <p:cNvPr id="7" name="Текст 6">
-            <a:extLst>
-              <a:ext uri="{FF2B5EF4-FFF2-40B4-BE49-F238E27FC236}">
-                <a16:creationId xmlns:a16="http://schemas.microsoft.com/office/drawing/2014/main" id="{88968744-3B75-9B47-92FD-77E1E725F232}"/>
-              </a:ext>
-            </a:extLst>
-          </p:cNvPr>
-          <p:cNvSpPr>
-            <a:spLocks noGrp="1"/>
-          </p:cNvSpPr>
-          <p:nvPr>
-            <p:ph type="body" sz="quarter" idx="15"/>
-          </p:nvPr>
-        </p:nvSpPr>
-        <p:spPr/>
-        <p:txBody>
-          <a:bodyPr/>
-          <a:lstStyle/>
-          <a:p>
-            <a:endParaRPr lang="ru-RU"/>
-          </a:p>
-        </p:txBody>
-      </p:sp>
-    </p:spTree>
-    <p:extLst>
-      <p:ext uri="{BB962C8B-B14F-4D97-AF65-F5344CB8AC3E}">
-        <p14:creationId xmlns:p14="http://schemas.microsoft.com/office/powerpoint/2010/main" val="843577549"/>
-      </p:ext>
-    </p:extLst>
-  </p:cSld>
-  <p:clrMapOvr>
-    <a:masterClrMapping/>
-  </p:clrMapOvr>
-</p:sld>
-</file>
-
-<file path=ppt/slides/slide16.xml><?xml version="1.0" encoding="utf-8"?>
-<p:sld xmlns:a="http://schemas.openxmlformats.org/drawingml/2006/main" xmlns:r="http://schemas.openxmlformats.org/officeDocument/2006/relationships" xmlns:p="http://schemas.openxmlformats.org/presentationml/2006/main">
-  <p:cSld>
-    <p:spTree>
-      <p:nvGrpSpPr>
-        <p:cNvPr id="1" name=""/>
-        <p:cNvGrpSpPr/>
-        <p:nvPr/>
-      </p:nvGrpSpPr>
-      <p:grpSpPr>
-        <a:xfrm>
-          <a:off x="0" y="0"/>
-          <a:ext cx="0" cy="0"/>
-          <a:chOff x="0" y="0"/>
-          <a:chExt cx="0" cy="0"/>
-        </a:xfrm>
-      </p:grpSpPr>
-      <p:sp>
-        <p:nvSpPr>
-          <p:cNvPr id="2" name="Текст 1">
-            <a:extLst>
-              <a:ext uri="{FF2B5EF4-FFF2-40B4-BE49-F238E27FC236}">
-                <a16:creationId xmlns:a16="http://schemas.microsoft.com/office/drawing/2014/main" id="{0648CF85-8F56-2C4F-8090-85FF4624B587}"/>
-              </a:ext>
-            </a:extLst>
-          </p:cNvPr>
-          <p:cNvSpPr>
-            <a:spLocks noGrp="1"/>
-          </p:cNvSpPr>
-          <p:nvPr>
-            <p:ph type="body" sz="quarter" idx="13"/>
-          </p:nvPr>
-        </p:nvSpPr>
-        <p:spPr/>
-        <p:txBody>
-          <a:bodyPr/>
-          <a:lstStyle/>
-          <a:p>
-            <a:endParaRPr lang="ru-RU"/>
-          </a:p>
-        </p:txBody>
-      </p:sp>
-      <p:sp>
-        <p:nvSpPr>
-          <p:cNvPr id="3" name="Текст 2">
-            <a:extLst>
-              <a:ext uri="{FF2B5EF4-FFF2-40B4-BE49-F238E27FC236}">
-                <a16:creationId xmlns:a16="http://schemas.microsoft.com/office/drawing/2014/main" id="{5576F3CC-3C73-F441-AAE6-50AF712EACBF}"/>
-              </a:ext>
-            </a:extLst>
-          </p:cNvPr>
-          <p:cNvSpPr>
-            <a:spLocks noGrp="1"/>
-          </p:cNvSpPr>
-          <p:nvPr>
-            <p:ph type="body" sz="quarter" idx="14"/>
-          </p:nvPr>
-        </p:nvSpPr>
-        <p:spPr/>
-        <p:txBody>
-          <a:bodyPr/>
-          <a:lstStyle/>
-          <a:p>
-            <a:endParaRPr lang="ru-RU"/>
-          </a:p>
-        </p:txBody>
-      </p:sp>
-      <p:sp>
-        <p:nvSpPr>
-          <p:cNvPr id="4" name="Заголовок 3">
-            <a:extLst>
-              <a:ext uri="{FF2B5EF4-FFF2-40B4-BE49-F238E27FC236}">
-                <a16:creationId xmlns:a16="http://schemas.microsoft.com/office/drawing/2014/main" id="{C7D49100-ECF5-A24F-9537-3BD16DFCCCC7}"/>
-              </a:ext>
-            </a:extLst>
-          </p:cNvPr>
-          <p:cNvSpPr>
-            <a:spLocks noGrp="1"/>
-          </p:cNvSpPr>
-          <p:nvPr>
-            <p:ph type="title"/>
-          </p:nvPr>
-        </p:nvSpPr>
-        <p:spPr/>
-        <p:txBody>
-          <a:bodyPr/>
-          <a:lstStyle/>
-          <a:p>
-            <a:endParaRPr lang="ru-RU" dirty="0"/>
-          </a:p>
-        </p:txBody>
-      </p:sp>
-      <p:sp>
-        <p:nvSpPr>
-          <p:cNvPr id="5" name="Текст 4">
-            <a:extLst>
-              <a:ext uri="{FF2B5EF4-FFF2-40B4-BE49-F238E27FC236}">
-                <a16:creationId xmlns:a16="http://schemas.microsoft.com/office/drawing/2014/main" id="{9B7E5D6A-C1E4-8943-BE6A-9D9537FCC2D6}"/>
-              </a:ext>
-            </a:extLst>
-          </p:cNvPr>
-          <p:cNvSpPr>
-            <a:spLocks noGrp="1"/>
-          </p:cNvSpPr>
-          <p:nvPr>
-            <p:ph type="body" sz="quarter" idx="12"/>
-          </p:nvPr>
-        </p:nvSpPr>
-        <p:spPr/>
-        <p:txBody>
-          <a:bodyPr/>
-          <a:lstStyle/>
-          <a:p>
-            <a:endParaRPr lang="ru-RU" dirty="0"/>
-          </a:p>
-        </p:txBody>
-      </p:sp>
-      <p:sp>
-        <p:nvSpPr>
-          <p:cNvPr id="6" name="Текст 5">
-            <a:extLst>
-              <a:ext uri="{FF2B5EF4-FFF2-40B4-BE49-F238E27FC236}">
-                <a16:creationId xmlns:a16="http://schemas.microsoft.com/office/drawing/2014/main" id="{1F4B1D31-3576-0740-BA52-B317564F66BD}"/>
-              </a:ext>
-            </a:extLst>
-          </p:cNvPr>
-          <p:cNvSpPr>
-            <a:spLocks noGrp="1"/>
-          </p:cNvSpPr>
-          <p:nvPr>
-            <p:ph type="body" sz="quarter" idx="15"/>
-          </p:nvPr>
-        </p:nvSpPr>
-        <p:spPr/>
-        <p:txBody>
-          <a:bodyPr/>
-          <a:lstStyle/>
-          <a:p>
-            <a:endParaRPr lang="ru-RU"/>
-          </a:p>
-        </p:txBody>
-      </p:sp>
-    </p:spTree>
-    <p:extLst>
-      <p:ext uri="{BB962C8B-B14F-4D97-AF65-F5344CB8AC3E}">
-        <p14:creationId xmlns:p14="http://schemas.microsoft.com/office/powerpoint/2010/main" val="2710688536"/>
-      </p:ext>
-    </p:extLst>
-  </p:cSld>
-  <p:clrMapOvr>
-    <a:masterClrMapping/>
-  </p:clrMapOvr>
-</p:sld>
-</file>
-
-<file path=ppt/slides/slide17.xml><?xml version="1.0" encoding="utf-8"?>
 <p:sld xmlns:a="http://schemas.openxmlformats.org/drawingml/2006/main" xmlns:r="http://schemas.openxmlformats.org/officeDocument/2006/relationships" xmlns:p="http://schemas.openxmlformats.org/presentationml/2006/main">
   <p:cSld>
     <p:spTree>
@@ -25403,7 +22377,7 @@
 </p:sld>
 </file>
 
-<file path=ppt/slides/slide18.xml><?xml version="1.0" encoding="utf-8"?>
+<file path=ppt/slides/slide11.xml><?xml version="1.0" encoding="utf-8"?>
 <p:sld xmlns:a="http://schemas.openxmlformats.org/drawingml/2006/main" xmlns:r="http://schemas.openxmlformats.org/officeDocument/2006/relationships" xmlns:p="http://schemas.openxmlformats.org/presentationml/2006/main">
   <p:cSld>
     <p:spTree>
@@ -25616,7 +22590,7 @@
 </p:sld>
 </file>
 
-<file path=ppt/slides/slide19.xml><?xml version="1.0" encoding="utf-8"?>
+<file path=ppt/slides/slide12.xml><?xml version="1.0" encoding="utf-8"?>
 <p:sld xmlns:a="http://schemas.openxmlformats.org/drawingml/2006/main" xmlns:r="http://schemas.openxmlformats.org/officeDocument/2006/relationships" xmlns:p="http://schemas.openxmlformats.org/presentationml/2006/main">
   <p:cSld>
     <p:spTree>
@@ -25824,441 +22798,7 @@
 </p:sld>
 </file>
 
-<file path=ppt/slides/slide2.xml><?xml version="1.0" encoding="utf-8"?>
-<p:sld xmlns:a="http://schemas.openxmlformats.org/drawingml/2006/main" xmlns:r="http://schemas.openxmlformats.org/officeDocument/2006/relationships" xmlns:p="http://schemas.openxmlformats.org/presentationml/2006/main">
-  <p:cSld>
-    <p:spTree>
-      <p:nvGrpSpPr>
-        <p:cNvPr id="1" name=""/>
-        <p:cNvGrpSpPr/>
-        <p:nvPr/>
-      </p:nvGrpSpPr>
-      <p:grpSpPr>
-        <a:xfrm>
-          <a:off x="0" y="0"/>
-          <a:ext cx="0" cy="0"/>
-          <a:chOff x="0" y="0"/>
-          <a:chExt cx="0" cy="0"/>
-        </a:xfrm>
-      </p:grpSpPr>
-      <p:sp>
-        <p:nvSpPr>
-          <p:cNvPr id="2" name="Текст 1">
-            <a:extLst>
-              <a:ext uri="{FF2B5EF4-FFF2-40B4-BE49-F238E27FC236}">
-                <a16:creationId xmlns:a16="http://schemas.microsoft.com/office/drawing/2014/main" id="{7AC8064E-5791-204C-B92F-A01827949435}"/>
-              </a:ext>
-            </a:extLst>
-          </p:cNvPr>
-          <p:cNvSpPr>
-            <a:spLocks noGrp="1"/>
-          </p:cNvSpPr>
-          <p:nvPr>
-            <p:ph type="body" sz="quarter" idx="13"/>
-          </p:nvPr>
-        </p:nvSpPr>
-        <p:spPr>
-          <a:xfrm>
-            <a:off x="1143689" y="540904"/>
-            <a:ext cx="2070100" cy="415925"/>
-          </a:xfrm>
-        </p:spPr>
-        <p:txBody>
-          <a:bodyPr/>
-          <a:lstStyle/>
-          <a:p>
-            <a:r>
-              <a:rPr lang="ru-RU" dirty="0"/>
-              <a:t>Магистерская программа </a:t>
-            </a:r>
-            <a:r>
-              <a:rPr lang="en-US" dirty="0"/>
-              <a:t>”</a:t>
-            </a:r>
-            <a:r>
-              <a:rPr lang="ru-RU" dirty="0"/>
-              <a:t>Интеллектуальный анализ данных</a:t>
-            </a:r>
-            <a:r>
-              <a:rPr lang="en-US" dirty="0"/>
-              <a:t>”</a:t>
-            </a:r>
-            <a:endParaRPr lang="ru-RU" dirty="0"/>
-          </a:p>
-          <a:p>
-            <a:endParaRPr lang="ru-RU" dirty="0"/>
-          </a:p>
-        </p:txBody>
-      </p:sp>
-      <p:sp>
-        <p:nvSpPr>
-          <p:cNvPr id="3" name="Текст 2">
-            <a:extLst>
-              <a:ext uri="{FF2B5EF4-FFF2-40B4-BE49-F238E27FC236}">
-                <a16:creationId xmlns:a16="http://schemas.microsoft.com/office/drawing/2014/main" id="{C5A111DD-C00C-2D48-9F7A-4E23C5BA0C63}"/>
-              </a:ext>
-            </a:extLst>
-          </p:cNvPr>
-          <p:cNvSpPr>
-            <a:spLocks noGrp="1"/>
-          </p:cNvSpPr>
-          <p:nvPr>
-            <p:ph type="body" sz="quarter" idx="14"/>
-          </p:nvPr>
-        </p:nvSpPr>
-        <p:spPr>
-          <a:xfrm>
-            <a:off x="3459163" y="548720"/>
-            <a:ext cx="2334968" cy="408109"/>
-          </a:xfrm>
-        </p:spPr>
-        <p:txBody>
-          <a:bodyPr/>
-          <a:lstStyle/>
-          <a:p>
-            <a:r>
-              <a:rPr lang="ru-RU" dirty="0"/>
-              <a:t>Прогнозирование временных рядов</a:t>
-            </a:r>
-            <a:br>
-              <a:rPr lang="ru-RU" dirty="0"/>
-            </a:br>
-            <a:r>
-              <a:rPr lang="ru-RU" dirty="0"/>
-              <a:t>с помощью рекуррентных нейронных сетей</a:t>
-            </a:r>
-            <a:endParaRPr lang="ru-RU" dirty="0"/>
-          </a:p>
-        </p:txBody>
-      </p:sp>
-      <p:sp>
-        <p:nvSpPr>
-          <p:cNvPr id="4" name="Текст 3">
-            <a:extLst>
-              <a:ext uri="{FF2B5EF4-FFF2-40B4-BE49-F238E27FC236}">
-                <a16:creationId xmlns:a16="http://schemas.microsoft.com/office/drawing/2014/main" id="{D7B3E517-ED8B-0241-AB87-BE49B315EEBF}"/>
-              </a:ext>
-            </a:extLst>
-          </p:cNvPr>
-          <p:cNvSpPr>
-            <a:spLocks noGrp="1"/>
-          </p:cNvSpPr>
-          <p:nvPr>
-            <p:ph type="body" sz="quarter" idx="15"/>
-          </p:nvPr>
-        </p:nvSpPr>
-        <p:spPr/>
-        <p:txBody>
-          <a:bodyPr/>
-          <a:lstStyle/>
-          <a:p>
-            <a:r>
-              <a:rPr lang="ru-RU" dirty="0" smtClean="0"/>
-              <a:t>Актуальность и важность общей темы</a:t>
-            </a:r>
-            <a:endParaRPr lang="ru-RU" dirty="0"/>
-          </a:p>
-        </p:txBody>
-      </p:sp>
-      <p:sp>
-        <p:nvSpPr>
-          <p:cNvPr id="8" name="Текст 3">
-            <a:extLst>
-              <a:ext uri="{FF2B5EF4-FFF2-40B4-BE49-F238E27FC236}">
-                <a16:creationId xmlns:a16="http://schemas.microsoft.com/office/drawing/2014/main" id="{378155C5-C1E4-7ECF-856E-968CF9D607E2}"/>
-              </a:ext>
-            </a:extLst>
-          </p:cNvPr>
-          <p:cNvSpPr txBox="1">
-            <a:spLocks/>
-          </p:cNvSpPr>
-          <p:nvPr/>
-        </p:nvSpPr>
-        <p:spPr>
-          <a:xfrm>
-            <a:off x="585897" y="2379663"/>
-            <a:ext cx="9520211" cy="3393234"/>
-          </a:xfrm>
-          <a:prstGeom prst="rect">
-            <a:avLst/>
-          </a:prstGeom>
-        </p:spPr>
-        <p:txBody>
-          <a:bodyPr/>
-          <a:lstStyle>
-            <a:lvl1pPr marL="228600" indent="-228600" algn="l" defTabSz="914400" rtl="0" eaLnBrk="1" latinLnBrk="0" hangingPunct="1">
-              <a:lnSpc>
-                <a:spcPct val="90000"/>
-              </a:lnSpc>
-              <a:spcBef>
-                <a:spcPts val="1000"/>
-              </a:spcBef>
-              <a:buFont typeface="Arial" panose="020B0604020202020204" pitchFamily="34" charset="0"/>
-              <a:buChar char="•"/>
-              <a:defRPr sz="2800" kern="1200">
-                <a:solidFill>
-                  <a:schemeClr val="tx1"/>
-                </a:solidFill>
-                <a:latin typeface="+mn-lt"/>
-                <a:ea typeface="+mn-ea"/>
-                <a:cs typeface="+mn-cs"/>
-              </a:defRPr>
-            </a:lvl1pPr>
-            <a:lvl2pPr marL="685800" indent="-228600" algn="l" defTabSz="914400" rtl="0" eaLnBrk="1" latinLnBrk="0" hangingPunct="1">
-              <a:lnSpc>
-                <a:spcPct val="90000"/>
-              </a:lnSpc>
-              <a:spcBef>
-                <a:spcPts val="500"/>
-              </a:spcBef>
-              <a:buFont typeface="Arial" panose="020B0604020202020204" pitchFamily="34" charset="0"/>
-              <a:buChar char="•"/>
-              <a:defRPr sz="2400" kern="1200">
-                <a:solidFill>
-                  <a:schemeClr val="tx1"/>
-                </a:solidFill>
-                <a:latin typeface="+mn-lt"/>
-                <a:ea typeface="+mn-ea"/>
-                <a:cs typeface="+mn-cs"/>
-              </a:defRPr>
-            </a:lvl2pPr>
-            <a:lvl3pPr marL="1143000" indent="-228600" algn="l" defTabSz="914400" rtl="0" eaLnBrk="1" latinLnBrk="0" hangingPunct="1">
-              <a:lnSpc>
-                <a:spcPct val="90000"/>
-              </a:lnSpc>
-              <a:spcBef>
-                <a:spcPts val="500"/>
-              </a:spcBef>
-              <a:buFont typeface="Arial" panose="020B0604020202020204" pitchFamily="34" charset="0"/>
-              <a:buChar char="•"/>
-              <a:defRPr sz="2000" kern="1200">
-                <a:solidFill>
-                  <a:schemeClr val="tx1"/>
-                </a:solidFill>
-                <a:latin typeface="+mn-lt"/>
-                <a:ea typeface="+mn-ea"/>
-                <a:cs typeface="+mn-cs"/>
-              </a:defRPr>
-            </a:lvl3pPr>
-            <a:lvl4pPr marL="1600200" indent="-228600" algn="l" defTabSz="914400" rtl="0" eaLnBrk="1" latinLnBrk="0" hangingPunct="1">
-              <a:lnSpc>
-                <a:spcPct val="90000"/>
-              </a:lnSpc>
-              <a:spcBef>
-                <a:spcPts val="500"/>
-              </a:spcBef>
-              <a:buFont typeface="Arial" panose="020B0604020202020204" pitchFamily="34" charset="0"/>
-              <a:buChar char="•"/>
-              <a:defRPr sz="1800" kern="1200">
-                <a:solidFill>
-                  <a:schemeClr val="tx1"/>
-                </a:solidFill>
-                <a:latin typeface="+mn-lt"/>
-                <a:ea typeface="+mn-ea"/>
-                <a:cs typeface="+mn-cs"/>
-              </a:defRPr>
-            </a:lvl4pPr>
-            <a:lvl5pPr marL="2057400" indent="-228600" algn="l" defTabSz="914400" rtl="0" eaLnBrk="1" latinLnBrk="0" hangingPunct="1">
-              <a:lnSpc>
-                <a:spcPct val="90000"/>
-              </a:lnSpc>
-              <a:spcBef>
-                <a:spcPts val="500"/>
-              </a:spcBef>
-              <a:buFont typeface="Arial" panose="020B0604020202020204" pitchFamily="34" charset="0"/>
-              <a:buChar char="•"/>
-              <a:defRPr sz="1800" kern="1200">
-                <a:solidFill>
-                  <a:schemeClr val="tx1"/>
-                </a:solidFill>
-                <a:latin typeface="+mn-lt"/>
-                <a:ea typeface="+mn-ea"/>
-                <a:cs typeface="+mn-cs"/>
-              </a:defRPr>
-            </a:lvl5pPr>
-            <a:lvl6pPr marL="2514600" indent="-228600" algn="l" defTabSz="914400" rtl="0" eaLnBrk="1" latinLnBrk="0" hangingPunct="1">
-              <a:lnSpc>
-                <a:spcPct val="90000"/>
-              </a:lnSpc>
-              <a:spcBef>
-                <a:spcPts val="500"/>
-              </a:spcBef>
-              <a:buFont typeface="Arial" panose="020B0604020202020204" pitchFamily="34" charset="0"/>
-              <a:buChar char="•"/>
-              <a:defRPr sz="1800" kern="1200">
-                <a:solidFill>
-                  <a:schemeClr val="tx1"/>
-                </a:solidFill>
-                <a:latin typeface="+mn-lt"/>
-                <a:ea typeface="+mn-ea"/>
-                <a:cs typeface="+mn-cs"/>
-              </a:defRPr>
-            </a:lvl6pPr>
-            <a:lvl7pPr marL="2971800" indent="-228600" algn="l" defTabSz="914400" rtl="0" eaLnBrk="1" latinLnBrk="0" hangingPunct="1">
-              <a:lnSpc>
-                <a:spcPct val="90000"/>
-              </a:lnSpc>
-              <a:spcBef>
-                <a:spcPts val="500"/>
-              </a:spcBef>
-              <a:buFont typeface="Arial" panose="020B0604020202020204" pitchFamily="34" charset="0"/>
-              <a:buChar char="•"/>
-              <a:defRPr sz="1800" kern="1200">
-                <a:solidFill>
-                  <a:schemeClr val="tx1"/>
-                </a:solidFill>
-                <a:latin typeface="+mn-lt"/>
-                <a:ea typeface="+mn-ea"/>
-                <a:cs typeface="+mn-cs"/>
-              </a:defRPr>
-            </a:lvl7pPr>
-            <a:lvl8pPr marL="3429000" indent="-228600" algn="l" defTabSz="914400" rtl="0" eaLnBrk="1" latinLnBrk="0" hangingPunct="1">
-              <a:lnSpc>
-                <a:spcPct val="90000"/>
-              </a:lnSpc>
-              <a:spcBef>
-                <a:spcPts val="500"/>
-              </a:spcBef>
-              <a:buFont typeface="Arial" panose="020B0604020202020204" pitchFamily="34" charset="0"/>
-              <a:buChar char="•"/>
-              <a:defRPr sz="1800" kern="1200">
-                <a:solidFill>
-                  <a:schemeClr val="tx1"/>
-                </a:solidFill>
-                <a:latin typeface="+mn-lt"/>
-                <a:ea typeface="+mn-ea"/>
-                <a:cs typeface="+mn-cs"/>
-              </a:defRPr>
-            </a:lvl8pPr>
-            <a:lvl9pPr marL="3886200" indent="-228600" algn="l" defTabSz="914400" rtl="0" eaLnBrk="1" latinLnBrk="0" hangingPunct="1">
-              <a:lnSpc>
-                <a:spcPct val="90000"/>
-              </a:lnSpc>
-              <a:spcBef>
-                <a:spcPts val="500"/>
-              </a:spcBef>
-              <a:buFont typeface="Arial" panose="020B0604020202020204" pitchFamily="34" charset="0"/>
-              <a:buChar char="•"/>
-              <a:defRPr sz="1800" kern="1200">
-                <a:solidFill>
-                  <a:schemeClr val="tx1"/>
-                </a:solidFill>
-                <a:latin typeface="+mn-lt"/>
-                <a:ea typeface="+mn-ea"/>
-                <a:cs typeface="+mn-cs"/>
-              </a:defRPr>
-            </a:lvl9pPr>
-          </a:lstStyle>
-          <a:p>
-            <a:r>
-              <a:rPr lang="ru-RU" dirty="0" smtClean="0"/>
-              <a:t>Вокруг нас много временных рядов</a:t>
-            </a:r>
-            <a:r>
-              <a:rPr lang="ru-RU" dirty="0" smtClean="0"/>
-              <a:t>, часто требуется решать</a:t>
-            </a:r>
-            <a:r>
-              <a:rPr lang="en-US" dirty="0" smtClean="0"/>
-              <a:t> </a:t>
-            </a:r>
-            <a:r>
-              <a:rPr lang="ru-RU" dirty="0" smtClean="0"/>
-              <a:t>задачи их прогнозирования</a:t>
-            </a:r>
-          </a:p>
-          <a:p>
-            <a:r>
-              <a:rPr lang="ru-RU" dirty="0" smtClean="0"/>
-              <a:t>Это </a:t>
-            </a:r>
-            <a:r>
-              <a:rPr lang="ru-RU" dirty="0"/>
-              <a:t>п</a:t>
-            </a:r>
-            <a:r>
-              <a:rPr lang="ru-RU" dirty="0" smtClean="0"/>
-              <a:t>омогает предсказывать тренды, продажи, поломки, рассчитывать нагрузку, формировать бюджеты</a:t>
-            </a:r>
-          </a:p>
-          <a:p>
-            <a:r>
-              <a:rPr lang="ru-RU" dirty="0" smtClean="0"/>
-              <a:t>В отличие от других сфер </a:t>
-            </a:r>
-            <a:r>
-              <a:rPr lang="en-US" dirty="0" smtClean="0"/>
-              <a:t>ML</a:t>
-            </a:r>
-            <a:r>
-              <a:rPr lang="ru-RU" dirty="0" smtClean="0"/>
-              <a:t>, нет единого лучшего алгоритма для прогнозирования временных рядов</a:t>
-            </a:r>
-          </a:p>
-        </p:txBody>
-      </p:sp>
-      <p:sp>
-        <p:nvSpPr>
-          <p:cNvPr id="11" name="TextBox 10">
-            <a:extLst>
-              <a:ext uri="{FF2B5EF4-FFF2-40B4-BE49-F238E27FC236}">
-                <a16:creationId xmlns:a16="http://schemas.microsoft.com/office/drawing/2014/main" id="{1E0D4DE4-C1B1-2B7D-D240-2CBFC5FD9E2F}"/>
-              </a:ext>
-            </a:extLst>
-          </p:cNvPr>
-          <p:cNvSpPr txBox="1"/>
-          <p:nvPr/>
-        </p:nvSpPr>
-        <p:spPr>
-          <a:xfrm>
-            <a:off x="585897" y="1447790"/>
-            <a:ext cx="3801041" cy="707886"/>
-          </a:xfrm>
-          <a:prstGeom prst="rect">
-            <a:avLst/>
-          </a:prstGeom>
-          <a:noFill/>
-        </p:spPr>
-        <p:txBody>
-          <a:bodyPr wrap="none" rtlCol="0">
-            <a:spAutoFit/>
-          </a:bodyPr>
-          <a:lstStyle/>
-          <a:p>
-            <a:pPr algn="l"/>
-            <a:r>
-              <a:rPr lang="ru-RU" sz="4000" dirty="0" smtClean="0">
-                <a:latin typeface="HSE Sans" panose="02000000000000000000" pitchFamily="2" charset="0"/>
-              </a:rPr>
-              <a:t>Актуальность</a:t>
-            </a:r>
-            <a:endParaRPr lang="ru-RU" sz="4000" dirty="0">
-              <a:latin typeface="HSE Sans" panose="02000000000000000000" pitchFamily="2" charset="0"/>
-            </a:endParaRPr>
-          </a:p>
-        </p:txBody>
-      </p:sp>
-    </p:spTree>
-    <p:extLst>
-      <p:ext uri="{BB962C8B-B14F-4D97-AF65-F5344CB8AC3E}">
-        <p14:creationId xmlns:p14="http://schemas.microsoft.com/office/powerpoint/2010/main" val="966561717"/>
-      </p:ext>
-    </p:extLst>
-  </p:cSld>
-  <p:clrMapOvr>
-    <a:masterClrMapping/>
-  </p:clrMapOvr>
-  <p:timing>
-    <p:tnLst>
-      <p:par>
-        <p:cTn id="1" dur="indefinite" restart="never" nodeType="tmRoot"/>
-      </p:par>
-    </p:tnLst>
-  </p:timing>
-</p:sld>
-</file>
-
-<file path=ppt/slides/slide20.xml><?xml version="1.0" encoding="utf-8"?>
+<file path=ppt/slides/slide13.xml><?xml version="1.0" encoding="utf-8"?>
 <p:sld xmlns:a="http://schemas.openxmlformats.org/drawingml/2006/main" xmlns:r="http://schemas.openxmlformats.org/officeDocument/2006/relationships" xmlns:p="http://schemas.openxmlformats.org/presentationml/2006/main">
   <p:cSld>
     <p:spTree>
@@ -26466,7 +23006,7 @@
 </p:sld>
 </file>
 
-<file path=ppt/slides/slide21.xml><?xml version="1.0" encoding="utf-8"?>
+<file path=ppt/slides/slide14.xml><?xml version="1.0" encoding="utf-8"?>
 <p:sld xmlns:a="http://schemas.openxmlformats.org/drawingml/2006/main" xmlns:r="http://schemas.openxmlformats.org/officeDocument/2006/relationships" xmlns:p="http://schemas.openxmlformats.org/presentationml/2006/main">
   <p:cSld>
     <p:spTree>
@@ -26746,7 +23286,7 @@
 </p:sld>
 </file>
 
-<file path=ppt/slides/slide22.xml><?xml version="1.0" encoding="utf-8"?>
+<file path=ppt/slides/slide15.xml><?xml version="1.0" encoding="utf-8"?>
 <p:sld xmlns:a="http://schemas.openxmlformats.org/drawingml/2006/main" xmlns:r="http://schemas.openxmlformats.org/officeDocument/2006/relationships" xmlns:p="http://schemas.openxmlformats.org/presentationml/2006/main">
   <p:cSld>
     <p:spTree>
@@ -30134,7 +26674,7 @@
 </p:sld>
 </file>
 
-<file path=ppt/slides/slide23.xml><?xml version="1.0" encoding="utf-8"?>
+<file path=ppt/slides/slide16.xml><?xml version="1.0" encoding="utf-8"?>
 <p:sld xmlns:a="http://schemas.openxmlformats.org/drawingml/2006/main" xmlns:r="http://schemas.openxmlformats.org/officeDocument/2006/relationships" xmlns:p="http://schemas.openxmlformats.org/presentationml/2006/main">
   <p:cSld>
     <p:spTree>
@@ -32457,7 +28997,7 @@
 </p:sld>
 </file>
 
-<file path=ppt/slides/slide24.xml><?xml version="1.0" encoding="utf-8"?>
+<file path=ppt/slides/slide17.xml><?xml version="1.0" encoding="utf-8"?>
 <p:sld xmlns:a="http://schemas.openxmlformats.org/drawingml/2006/main" xmlns:r="http://schemas.openxmlformats.org/officeDocument/2006/relationships" xmlns:p="http://schemas.openxmlformats.org/presentationml/2006/main">
   <p:cSld>
     <p:spTree>
@@ -32668,7 +29208,7 @@
                 </a:solidFill>
                 <a:latin typeface="HSE Sans" panose="02000000000000000000" pitchFamily="2" charset="0"/>
               </a:rPr>
-              <a:t>24</a:t>
+              <a:t>17</a:t>
             </a:fld>
             <a:endParaRPr lang="ru-RU" sz="2000">
               <a:solidFill>
@@ -34018,7 +30558,7 @@
 </p:sld>
 </file>
 
-<file path=ppt/slides/slide25.xml><?xml version="1.0" encoding="utf-8"?>
+<file path=ppt/slides/slide18.xml><?xml version="1.0" encoding="utf-8"?>
 <p:sld xmlns:a="http://schemas.openxmlformats.org/drawingml/2006/main" xmlns:r="http://schemas.openxmlformats.org/officeDocument/2006/relationships" xmlns:p="http://schemas.openxmlformats.org/presentationml/2006/main">
   <p:cSld>
     <p:spTree>
@@ -34229,7 +30769,7 @@
 </p:sld>
 </file>
 
-<file path=ppt/slides/slide26.xml><?xml version="1.0" encoding="utf-8"?>
+<file path=ppt/slides/slide19.xml><?xml version="1.0" encoding="utf-8"?>
 <p:sld xmlns:a="http://schemas.openxmlformats.org/drawingml/2006/main" xmlns:r="http://schemas.openxmlformats.org/officeDocument/2006/relationships" xmlns:p="http://schemas.openxmlformats.org/presentationml/2006/main">
   <p:cSld>
     <p:spTree>
@@ -34440,226 +30980,7 @@
 </p:sld>
 </file>
 
-<file path=ppt/slides/slide27.xml><?xml version="1.0" encoding="utf-8"?>
-<p:sld xmlns:a="http://schemas.openxmlformats.org/drawingml/2006/main" xmlns:r="http://schemas.openxmlformats.org/officeDocument/2006/relationships" xmlns:p="http://schemas.openxmlformats.org/presentationml/2006/main">
-  <p:cSld>
-    <p:spTree>
-      <p:nvGrpSpPr>
-        <p:cNvPr id="1" name=""/>
-        <p:cNvGrpSpPr/>
-        <p:nvPr/>
-      </p:nvGrpSpPr>
-      <p:grpSpPr>
-        <a:xfrm>
-          <a:off x="0" y="0"/>
-          <a:ext cx="0" cy="0"/>
-          <a:chOff x="0" y="0"/>
-          <a:chExt cx="0" cy="0"/>
-        </a:xfrm>
-      </p:grpSpPr>
-      <p:sp>
-        <p:nvSpPr>
-          <p:cNvPr id="2" name="Текст 1">
-            <a:extLst>
-              <a:ext uri="{FF2B5EF4-FFF2-40B4-BE49-F238E27FC236}">
-                <a16:creationId xmlns:a16="http://schemas.microsoft.com/office/drawing/2014/main" id="{FBBEC88F-6906-354A-A295-B901540E382A}"/>
-              </a:ext>
-            </a:extLst>
-          </p:cNvPr>
-          <p:cNvSpPr>
-            <a:spLocks noGrp="1"/>
-          </p:cNvSpPr>
-          <p:nvPr>
-            <p:ph type="body" sz="quarter" idx="13"/>
-          </p:nvPr>
-        </p:nvSpPr>
-        <p:spPr/>
-        <p:txBody>
-          <a:bodyPr/>
-          <a:lstStyle/>
-          <a:p>
-            <a:endParaRPr lang="ru-RU"/>
-          </a:p>
-        </p:txBody>
-      </p:sp>
-      <p:sp>
-        <p:nvSpPr>
-          <p:cNvPr id="3" name="Текст 2">
-            <a:extLst>
-              <a:ext uri="{FF2B5EF4-FFF2-40B4-BE49-F238E27FC236}">
-                <a16:creationId xmlns:a16="http://schemas.microsoft.com/office/drawing/2014/main" id="{5D7B27E3-403D-0A44-820A-E94971296693}"/>
-              </a:ext>
-            </a:extLst>
-          </p:cNvPr>
-          <p:cNvSpPr>
-            <a:spLocks noGrp="1"/>
-          </p:cNvSpPr>
-          <p:nvPr>
-            <p:ph type="body" sz="quarter" idx="14"/>
-          </p:nvPr>
-        </p:nvSpPr>
-        <p:spPr/>
-        <p:txBody>
-          <a:bodyPr/>
-          <a:lstStyle/>
-          <a:p>
-            <a:endParaRPr lang="ru-RU"/>
-          </a:p>
-        </p:txBody>
-      </p:sp>
-      <p:sp>
-        <p:nvSpPr>
-          <p:cNvPr id="4" name="Текст 3">
-            <a:extLst>
-              <a:ext uri="{FF2B5EF4-FFF2-40B4-BE49-F238E27FC236}">
-                <a16:creationId xmlns:a16="http://schemas.microsoft.com/office/drawing/2014/main" id="{59DC373F-6B5B-D34B-88FC-10A379931FCE}"/>
-              </a:ext>
-            </a:extLst>
-          </p:cNvPr>
-          <p:cNvSpPr>
-            <a:spLocks noGrp="1"/>
-          </p:cNvSpPr>
-          <p:nvPr>
-            <p:ph type="body" sz="quarter" idx="15"/>
-          </p:nvPr>
-        </p:nvSpPr>
-        <p:spPr/>
-        <p:txBody>
-          <a:bodyPr/>
-          <a:lstStyle/>
-          <a:p>
-            <a:endParaRPr lang="ru-RU"/>
-          </a:p>
-        </p:txBody>
-      </p:sp>
-      <p:sp>
-        <p:nvSpPr>
-          <p:cNvPr id="5" name="Заголовок 4">
-            <a:extLst>
-              <a:ext uri="{FF2B5EF4-FFF2-40B4-BE49-F238E27FC236}">
-                <a16:creationId xmlns:a16="http://schemas.microsoft.com/office/drawing/2014/main" id="{A9136B00-8ADB-0C43-B3A0-0D2A6264DB5E}"/>
-              </a:ext>
-            </a:extLst>
-          </p:cNvPr>
-          <p:cNvSpPr>
-            <a:spLocks noGrp="1"/>
-          </p:cNvSpPr>
-          <p:nvPr>
-            <p:ph type="title"/>
-          </p:nvPr>
-        </p:nvSpPr>
-        <p:spPr/>
-        <p:txBody>
-          <a:bodyPr/>
-          <a:lstStyle/>
-          <a:p>
-            <a:endParaRPr lang="ru-RU"/>
-          </a:p>
-        </p:txBody>
-      </p:sp>
-      <p:sp>
-        <p:nvSpPr>
-          <p:cNvPr id="6" name="Текст 5">
-            <a:extLst>
-              <a:ext uri="{FF2B5EF4-FFF2-40B4-BE49-F238E27FC236}">
-                <a16:creationId xmlns:a16="http://schemas.microsoft.com/office/drawing/2014/main" id="{FA515058-8F19-BC4F-8C77-159E5910F8D2}"/>
-              </a:ext>
-            </a:extLst>
-          </p:cNvPr>
-          <p:cNvSpPr>
-            <a:spLocks noGrp="1"/>
-          </p:cNvSpPr>
-          <p:nvPr>
-            <p:ph type="body" sz="quarter" idx="12"/>
-          </p:nvPr>
-        </p:nvSpPr>
-        <p:spPr/>
-        <p:txBody>
-          <a:bodyPr/>
-          <a:lstStyle/>
-          <a:p>
-            <a:r>
-              <a:rPr lang="ru-RU" dirty="0"/>
-              <a:t>Диаграммы и графики можно делать с использованием паттернов, которые доступны в </a:t>
-            </a:r>
-            <a:r>
-              <a:rPr lang="en-GB" dirty="0"/>
-              <a:t>Power Point, </a:t>
-            </a:r>
-            <a:r>
-              <a:rPr lang="ru-RU" dirty="0"/>
-              <a:t>главное не переборщить с украшательством. Для заливки можно выбрать основной темно-синий цвет и дополнительный синий.</a:t>
-            </a:r>
-          </a:p>
-        </p:txBody>
-      </p:sp>
-      <p:sp>
-        <p:nvSpPr>
-          <p:cNvPr id="7" name="Текст 6">
-            <a:extLst>
-              <a:ext uri="{FF2B5EF4-FFF2-40B4-BE49-F238E27FC236}">
-                <a16:creationId xmlns:a16="http://schemas.microsoft.com/office/drawing/2014/main" id="{33B9F0BA-3D71-034B-9EF0-4C4758E86F35}"/>
-              </a:ext>
-            </a:extLst>
-          </p:cNvPr>
-          <p:cNvSpPr>
-            <a:spLocks noGrp="1"/>
-          </p:cNvSpPr>
-          <p:nvPr>
-            <p:ph type="body" sz="quarter" idx="16"/>
-          </p:nvPr>
-        </p:nvSpPr>
-        <p:spPr/>
-        <p:txBody>
-          <a:bodyPr/>
-          <a:lstStyle/>
-          <a:p>
-            <a:endParaRPr lang="ru-RU"/>
-          </a:p>
-        </p:txBody>
-      </p:sp>
-      <p:graphicFrame>
-        <p:nvGraphicFramePr>
-          <p:cNvPr id="9" name="Chart 2">
-            <a:extLst>
-              <a:ext uri="{FF2B5EF4-FFF2-40B4-BE49-F238E27FC236}">
-                <a16:creationId xmlns:a16="http://schemas.microsoft.com/office/drawing/2014/main" id="{7C5B2B87-83A4-4F43-9C22-8B3D1106CA3C}"/>
-              </a:ext>
-            </a:extLst>
-          </p:cNvPr>
-          <p:cNvGraphicFramePr/>
-          <p:nvPr>
-            <p:extLst>
-              <p:ext uri="{D42A27DB-BD31-4B8C-83A1-F6EECF244321}">
-                <p14:modId xmlns:p14="http://schemas.microsoft.com/office/powerpoint/2010/main" val="2080374232"/>
-              </p:ext>
-            </p:extLst>
-          </p:nvPr>
-        </p:nvGraphicFramePr>
-        <p:xfrm>
-          <a:off x="5365630" y="1491751"/>
-          <a:ext cx="6220960" cy="4782049"/>
-        </p:xfrm>
-        <a:graphic>
-          <a:graphicData uri="http://schemas.openxmlformats.org/drawingml/2006/chart">
-            <c:chart xmlns:c="http://schemas.openxmlformats.org/drawingml/2006/chart" xmlns:r="http://schemas.openxmlformats.org/officeDocument/2006/relationships" r:id="rId2"/>
-          </a:graphicData>
-        </a:graphic>
-      </p:graphicFrame>
-    </p:spTree>
-    <p:extLst>
-      <p:ext uri="{BB962C8B-B14F-4D97-AF65-F5344CB8AC3E}">
-        <p14:creationId xmlns:p14="http://schemas.microsoft.com/office/powerpoint/2010/main" val="78218466"/>
-      </p:ext>
-    </p:extLst>
-  </p:cSld>
-  <p:clrMapOvr>
-    <a:masterClrMapping/>
-  </p:clrMapOvr>
-</p:sld>
-</file>
-
-<file path=ppt/slides/slide3.xml><?xml version="1.0" encoding="utf-8"?>
+<file path=ppt/slides/slide2.xml><?xml version="1.0" encoding="utf-8"?>
 <p:sld xmlns:a="http://schemas.openxmlformats.org/drawingml/2006/main" xmlns:r="http://schemas.openxmlformats.org/officeDocument/2006/relationships" xmlns:p="http://schemas.openxmlformats.org/presentationml/2006/main">
   <p:cSld>
     <p:spTree>
@@ -34727,6 +31048,46 @@
       </p:sp>
       <p:sp>
         <p:nvSpPr>
+          <p:cNvPr id="3" name="Текст 2">
+            <a:extLst>
+              <a:ext uri="{FF2B5EF4-FFF2-40B4-BE49-F238E27FC236}">
+                <a16:creationId xmlns:a16="http://schemas.microsoft.com/office/drawing/2014/main" id="{C5A111DD-C00C-2D48-9F7A-4E23C5BA0C63}"/>
+              </a:ext>
+            </a:extLst>
+          </p:cNvPr>
+          <p:cNvSpPr>
+            <a:spLocks noGrp="1"/>
+          </p:cNvSpPr>
+          <p:nvPr>
+            <p:ph type="body" sz="quarter" idx="14"/>
+          </p:nvPr>
+        </p:nvSpPr>
+        <p:spPr>
+          <a:xfrm>
+            <a:off x="3459163" y="548720"/>
+            <a:ext cx="2334968" cy="408109"/>
+          </a:xfrm>
+        </p:spPr>
+        <p:txBody>
+          <a:bodyPr/>
+          <a:lstStyle/>
+          <a:p>
+            <a:r>
+              <a:rPr lang="ru-RU" dirty="0"/>
+              <a:t>Прогнозирование временных рядов</a:t>
+            </a:r>
+            <a:br>
+              <a:rPr lang="ru-RU" dirty="0"/>
+            </a:br>
+            <a:r>
+              <a:rPr lang="ru-RU" dirty="0"/>
+              <a:t>с помощью рекуррентных нейронных сетей</a:t>
+            </a:r>
+          </a:p>
+        </p:txBody>
+      </p:sp>
+      <p:sp>
+        <p:nvSpPr>
           <p:cNvPr id="4" name="Текст 3">
             <a:extLst>
               <a:ext uri="{FF2B5EF4-FFF2-40B4-BE49-F238E27FC236}">
@@ -34747,10 +31108,9 @@
           <a:lstStyle/>
           <a:p>
             <a:r>
-              <a:rPr lang="ru-RU" dirty="0" smtClean="0"/>
-              <a:t>Конкретная задача</a:t>
-            </a:r>
-            <a:endParaRPr lang="ru-RU" dirty="0"/>
+              <a:rPr lang="ru-RU" dirty="0"/>
+              <a:t>Актуальность и важность общей темы</a:t>
+            </a:r>
           </a:p>
         </p:txBody>
       </p:sp>
@@ -34945,26 +31305,36 @@
           </a:lstStyle>
           <a:p>
             <a:r>
-              <a:rPr lang="ru-RU" dirty="0" smtClean="0"/>
-              <a:t>Провести анализ существующих популярных алгоритмов прогнозирования временных рядов</a:t>
-            </a:r>
-          </a:p>
-          <a:p>
-            <a:r>
-              <a:rPr lang="ru-RU" dirty="0" smtClean="0"/>
-              <a:t>Предложить легковесный метод, дающий хороший компромисс между качеством, и временем работы / сложностью обучения</a:t>
-            </a:r>
-          </a:p>
-          <a:p>
-            <a:r>
-              <a:rPr lang="ru-RU" dirty="0" smtClean="0"/>
-              <a:t>Сравнить предложенный метод с существующими в равных условиях и на различных данных</a:t>
-            </a:r>
-          </a:p>
-          <a:p>
-            <a:r>
-              <a:rPr lang="ru-RU" dirty="0" smtClean="0"/>
-              <a:t>Опубликовать полученную модель в открытый доступ для свободного использования</a:t>
+              <a:rPr lang="ru-RU" dirty="0"/>
+              <a:t>Вокруг нас много временных рядов, часто требуется решать</a:t>
+            </a:r>
+            <a:r>
+              <a:rPr lang="en-US" dirty="0"/>
+              <a:t> </a:t>
+            </a:r>
+            <a:r>
+              <a:rPr lang="ru-RU" dirty="0"/>
+              <a:t>задачи их прогнозирования</a:t>
+            </a:r>
+          </a:p>
+          <a:p>
+            <a:r>
+              <a:rPr lang="ru-RU" dirty="0"/>
+              <a:t>Это помогает предсказывать тренды, продажи, поломки, рассчитывать нагрузку, формировать бюджеты</a:t>
+            </a:r>
+          </a:p>
+          <a:p>
+            <a:r>
+              <a:rPr lang="ru-RU" dirty="0"/>
+              <a:t>В отличие от других сфер </a:t>
+            </a:r>
+            <a:r>
+              <a:rPr lang="en-US" dirty="0"/>
+              <a:t>ML</a:t>
+            </a:r>
+            <a:r>
+              <a:rPr lang="ru-RU" dirty="0"/>
+              <a:t>, нет единого лучшего алгоритма для прогнозирования временных рядов</a:t>
             </a:r>
           </a:p>
         </p:txBody>
@@ -34984,7 +31354,7 @@
         <p:spPr>
           <a:xfrm>
             <a:off x="585897" y="1447790"/>
-            <a:ext cx="1992853" cy="707886"/>
+            <a:ext cx="3801041" cy="707886"/>
           </a:xfrm>
           <a:prstGeom prst="rect">
             <a:avLst/>
@@ -34999,20 +31369,75 @@
           <a:p>
             <a:pPr algn="l"/>
             <a:r>
-              <a:rPr lang="ru-RU" sz="4000" dirty="0" smtClean="0">
-                <a:latin typeface="HSE Sans" panose="02000000000000000000" pitchFamily="2" charset="0"/>
-              </a:rPr>
-              <a:t>Задачи</a:t>
-            </a:r>
+              <a:rPr lang="ru-RU" sz="4000" dirty="0">
+                <a:latin typeface="HSE Sans" panose="02000000000000000000" pitchFamily="2" charset="0"/>
+              </a:rPr>
+              <a:t>Актуальность</a:t>
+            </a:r>
+          </a:p>
+        </p:txBody>
+      </p:sp>
+    </p:spTree>
+    <p:extLst>
+      <p:ext uri="{BB962C8B-B14F-4D97-AF65-F5344CB8AC3E}">
+        <p14:creationId xmlns:p14="http://schemas.microsoft.com/office/powerpoint/2010/main" val="966561717"/>
+      </p:ext>
+    </p:extLst>
+  </p:cSld>
+  <p:clrMapOvr>
+    <a:masterClrMapping/>
+  </p:clrMapOvr>
+</p:sld>
+</file>
+
+<file path=ppt/slides/slide20.xml><?xml version="1.0" encoding="utf-8"?>
+<p:sld xmlns:a="http://schemas.openxmlformats.org/drawingml/2006/main" xmlns:r="http://schemas.openxmlformats.org/officeDocument/2006/relationships" xmlns:p="http://schemas.openxmlformats.org/presentationml/2006/main">
+  <p:cSld>
+    <p:spTree>
+      <p:nvGrpSpPr>
+        <p:cNvPr id="1" name=""/>
+        <p:cNvGrpSpPr/>
+        <p:nvPr/>
+      </p:nvGrpSpPr>
+      <p:grpSpPr>
+        <a:xfrm>
+          <a:off x="0" y="0"/>
+          <a:ext cx="0" cy="0"/>
+          <a:chOff x="0" y="0"/>
+          <a:chExt cx="0" cy="0"/>
+        </a:xfrm>
+      </p:grpSpPr>
+      <p:sp>
+        <p:nvSpPr>
+          <p:cNvPr id="2" name="Текст 1">
+            <a:extLst>
+              <a:ext uri="{FF2B5EF4-FFF2-40B4-BE49-F238E27FC236}">
+                <a16:creationId xmlns:a16="http://schemas.microsoft.com/office/drawing/2014/main" id="{FBBEC88F-6906-354A-A295-B901540E382A}"/>
+              </a:ext>
+            </a:extLst>
+          </p:cNvPr>
+          <p:cNvSpPr>
+            <a:spLocks noGrp="1"/>
+          </p:cNvSpPr>
+          <p:nvPr>
+            <p:ph type="body" sz="quarter" idx="13"/>
+          </p:nvPr>
+        </p:nvSpPr>
+        <p:spPr/>
+        <p:txBody>
+          <a:bodyPr/>
+          <a:lstStyle/>
+          <a:p>
+            <a:endParaRPr lang="ru-RU"/>
           </a:p>
         </p:txBody>
       </p:sp>
       <p:sp>
         <p:nvSpPr>
-          <p:cNvPr id="9" name="Текст 2">
+          <p:cNvPr id="3" name="Текст 2">
             <a:extLst>
               <a:ext uri="{FF2B5EF4-FFF2-40B4-BE49-F238E27FC236}">
-                <a16:creationId xmlns:a16="http://schemas.microsoft.com/office/drawing/2014/main" id="{C5A111DD-C00C-2D48-9F7A-4E23C5BA0C63}"/>
+                <a16:creationId xmlns:a16="http://schemas.microsoft.com/office/drawing/2014/main" id="{5D7B27E3-403D-0A44-820A-E94971296693}"/>
               </a:ext>
             </a:extLst>
           </p:cNvPr>
@@ -35023,52 +31448,168 @@
             <p:ph type="body" sz="quarter" idx="14"/>
           </p:nvPr>
         </p:nvSpPr>
-        <p:spPr>
-          <a:xfrm>
-            <a:off x="3459162" y="548720"/>
-            <a:ext cx="2361346" cy="408109"/>
-          </a:xfrm>
-        </p:spPr>
+        <p:spPr/>
         <p:txBody>
           <a:bodyPr/>
           <a:lstStyle/>
           <a:p>
-            <a:r>
-              <a:rPr lang="ru-RU" dirty="0"/>
-              <a:t>Прогнозирование временных рядов</a:t>
-            </a:r>
-            <a:br>
-              <a:rPr lang="ru-RU" dirty="0"/>
-            </a:br>
-            <a:r>
-              <a:rPr lang="ru-RU" dirty="0"/>
-              <a:t>с помощью рекуррентных нейронных сетей</a:t>
-            </a:r>
-            <a:endParaRPr lang="ru-RU" dirty="0"/>
+            <a:endParaRPr lang="ru-RU"/>
           </a:p>
         </p:txBody>
       </p:sp>
+      <p:sp>
+        <p:nvSpPr>
+          <p:cNvPr id="4" name="Текст 3">
+            <a:extLst>
+              <a:ext uri="{FF2B5EF4-FFF2-40B4-BE49-F238E27FC236}">
+                <a16:creationId xmlns:a16="http://schemas.microsoft.com/office/drawing/2014/main" id="{59DC373F-6B5B-D34B-88FC-10A379931FCE}"/>
+              </a:ext>
+            </a:extLst>
+          </p:cNvPr>
+          <p:cNvSpPr>
+            <a:spLocks noGrp="1"/>
+          </p:cNvSpPr>
+          <p:nvPr>
+            <p:ph type="body" sz="quarter" idx="15"/>
+          </p:nvPr>
+        </p:nvSpPr>
+        <p:spPr/>
+        <p:txBody>
+          <a:bodyPr/>
+          <a:lstStyle/>
+          <a:p>
+            <a:endParaRPr lang="ru-RU"/>
+          </a:p>
+        </p:txBody>
+      </p:sp>
+      <p:sp>
+        <p:nvSpPr>
+          <p:cNvPr id="5" name="Заголовок 4">
+            <a:extLst>
+              <a:ext uri="{FF2B5EF4-FFF2-40B4-BE49-F238E27FC236}">
+                <a16:creationId xmlns:a16="http://schemas.microsoft.com/office/drawing/2014/main" id="{A9136B00-8ADB-0C43-B3A0-0D2A6264DB5E}"/>
+              </a:ext>
+            </a:extLst>
+          </p:cNvPr>
+          <p:cNvSpPr>
+            <a:spLocks noGrp="1"/>
+          </p:cNvSpPr>
+          <p:nvPr>
+            <p:ph type="title"/>
+          </p:nvPr>
+        </p:nvSpPr>
+        <p:spPr/>
+        <p:txBody>
+          <a:bodyPr/>
+          <a:lstStyle/>
+          <a:p>
+            <a:endParaRPr lang="ru-RU"/>
+          </a:p>
+        </p:txBody>
+      </p:sp>
+      <p:sp>
+        <p:nvSpPr>
+          <p:cNvPr id="6" name="Текст 5">
+            <a:extLst>
+              <a:ext uri="{FF2B5EF4-FFF2-40B4-BE49-F238E27FC236}">
+                <a16:creationId xmlns:a16="http://schemas.microsoft.com/office/drawing/2014/main" id="{FA515058-8F19-BC4F-8C77-159E5910F8D2}"/>
+              </a:ext>
+            </a:extLst>
+          </p:cNvPr>
+          <p:cNvSpPr>
+            <a:spLocks noGrp="1"/>
+          </p:cNvSpPr>
+          <p:nvPr>
+            <p:ph type="body" sz="quarter" idx="12"/>
+          </p:nvPr>
+        </p:nvSpPr>
+        <p:spPr/>
+        <p:txBody>
+          <a:bodyPr/>
+          <a:lstStyle/>
+          <a:p>
+            <a:r>
+              <a:rPr lang="ru-RU" dirty="0"/>
+              <a:t>Диаграммы и графики можно делать с использованием паттернов, которые доступны в </a:t>
+            </a:r>
+            <a:r>
+              <a:rPr lang="en-GB" dirty="0"/>
+              <a:t>Power Point, </a:t>
+            </a:r>
+            <a:r>
+              <a:rPr lang="ru-RU" dirty="0"/>
+              <a:t>главное не переборщить с украшательством. Для заливки можно выбрать основной темно-синий цвет и дополнительный синий.</a:t>
+            </a:r>
+          </a:p>
+        </p:txBody>
+      </p:sp>
+      <p:sp>
+        <p:nvSpPr>
+          <p:cNvPr id="7" name="Текст 6">
+            <a:extLst>
+              <a:ext uri="{FF2B5EF4-FFF2-40B4-BE49-F238E27FC236}">
+                <a16:creationId xmlns:a16="http://schemas.microsoft.com/office/drawing/2014/main" id="{33B9F0BA-3D71-034B-9EF0-4C4758E86F35}"/>
+              </a:ext>
+            </a:extLst>
+          </p:cNvPr>
+          <p:cNvSpPr>
+            <a:spLocks noGrp="1"/>
+          </p:cNvSpPr>
+          <p:nvPr>
+            <p:ph type="body" sz="quarter" idx="16"/>
+          </p:nvPr>
+        </p:nvSpPr>
+        <p:spPr/>
+        <p:txBody>
+          <a:bodyPr/>
+          <a:lstStyle/>
+          <a:p>
+            <a:endParaRPr lang="ru-RU"/>
+          </a:p>
+        </p:txBody>
+      </p:sp>
+      <p:graphicFrame>
+        <p:nvGraphicFramePr>
+          <p:cNvPr id="9" name="Chart 2">
+            <a:extLst>
+              <a:ext uri="{FF2B5EF4-FFF2-40B4-BE49-F238E27FC236}">
+                <a16:creationId xmlns:a16="http://schemas.microsoft.com/office/drawing/2014/main" id="{7C5B2B87-83A4-4F43-9C22-8B3D1106CA3C}"/>
+              </a:ext>
+            </a:extLst>
+          </p:cNvPr>
+          <p:cNvGraphicFramePr/>
+          <p:nvPr>
+            <p:extLst>
+              <p:ext uri="{D42A27DB-BD31-4B8C-83A1-F6EECF244321}">
+                <p14:modId xmlns:p14="http://schemas.microsoft.com/office/powerpoint/2010/main" val="2080374232"/>
+              </p:ext>
+            </p:extLst>
+          </p:nvPr>
+        </p:nvGraphicFramePr>
+        <p:xfrm>
+          <a:off x="5365630" y="1491751"/>
+          <a:ext cx="6220960" cy="4782049"/>
+        </p:xfrm>
+        <a:graphic>
+          <a:graphicData uri="http://schemas.openxmlformats.org/drawingml/2006/chart">
+            <c:chart xmlns:c="http://schemas.openxmlformats.org/drawingml/2006/chart" xmlns:r="http://schemas.openxmlformats.org/officeDocument/2006/relationships" r:id="rId2"/>
+          </a:graphicData>
+        </a:graphic>
+      </p:graphicFrame>
     </p:spTree>
     <p:extLst>
       <p:ext uri="{BB962C8B-B14F-4D97-AF65-F5344CB8AC3E}">
-        <p14:creationId xmlns:p14="http://schemas.microsoft.com/office/powerpoint/2010/main" val="2852006066"/>
+        <p14:creationId xmlns:p14="http://schemas.microsoft.com/office/powerpoint/2010/main" val="78218466"/>
       </p:ext>
     </p:extLst>
   </p:cSld>
   <p:clrMapOvr>
     <a:masterClrMapping/>
   </p:clrMapOvr>
-  <p:timing>
-    <p:tnLst>
-      <p:par>
-        <p:cTn id="1" dur="indefinite" restart="never" nodeType="tmRoot"/>
-      </p:par>
-    </p:tnLst>
-  </p:timing>
 </p:sld>
 </file>
 
-<file path=ppt/slides/slide4.xml><?xml version="1.0" encoding="utf-8"?>
+<file path=ppt/slides/slide3.xml><?xml version="1.0" encoding="utf-8"?>
 <p:sld xmlns:a="http://schemas.openxmlformats.org/drawingml/2006/main" xmlns:r="http://schemas.openxmlformats.org/officeDocument/2006/relationships" xmlns:p="http://schemas.openxmlformats.org/presentationml/2006/main">
   <p:cSld>
     <p:spTree>
@@ -35156,10 +31697,9 @@
           <a:lstStyle/>
           <a:p>
             <a:r>
-              <a:rPr lang="ru-RU" dirty="0" smtClean="0"/>
-              <a:t>Известные подходы к решению</a:t>
-            </a:r>
-            <a:endParaRPr lang="ru-RU" dirty="0"/>
+              <a:rPr lang="ru-RU" dirty="0"/>
+              <a:t>Конкретная задача</a:t>
+            </a:r>
           </a:p>
         </p:txBody>
       </p:sp>
@@ -35354,69 +31894,457 @@
           </a:lstStyle>
           <a:p>
             <a:r>
-              <a:rPr lang="ru-RU" dirty="0" smtClean="0"/>
+              <a:rPr lang="ru-RU" dirty="0"/>
+              <a:t>Провести анализ существующих популярных алгоритмов прогнозирования временных рядов</a:t>
+            </a:r>
+          </a:p>
+          <a:p>
+            <a:r>
+              <a:rPr lang="ru-RU" dirty="0"/>
+              <a:t>Предложить легковесный метод, дающий хороший компромисс между качеством, и временем работы / сложностью обучения</a:t>
+            </a:r>
+          </a:p>
+          <a:p>
+            <a:r>
+              <a:rPr lang="ru-RU" dirty="0"/>
+              <a:t>Сравнить предложенный метод с существующими в равных условиях и на различных данных</a:t>
+            </a:r>
+          </a:p>
+          <a:p>
+            <a:r>
+              <a:rPr lang="ru-RU" dirty="0"/>
+              <a:t>Опубликовать полученную модель в открытый доступ для свободного использования</a:t>
+            </a:r>
+          </a:p>
+        </p:txBody>
+      </p:sp>
+      <p:sp>
+        <p:nvSpPr>
+          <p:cNvPr id="11" name="TextBox 10">
+            <a:extLst>
+              <a:ext uri="{FF2B5EF4-FFF2-40B4-BE49-F238E27FC236}">
+                <a16:creationId xmlns:a16="http://schemas.microsoft.com/office/drawing/2014/main" id="{1E0D4DE4-C1B1-2B7D-D240-2CBFC5FD9E2F}"/>
+              </a:ext>
+            </a:extLst>
+          </p:cNvPr>
+          <p:cNvSpPr txBox="1"/>
+          <p:nvPr/>
+        </p:nvSpPr>
+        <p:spPr>
+          <a:xfrm>
+            <a:off x="585897" y="1447790"/>
+            <a:ext cx="1992853" cy="707886"/>
+          </a:xfrm>
+          <a:prstGeom prst="rect">
+            <a:avLst/>
+          </a:prstGeom>
+          <a:noFill/>
+        </p:spPr>
+        <p:txBody>
+          <a:bodyPr wrap="none" rtlCol="0">
+            <a:spAutoFit/>
+          </a:bodyPr>
+          <a:lstStyle/>
+          <a:p>
+            <a:pPr algn="l"/>
+            <a:r>
+              <a:rPr lang="ru-RU" sz="4000" dirty="0">
+                <a:latin typeface="HSE Sans" panose="02000000000000000000" pitchFamily="2" charset="0"/>
+              </a:rPr>
+              <a:t>Задачи</a:t>
+            </a:r>
+          </a:p>
+        </p:txBody>
+      </p:sp>
+      <p:sp>
+        <p:nvSpPr>
+          <p:cNvPr id="9" name="Текст 2">
+            <a:extLst>
+              <a:ext uri="{FF2B5EF4-FFF2-40B4-BE49-F238E27FC236}">
+                <a16:creationId xmlns:a16="http://schemas.microsoft.com/office/drawing/2014/main" id="{C5A111DD-C00C-2D48-9F7A-4E23C5BA0C63}"/>
+              </a:ext>
+            </a:extLst>
+          </p:cNvPr>
+          <p:cNvSpPr>
+            <a:spLocks noGrp="1"/>
+          </p:cNvSpPr>
+          <p:nvPr>
+            <p:ph type="body" sz="quarter" idx="14"/>
+          </p:nvPr>
+        </p:nvSpPr>
+        <p:spPr>
+          <a:xfrm>
+            <a:off x="3459162" y="548720"/>
+            <a:ext cx="2361346" cy="408109"/>
+          </a:xfrm>
+        </p:spPr>
+        <p:txBody>
+          <a:bodyPr/>
+          <a:lstStyle/>
+          <a:p>
+            <a:r>
+              <a:rPr lang="ru-RU" dirty="0"/>
+              <a:t>Прогнозирование временных рядов</a:t>
+            </a:r>
+            <a:br>
+              <a:rPr lang="ru-RU" dirty="0"/>
+            </a:br>
+            <a:r>
+              <a:rPr lang="ru-RU" dirty="0"/>
+              <a:t>с помощью рекуррентных нейронных сетей</a:t>
+            </a:r>
+          </a:p>
+        </p:txBody>
+      </p:sp>
+    </p:spTree>
+    <p:extLst>
+      <p:ext uri="{BB962C8B-B14F-4D97-AF65-F5344CB8AC3E}">
+        <p14:creationId xmlns:p14="http://schemas.microsoft.com/office/powerpoint/2010/main" val="2852006066"/>
+      </p:ext>
+    </p:extLst>
+  </p:cSld>
+  <p:clrMapOvr>
+    <a:masterClrMapping/>
+  </p:clrMapOvr>
+</p:sld>
+</file>
+
+<file path=ppt/slides/slide4.xml><?xml version="1.0" encoding="utf-8"?>
+<p:sld xmlns:a="http://schemas.openxmlformats.org/drawingml/2006/main" xmlns:r="http://schemas.openxmlformats.org/officeDocument/2006/relationships" xmlns:p="http://schemas.openxmlformats.org/presentationml/2006/main">
+  <p:cSld>
+    <p:spTree>
+      <p:nvGrpSpPr>
+        <p:cNvPr id="1" name=""/>
+        <p:cNvGrpSpPr/>
+        <p:nvPr/>
+      </p:nvGrpSpPr>
+      <p:grpSpPr>
+        <a:xfrm>
+          <a:off x="0" y="0"/>
+          <a:ext cx="0" cy="0"/>
+          <a:chOff x="0" y="0"/>
+          <a:chExt cx="0" cy="0"/>
+        </a:xfrm>
+      </p:grpSpPr>
+      <p:sp>
+        <p:nvSpPr>
+          <p:cNvPr id="2" name="Текст 1">
+            <a:extLst>
+              <a:ext uri="{FF2B5EF4-FFF2-40B4-BE49-F238E27FC236}">
+                <a16:creationId xmlns:a16="http://schemas.microsoft.com/office/drawing/2014/main" id="{7AC8064E-5791-204C-B92F-A01827949435}"/>
+              </a:ext>
+            </a:extLst>
+          </p:cNvPr>
+          <p:cNvSpPr>
+            <a:spLocks noGrp="1"/>
+          </p:cNvSpPr>
+          <p:nvPr>
+            <p:ph type="body" sz="quarter" idx="13"/>
+          </p:nvPr>
+        </p:nvSpPr>
+        <p:spPr>
+          <a:xfrm>
+            <a:off x="1143689" y="540904"/>
+            <a:ext cx="2070100" cy="415925"/>
+          </a:xfrm>
+        </p:spPr>
+        <p:txBody>
+          <a:bodyPr/>
+          <a:lstStyle/>
+          <a:p>
+            <a:r>
+              <a:rPr lang="ru-RU" dirty="0"/>
+              <a:t>Магистерская программа </a:t>
+            </a:r>
+            <a:r>
+              <a:rPr lang="en-US" dirty="0"/>
+              <a:t>”</a:t>
+            </a:r>
+            <a:r>
+              <a:rPr lang="ru-RU" dirty="0"/>
+              <a:t>Интеллектуальный анализ данных</a:t>
+            </a:r>
+            <a:r>
+              <a:rPr lang="en-US" dirty="0"/>
+              <a:t>”</a:t>
+            </a:r>
+            <a:endParaRPr lang="ru-RU" dirty="0"/>
+          </a:p>
+          <a:p>
+            <a:endParaRPr lang="ru-RU" dirty="0"/>
+          </a:p>
+        </p:txBody>
+      </p:sp>
+      <p:sp>
+        <p:nvSpPr>
+          <p:cNvPr id="4" name="Текст 3">
+            <a:extLst>
+              <a:ext uri="{FF2B5EF4-FFF2-40B4-BE49-F238E27FC236}">
+                <a16:creationId xmlns:a16="http://schemas.microsoft.com/office/drawing/2014/main" id="{D7B3E517-ED8B-0241-AB87-BE49B315EEBF}"/>
+              </a:ext>
+            </a:extLst>
+          </p:cNvPr>
+          <p:cNvSpPr>
+            <a:spLocks noGrp="1"/>
+          </p:cNvSpPr>
+          <p:nvPr>
+            <p:ph type="body" sz="quarter" idx="15"/>
+          </p:nvPr>
+        </p:nvSpPr>
+        <p:spPr/>
+        <p:txBody>
+          <a:bodyPr/>
+          <a:lstStyle/>
+          <a:p>
+            <a:r>
+              <a:rPr lang="ru-RU" dirty="0"/>
+              <a:t>Известные подходы к решению</a:t>
+            </a:r>
+          </a:p>
+        </p:txBody>
+      </p:sp>
+      <p:sp>
+        <p:nvSpPr>
+          <p:cNvPr id="8" name="Текст 3">
+            <a:extLst>
+              <a:ext uri="{FF2B5EF4-FFF2-40B4-BE49-F238E27FC236}">
+                <a16:creationId xmlns:a16="http://schemas.microsoft.com/office/drawing/2014/main" id="{378155C5-C1E4-7ECF-856E-968CF9D607E2}"/>
+              </a:ext>
+            </a:extLst>
+          </p:cNvPr>
+          <p:cNvSpPr txBox="1">
+            <a:spLocks/>
+          </p:cNvSpPr>
+          <p:nvPr/>
+        </p:nvSpPr>
+        <p:spPr>
+          <a:xfrm>
+            <a:off x="585897" y="2379663"/>
+            <a:ext cx="9520211" cy="3393234"/>
+          </a:xfrm>
+          <a:prstGeom prst="rect">
+            <a:avLst/>
+          </a:prstGeom>
+        </p:spPr>
+        <p:txBody>
+          <a:bodyPr/>
+          <a:lstStyle>
+            <a:lvl1pPr marL="228600" indent="-228600" algn="l" defTabSz="914400" rtl="0" eaLnBrk="1" latinLnBrk="0" hangingPunct="1">
+              <a:lnSpc>
+                <a:spcPct val="90000"/>
+              </a:lnSpc>
+              <a:spcBef>
+                <a:spcPts val="1000"/>
+              </a:spcBef>
+              <a:buFont typeface="Arial" panose="020B0604020202020204" pitchFamily="34" charset="0"/>
+              <a:buChar char="•"/>
+              <a:defRPr sz="2800" kern="1200">
+                <a:solidFill>
+                  <a:schemeClr val="tx1"/>
+                </a:solidFill>
+                <a:latin typeface="+mn-lt"/>
+                <a:ea typeface="+mn-ea"/>
+                <a:cs typeface="+mn-cs"/>
+              </a:defRPr>
+            </a:lvl1pPr>
+            <a:lvl2pPr marL="685800" indent="-228600" algn="l" defTabSz="914400" rtl="0" eaLnBrk="1" latinLnBrk="0" hangingPunct="1">
+              <a:lnSpc>
+                <a:spcPct val="90000"/>
+              </a:lnSpc>
+              <a:spcBef>
+                <a:spcPts val="500"/>
+              </a:spcBef>
+              <a:buFont typeface="Arial" panose="020B0604020202020204" pitchFamily="34" charset="0"/>
+              <a:buChar char="•"/>
+              <a:defRPr sz="2400" kern="1200">
+                <a:solidFill>
+                  <a:schemeClr val="tx1"/>
+                </a:solidFill>
+                <a:latin typeface="+mn-lt"/>
+                <a:ea typeface="+mn-ea"/>
+                <a:cs typeface="+mn-cs"/>
+              </a:defRPr>
+            </a:lvl2pPr>
+            <a:lvl3pPr marL="1143000" indent="-228600" algn="l" defTabSz="914400" rtl="0" eaLnBrk="1" latinLnBrk="0" hangingPunct="1">
+              <a:lnSpc>
+                <a:spcPct val="90000"/>
+              </a:lnSpc>
+              <a:spcBef>
+                <a:spcPts val="500"/>
+              </a:spcBef>
+              <a:buFont typeface="Arial" panose="020B0604020202020204" pitchFamily="34" charset="0"/>
+              <a:buChar char="•"/>
+              <a:defRPr sz="2000" kern="1200">
+                <a:solidFill>
+                  <a:schemeClr val="tx1"/>
+                </a:solidFill>
+                <a:latin typeface="+mn-lt"/>
+                <a:ea typeface="+mn-ea"/>
+                <a:cs typeface="+mn-cs"/>
+              </a:defRPr>
+            </a:lvl3pPr>
+            <a:lvl4pPr marL="1600200" indent="-228600" algn="l" defTabSz="914400" rtl="0" eaLnBrk="1" latinLnBrk="0" hangingPunct="1">
+              <a:lnSpc>
+                <a:spcPct val="90000"/>
+              </a:lnSpc>
+              <a:spcBef>
+                <a:spcPts val="500"/>
+              </a:spcBef>
+              <a:buFont typeface="Arial" panose="020B0604020202020204" pitchFamily="34" charset="0"/>
+              <a:buChar char="•"/>
+              <a:defRPr sz="1800" kern="1200">
+                <a:solidFill>
+                  <a:schemeClr val="tx1"/>
+                </a:solidFill>
+                <a:latin typeface="+mn-lt"/>
+                <a:ea typeface="+mn-ea"/>
+                <a:cs typeface="+mn-cs"/>
+              </a:defRPr>
+            </a:lvl4pPr>
+            <a:lvl5pPr marL="2057400" indent="-228600" algn="l" defTabSz="914400" rtl="0" eaLnBrk="1" latinLnBrk="0" hangingPunct="1">
+              <a:lnSpc>
+                <a:spcPct val="90000"/>
+              </a:lnSpc>
+              <a:spcBef>
+                <a:spcPts val="500"/>
+              </a:spcBef>
+              <a:buFont typeface="Arial" panose="020B0604020202020204" pitchFamily="34" charset="0"/>
+              <a:buChar char="•"/>
+              <a:defRPr sz="1800" kern="1200">
+                <a:solidFill>
+                  <a:schemeClr val="tx1"/>
+                </a:solidFill>
+                <a:latin typeface="+mn-lt"/>
+                <a:ea typeface="+mn-ea"/>
+                <a:cs typeface="+mn-cs"/>
+              </a:defRPr>
+            </a:lvl5pPr>
+            <a:lvl6pPr marL="2514600" indent="-228600" algn="l" defTabSz="914400" rtl="0" eaLnBrk="1" latinLnBrk="0" hangingPunct="1">
+              <a:lnSpc>
+                <a:spcPct val="90000"/>
+              </a:lnSpc>
+              <a:spcBef>
+                <a:spcPts val="500"/>
+              </a:spcBef>
+              <a:buFont typeface="Arial" panose="020B0604020202020204" pitchFamily="34" charset="0"/>
+              <a:buChar char="•"/>
+              <a:defRPr sz="1800" kern="1200">
+                <a:solidFill>
+                  <a:schemeClr val="tx1"/>
+                </a:solidFill>
+                <a:latin typeface="+mn-lt"/>
+                <a:ea typeface="+mn-ea"/>
+                <a:cs typeface="+mn-cs"/>
+              </a:defRPr>
+            </a:lvl6pPr>
+            <a:lvl7pPr marL="2971800" indent="-228600" algn="l" defTabSz="914400" rtl="0" eaLnBrk="1" latinLnBrk="0" hangingPunct="1">
+              <a:lnSpc>
+                <a:spcPct val="90000"/>
+              </a:lnSpc>
+              <a:spcBef>
+                <a:spcPts val="500"/>
+              </a:spcBef>
+              <a:buFont typeface="Arial" panose="020B0604020202020204" pitchFamily="34" charset="0"/>
+              <a:buChar char="•"/>
+              <a:defRPr sz="1800" kern="1200">
+                <a:solidFill>
+                  <a:schemeClr val="tx1"/>
+                </a:solidFill>
+                <a:latin typeface="+mn-lt"/>
+                <a:ea typeface="+mn-ea"/>
+                <a:cs typeface="+mn-cs"/>
+              </a:defRPr>
+            </a:lvl7pPr>
+            <a:lvl8pPr marL="3429000" indent="-228600" algn="l" defTabSz="914400" rtl="0" eaLnBrk="1" latinLnBrk="0" hangingPunct="1">
+              <a:lnSpc>
+                <a:spcPct val="90000"/>
+              </a:lnSpc>
+              <a:spcBef>
+                <a:spcPts val="500"/>
+              </a:spcBef>
+              <a:buFont typeface="Arial" panose="020B0604020202020204" pitchFamily="34" charset="0"/>
+              <a:buChar char="•"/>
+              <a:defRPr sz="1800" kern="1200">
+                <a:solidFill>
+                  <a:schemeClr val="tx1"/>
+                </a:solidFill>
+                <a:latin typeface="+mn-lt"/>
+                <a:ea typeface="+mn-ea"/>
+                <a:cs typeface="+mn-cs"/>
+              </a:defRPr>
+            </a:lvl8pPr>
+            <a:lvl9pPr marL="3886200" indent="-228600" algn="l" defTabSz="914400" rtl="0" eaLnBrk="1" latinLnBrk="0" hangingPunct="1">
+              <a:lnSpc>
+                <a:spcPct val="90000"/>
+              </a:lnSpc>
+              <a:spcBef>
+                <a:spcPts val="500"/>
+              </a:spcBef>
+              <a:buFont typeface="Arial" panose="020B0604020202020204" pitchFamily="34" charset="0"/>
+              <a:buChar char="•"/>
+              <a:defRPr sz="1800" kern="1200">
+                <a:solidFill>
+                  <a:schemeClr val="tx1"/>
+                </a:solidFill>
+                <a:latin typeface="+mn-lt"/>
+                <a:ea typeface="+mn-ea"/>
+                <a:cs typeface="+mn-cs"/>
+              </a:defRPr>
+            </a:lvl9pPr>
+          </a:lstStyle>
+          <a:p>
+            <a:r>
+              <a:rPr lang="ru-RU" dirty="0"/>
               <a:t>Классические модели</a:t>
             </a:r>
             <a:r>
-              <a:rPr lang="en-US" dirty="0" smtClean="0"/>
+              <a:rPr lang="en-US" dirty="0"/>
               <a:t>: ARIMA (1970), TBATS (2010), modifications</a:t>
             </a:r>
             <a:r>
-              <a:rPr lang="ru-RU" dirty="0" smtClean="0"/>
+              <a:rPr lang="ru-RU" dirty="0"/>
               <a:t> – слишком простые, могли устареть</a:t>
             </a:r>
-            <a:endParaRPr lang="en-US" dirty="0" smtClean="0"/>
-          </a:p>
-          <a:p>
-            <a:r>
-              <a:rPr lang="ru-RU" dirty="0" err="1" smtClean="0"/>
+            <a:endParaRPr lang="en-US" dirty="0"/>
+          </a:p>
+          <a:p>
+            <a:r>
+              <a:rPr lang="ru-RU" dirty="0" err="1"/>
               <a:t>Нейросетевые</a:t>
             </a:r>
             <a:r>
-              <a:rPr lang="ru-RU" dirty="0" smtClean="0"/>
+              <a:rPr lang="ru-RU" dirty="0"/>
+              <a:t> без </a:t>
+            </a:r>
+            <a:r>
+              <a:rPr lang="en-US" dirty="0"/>
+              <a:t>attention: N-BEATS (2020), LTSF-Linear (2022)</a:t>
+            </a:r>
+            <a:r>
+              <a:rPr lang="ru-RU" dirty="0"/>
+              <a:t> – интересные,</a:t>
+            </a:r>
+            <a:r>
+              <a:rPr lang="en-US" dirty="0"/>
               <a:t> </a:t>
             </a:r>
             <a:r>
-              <a:rPr lang="ru-RU" dirty="0" smtClean="0"/>
-              <a:t>без </a:t>
-            </a:r>
-            <a:r>
-              <a:rPr lang="en-US" dirty="0" smtClean="0"/>
-              <a:t>attention: </a:t>
-            </a:r>
-            <a:r>
-              <a:rPr lang="en-US" dirty="0" smtClean="0"/>
-              <a:t>N-BEATS (2020), </a:t>
-            </a:r>
-            <a:r>
-              <a:rPr lang="en-US" dirty="0" smtClean="0"/>
-              <a:t>LTSF-Linear (2022)</a:t>
-            </a:r>
-            <a:r>
-              <a:rPr lang="ru-RU" dirty="0" smtClean="0"/>
-              <a:t> – интересные,</a:t>
-            </a:r>
-            <a:r>
-              <a:rPr lang="en-US" dirty="0" smtClean="0"/>
-              <a:t> </a:t>
-            </a:r>
-            <a:r>
-              <a:rPr lang="ru-RU" dirty="0" smtClean="0"/>
+              <a:rPr lang="ru-RU" dirty="0"/>
               <a:t>достаточно сложные имплементации</a:t>
             </a:r>
-            <a:endParaRPr lang="en-US" dirty="0" smtClean="0"/>
-          </a:p>
-          <a:p>
-            <a:r>
-              <a:rPr lang="ru-RU" dirty="0" err="1" smtClean="0"/>
+            <a:endParaRPr lang="en-US" dirty="0"/>
+          </a:p>
+          <a:p>
+            <a:r>
+              <a:rPr lang="ru-RU" dirty="0" err="1"/>
               <a:t>Нейросетевые</a:t>
             </a:r>
             <a:r>
-              <a:rPr lang="ru-RU" dirty="0" smtClean="0"/>
+              <a:rPr lang="ru-RU" dirty="0"/>
               <a:t> с </a:t>
             </a:r>
             <a:r>
-              <a:rPr lang="en-US" dirty="0" smtClean="0"/>
+              <a:rPr lang="en-US" dirty="0"/>
               <a:t>attention: PI-Transformer (2023), </a:t>
             </a:r>
             <a:r>
@@ -35425,33 +32353,28 @@
             </a:r>
             <a:r>
               <a:rPr lang="en-US" dirty="0"/>
-              <a:t> (2024</a:t>
-            </a:r>
-            <a:r>
-              <a:rPr lang="en-US" dirty="0" smtClean="0"/>
-              <a:t>)</a:t>
-            </a:r>
-            <a:r>
-              <a:rPr lang="ru-RU" dirty="0" smtClean="0"/>
+              <a:t> (2024)</a:t>
+            </a:r>
+            <a:r>
+              <a:rPr lang="ru-RU" dirty="0"/>
               <a:t> – тяжеловесные,</a:t>
             </a:r>
             <a:r>
-              <a:rPr lang="en-US" dirty="0" smtClean="0"/>
+              <a:rPr lang="en-US" dirty="0"/>
               <a:t> </a:t>
             </a:r>
             <a:r>
-              <a:rPr lang="ru-RU" dirty="0" smtClean="0"/>
+              <a:rPr lang="ru-RU" dirty="0"/>
               <a:t>механизм </a:t>
             </a:r>
             <a:r>
-              <a:rPr lang="en-US" dirty="0" smtClean="0"/>
+              <a:rPr lang="en-US" dirty="0"/>
               <a:t>attention</a:t>
             </a:r>
             <a:r>
-              <a:rPr lang="ru-RU" dirty="0" smtClean="0"/>
+              <a:rPr lang="ru-RU" dirty="0"/>
               <a:t> работает за квадратичное время</a:t>
             </a:r>
-            <a:endParaRPr lang="ru-RU" dirty="0"/>
           </a:p>
         </p:txBody>
       </p:sp>
@@ -35485,14 +32408,11 @@
           <a:p>
             <a:pPr algn="l"/>
             <a:r>
-              <a:rPr lang="ru-RU" sz="4000" dirty="0" smtClean="0">
+              <a:rPr lang="ru-RU" sz="4000" dirty="0">
                 <a:latin typeface="HSE Sans" panose="02000000000000000000" pitchFamily="2" charset="0"/>
               </a:rPr>
               <a:t>Существующие решения</a:t>
             </a:r>
-            <a:endParaRPr lang="ru-RU" sz="4000" dirty="0" smtClean="0">
-              <a:latin typeface="HSE Sans" panose="02000000000000000000" pitchFamily="2" charset="0"/>
-            </a:endParaRPr>
           </a:p>
         </p:txBody>
       </p:sp>
@@ -35533,7 +32453,6 @@
               <a:rPr lang="ru-RU" dirty="0"/>
               <a:t>с помощью рекуррентных нейронных сетей</a:t>
             </a:r>
-            <a:endParaRPr lang="ru-RU" dirty="0"/>
           </a:p>
         </p:txBody>
       </p:sp>
@@ -35547,13 +32466,6 @@
   <p:clrMapOvr>
     <a:masterClrMapping/>
   </p:clrMapOvr>
-  <p:timing>
-    <p:tnLst>
-      <p:par>
-        <p:cTn id="1" dur="indefinite" restart="never" nodeType="tmRoot"/>
-      </p:par>
-    </p:tnLst>
-  </p:timing>
 </p:sld>
 </file>
 
@@ -35645,10 +32557,9 @@
           <a:lstStyle/>
           <a:p>
             <a:r>
-              <a:rPr lang="ru-RU" dirty="0" smtClean="0"/>
+              <a:rPr lang="ru-RU" dirty="0"/>
               <a:t>Предлагаемый подход</a:t>
             </a:r>
-            <a:endParaRPr lang="ru-RU" dirty="0"/>
           </a:p>
         </p:txBody>
       </p:sp>
@@ -35682,14 +32593,11 @@
           <a:p>
             <a:pPr algn="l"/>
             <a:r>
-              <a:rPr lang="ru-RU" sz="4000" dirty="0" smtClean="0">
+              <a:rPr lang="ru-RU" sz="4000" dirty="0">
                 <a:latin typeface="HSE Sans" panose="02000000000000000000" pitchFamily="2" charset="0"/>
               </a:rPr>
               <a:t>Предлагаемый подход</a:t>
             </a:r>
-            <a:endParaRPr lang="ru-RU" sz="4000" dirty="0" smtClean="0">
-              <a:latin typeface="HSE Sans" panose="02000000000000000000" pitchFamily="2" charset="0"/>
-            </a:endParaRPr>
           </a:p>
         </p:txBody>
       </p:sp>
@@ -35884,70 +32792,70 @@
           </a:lstStyle>
           <a:p>
             <a:r>
-              <a:rPr lang="ru-RU" dirty="0" smtClean="0"/>
+              <a:rPr lang="ru-RU" dirty="0"/>
               <a:t>Выбрать временные ряды из разных сфер для анализа. Подготовить данные</a:t>
             </a:r>
           </a:p>
           <a:p>
             <a:r>
-              <a:rPr lang="ru-RU" dirty="0" smtClean="0"/>
+              <a:rPr lang="ru-RU" dirty="0"/>
               <a:t>Обучить несколько </a:t>
             </a:r>
             <a:r>
-              <a:rPr lang="en-US" dirty="0" smtClean="0"/>
+              <a:rPr lang="en-US" dirty="0"/>
               <a:t>RNN-</a:t>
             </a:r>
             <a:r>
-              <a:rPr lang="ru-RU" dirty="0" smtClean="0"/>
+              <a:rPr lang="ru-RU" dirty="0"/>
               <a:t>моделей</a:t>
             </a:r>
             <a:r>
-              <a:rPr lang="en-US" dirty="0" smtClean="0"/>
+              <a:rPr lang="en-US" dirty="0"/>
               <a:t>: RNN (1972),</a:t>
             </a:r>
             <a:r>
-              <a:rPr lang="ru-RU" dirty="0" smtClean="0"/>
+              <a:rPr lang="ru-RU" dirty="0"/>
               <a:t> </a:t>
             </a:r>
             <a:r>
-              <a:rPr lang="en-US" dirty="0" smtClean="0"/>
+              <a:rPr lang="en-US" dirty="0"/>
               <a:t>LSTM (1997), GRU (2014)</a:t>
             </a:r>
           </a:p>
           <a:p>
             <a:r>
-              <a:rPr lang="ru-RU" dirty="0" smtClean="0"/>
+              <a:rPr lang="ru-RU" dirty="0"/>
               <a:t>Попробовать модификации, попытаться улучшить качество</a:t>
             </a:r>
           </a:p>
           <a:p>
             <a:r>
-              <a:rPr lang="ru-RU" dirty="0" smtClean="0"/>
+              <a:rPr lang="ru-RU" dirty="0"/>
               <a:t>Сравнить результаты с известными подходами</a:t>
             </a:r>
           </a:p>
           <a:p>
             <a:r>
-              <a:rPr lang="ru-RU" dirty="0" smtClean="0"/>
+              <a:rPr lang="ru-RU" dirty="0"/>
               <a:t>Сделать выводы об использовании </a:t>
             </a:r>
             <a:r>
-              <a:rPr lang="en-US" dirty="0" smtClean="0"/>
+              <a:rPr lang="en-US" dirty="0"/>
               <a:t>RNN</a:t>
             </a:r>
             <a:r>
-              <a:rPr lang="ru-RU" dirty="0" smtClean="0"/>
+              <a:rPr lang="ru-RU" dirty="0"/>
               <a:t> для </a:t>
             </a:r>
             <a:r>
-              <a:rPr lang="en-US" dirty="0" smtClean="0"/>
+              <a:rPr lang="en-US" dirty="0"/>
               <a:t>TSF,</a:t>
             </a:r>
             <a:r>
-              <a:rPr lang="ru-RU" dirty="0" smtClean="0"/>
+              <a:rPr lang="ru-RU" dirty="0"/>
               <a:t> выявить их преимущества и недостатки</a:t>
             </a:r>
-            <a:endParaRPr lang="en-US" dirty="0" smtClean="0"/>
+            <a:endParaRPr lang="en-US" dirty="0"/>
           </a:p>
         </p:txBody>
       </p:sp>
@@ -35988,7 +32896,6 @@
               <a:rPr lang="ru-RU" dirty="0"/>
               <a:t>с помощью рекуррентных нейронных сетей</a:t>
             </a:r>
-            <a:endParaRPr lang="ru-RU" dirty="0"/>
           </a:p>
         </p:txBody>
       </p:sp>
@@ -36002,13 +32909,6 @@
   <p:clrMapOvr>
     <a:masterClrMapping/>
   </p:clrMapOvr>
-  <p:timing>
-    <p:tnLst>
-      <p:par>
-        <p:cTn id="1" dur="indefinite" restart="never" nodeType="tmRoot"/>
-      </p:par>
-    </p:tnLst>
-  </p:timing>
 </p:sld>
 </file>
 
@@ -36100,10 +33000,9 @@
           <a:lstStyle/>
           <a:p>
             <a:r>
-              <a:rPr lang="ru-RU" dirty="0" smtClean="0"/>
+              <a:rPr lang="ru-RU" dirty="0"/>
               <a:t>Ожидаемые результаты</a:t>
             </a:r>
-            <a:endParaRPr lang="ru-RU" dirty="0"/>
           </a:p>
         </p:txBody>
       </p:sp>
@@ -36298,47 +33197,47 @@
           </a:lstStyle>
           <a:p>
             <a:r>
-              <a:rPr lang="ru-RU" dirty="0" smtClean="0"/>
+              <a:rPr lang="ru-RU" dirty="0"/>
               <a:t>Рекуррентные модели с отрывом победят классические методы по всем показателям</a:t>
             </a:r>
           </a:p>
           <a:p>
             <a:r>
-              <a:rPr lang="en-US" dirty="0" smtClean="0"/>
+              <a:rPr lang="en-US" dirty="0"/>
               <a:t>RNN </a:t>
             </a:r>
             <a:r>
-              <a:rPr lang="ru-RU" dirty="0" smtClean="0"/>
+              <a:rPr lang="ru-RU" dirty="0"/>
               <a:t>немного проиграют </a:t>
             </a:r>
             <a:r>
-              <a:rPr lang="ru-RU" dirty="0" err="1" smtClean="0"/>
+              <a:rPr lang="ru-RU" dirty="0" err="1"/>
               <a:t>трансформерным</a:t>
             </a:r>
             <a:r>
-              <a:rPr lang="ru-RU" dirty="0" smtClean="0"/>
+              <a:rPr lang="ru-RU" dirty="0"/>
               <a:t> моделям в качестве, но выиграют во времени обучения и времени предсказания</a:t>
             </a:r>
           </a:p>
           <a:p>
             <a:r>
-              <a:rPr lang="ru-RU" dirty="0" smtClean="0"/>
+              <a:rPr lang="ru-RU" dirty="0"/>
               <a:t>Результат сравнения с </a:t>
             </a:r>
             <a:r>
-              <a:rPr lang="ru-RU" dirty="0" err="1" smtClean="0"/>
+              <a:rPr lang="ru-RU" dirty="0" err="1"/>
               <a:t>нейросетевыми</a:t>
             </a:r>
             <a:r>
-              <a:rPr lang="ru-RU" dirty="0" smtClean="0"/>
+              <a:rPr lang="ru-RU" dirty="0"/>
               <a:t> моделями без </a:t>
             </a:r>
             <a:r>
-              <a:rPr lang="en-US" dirty="0" smtClean="0"/>
+              <a:rPr lang="en-US" dirty="0"/>
               <a:t>attention </a:t>
             </a:r>
             <a:r>
-              <a:rPr lang="ru-RU" dirty="0" smtClean="0"/>
+              <a:rPr lang="ru-RU" dirty="0"/>
               <a:t>пока не известен. Задача – приблизиться или обогнать их по качеству</a:t>
             </a:r>
           </a:p>
@@ -36377,14 +33276,11 @@
           <a:p>
             <a:pPr algn="l"/>
             <a:r>
-              <a:rPr lang="ru-RU" sz="4000" dirty="0" smtClean="0">
+              <a:rPr lang="ru-RU" sz="4000" dirty="0">
                 <a:latin typeface="HSE Sans" panose="02000000000000000000" pitchFamily="2" charset="0"/>
               </a:rPr>
               <a:t>Ожидаемые результаты</a:t>
             </a:r>
-            <a:endParaRPr lang="ru-RU" sz="4000" dirty="0" smtClean="0">
-              <a:latin typeface="HSE Sans" panose="02000000000000000000" pitchFamily="2" charset="0"/>
-            </a:endParaRPr>
           </a:p>
         </p:txBody>
       </p:sp>
@@ -36425,7 +33321,6 @@
               <a:rPr lang="ru-RU" dirty="0"/>
               <a:t>с помощью рекуррентных нейронных сетей</a:t>
             </a:r>
-            <a:endParaRPr lang="ru-RU" dirty="0"/>
           </a:p>
         </p:txBody>
       </p:sp>
@@ -36439,13 +33334,6 @@
   <p:clrMapOvr>
     <a:masterClrMapping/>
   </p:clrMapOvr>
-  <p:timing>
-    <p:tnLst>
-      <p:par>
-        <p:cTn id="1" dur="indefinite" restart="never" nodeType="tmRoot"/>
-      </p:par>
-    </p:tnLst>
-  </p:timing>
 </p:sld>
 </file>
 
@@ -36476,13 +33364,6 @@
   <p:clrMapOvr>
     <a:masterClrMapping/>
   </p:clrMapOvr>
-  <p:timing>
-    <p:tnLst>
-      <p:par>
-        <p:cTn id="1" dur="indefinite" restart="never" nodeType="tmRoot"/>
-      </p:par>
-    </p:tnLst>
-  </p:timing>
 </p:sld>
 </file>
 
@@ -36505,10 +33386,104 @@
       </p:grpSpPr>
       <p:sp>
         <p:nvSpPr>
-          <p:cNvPr id="2" name="Текст 1">
+          <p:cNvPr id="2" name="Рисунок 1">
             <a:extLst>
               <a:ext uri="{FF2B5EF4-FFF2-40B4-BE49-F238E27FC236}">
-                <a16:creationId xmlns:a16="http://schemas.microsoft.com/office/drawing/2014/main" id="{7AC8064E-5791-204C-B92F-A01827949435}"/>
+                <a16:creationId xmlns:a16="http://schemas.microsoft.com/office/drawing/2014/main" id="{80FC3A29-7E6A-6A44-ACE4-DF555422EA08}"/>
+              </a:ext>
+            </a:extLst>
+          </p:cNvPr>
+          <p:cNvSpPr>
+            <a:spLocks noGrp="1"/>
+          </p:cNvSpPr>
+          <p:nvPr>
+            <p:ph type="pic" sz="quarter" idx="10"/>
+          </p:nvPr>
+        </p:nvSpPr>
+        <p:spPr/>
+      </p:sp>
+      <p:sp>
+        <p:nvSpPr>
+          <p:cNvPr id="3" name="Заголовок 2">
+            <a:extLst>
+              <a:ext uri="{FF2B5EF4-FFF2-40B4-BE49-F238E27FC236}">
+                <a16:creationId xmlns:a16="http://schemas.microsoft.com/office/drawing/2014/main" id="{E2EAF03B-EC26-1D47-94AC-C75942861D6C}"/>
+              </a:ext>
+            </a:extLst>
+          </p:cNvPr>
+          <p:cNvSpPr>
+            <a:spLocks noGrp="1"/>
+          </p:cNvSpPr>
+          <p:nvPr>
+            <p:ph type="title"/>
+          </p:nvPr>
+        </p:nvSpPr>
+        <p:spPr/>
+        <p:txBody>
+          <a:bodyPr/>
+          <a:lstStyle/>
+          <a:p>
+            <a:r>
+              <a:rPr lang="ru-RU" dirty="0"/>
+              <a:t>Заголовок</a:t>
+            </a:r>
+          </a:p>
+        </p:txBody>
+      </p:sp>
+      <p:sp>
+        <p:nvSpPr>
+          <p:cNvPr id="4" name="Текст 3">
+            <a:extLst>
+              <a:ext uri="{FF2B5EF4-FFF2-40B4-BE49-F238E27FC236}">
+                <a16:creationId xmlns:a16="http://schemas.microsoft.com/office/drawing/2014/main" id="{53356540-7218-FF4B-B6BC-5BD291A372E2}"/>
+              </a:ext>
+            </a:extLst>
+          </p:cNvPr>
+          <p:cNvSpPr>
+            <a:spLocks noGrp="1"/>
+          </p:cNvSpPr>
+          <p:nvPr>
+            <p:ph type="body" sz="quarter" idx="12"/>
+          </p:nvPr>
+        </p:nvSpPr>
+        <p:spPr/>
+        <p:txBody>
+          <a:bodyPr/>
+          <a:lstStyle/>
+          <a:p>
+            <a:r>
+              <a:rPr lang="ru-RU" dirty="0" err="1"/>
+              <a:t>Тексттфывф</a:t>
+            </a:r>
+            <a:r>
+              <a:rPr lang="ru-RU" dirty="0"/>
+              <a:t> </a:t>
+            </a:r>
+            <a:r>
+              <a:rPr lang="ru-RU" dirty="0" err="1"/>
+              <a:t>фыв</a:t>
+            </a:r>
+            <a:r>
+              <a:rPr lang="ru-RU" dirty="0"/>
+              <a:t> </a:t>
+            </a:r>
+            <a:r>
+              <a:rPr lang="ru-RU" dirty="0" err="1"/>
+              <a:t>фыв</a:t>
+            </a:r>
+            <a:r>
+              <a:rPr lang="ru-RU" dirty="0"/>
+              <a:t> </a:t>
+            </a:r>
+          </a:p>
+        </p:txBody>
+      </p:sp>
+      <p:sp>
+        <p:nvSpPr>
+          <p:cNvPr id="5" name="Текст 4">
+            <a:extLst>
+              <a:ext uri="{FF2B5EF4-FFF2-40B4-BE49-F238E27FC236}">
+                <a16:creationId xmlns:a16="http://schemas.microsoft.com/office/drawing/2014/main" id="{3EB29DC1-D5D4-FB41-9E2D-AA4750D0CC8B}"/>
               </a:ext>
             </a:extLst>
           </p:cNvPr>
@@ -36519,45 +33494,49 @@
             <p:ph type="body" sz="quarter" idx="13"/>
           </p:nvPr>
         </p:nvSpPr>
-        <p:spPr>
-          <a:xfrm>
-            <a:off x="1143689" y="540904"/>
-            <a:ext cx="2070100" cy="415925"/>
-          </a:xfrm>
-        </p:spPr>
+        <p:spPr/>
         <p:txBody>
           <a:bodyPr/>
           <a:lstStyle/>
           <a:p>
-            <a:r>
-              <a:rPr lang="ru-RU" dirty="0"/>
-              <a:t>Магистерская программа </a:t>
-            </a:r>
-            <a:r>
-              <a:rPr lang="en-US" dirty="0"/>
-              <a:t>”</a:t>
-            </a:r>
-            <a:r>
-              <a:rPr lang="ru-RU" dirty="0"/>
-              <a:t>Интеллектуальный анализ данных</a:t>
-            </a:r>
-            <a:r>
-              <a:rPr lang="en-US" dirty="0"/>
-              <a:t>”</a:t>
-            </a:r>
-            <a:endParaRPr lang="ru-RU" dirty="0"/>
-          </a:p>
-          <a:p>
-            <a:endParaRPr lang="ru-RU" dirty="0"/>
+            <a:endParaRPr lang="ru-RU"/>
           </a:p>
         </p:txBody>
       </p:sp>
       <p:sp>
         <p:nvSpPr>
-          <p:cNvPr id="4" name="Текст 3">
+          <p:cNvPr id="6" name="Текст 5">
             <a:extLst>
               <a:ext uri="{FF2B5EF4-FFF2-40B4-BE49-F238E27FC236}">
-                <a16:creationId xmlns:a16="http://schemas.microsoft.com/office/drawing/2014/main" id="{D7B3E517-ED8B-0241-AB87-BE49B315EEBF}"/>
+                <a16:creationId xmlns:a16="http://schemas.microsoft.com/office/drawing/2014/main" id="{B5B6DD1A-BEFA-D842-9B7A-78D7BD1A5259}"/>
+              </a:ext>
+            </a:extLst>
+          </p:cNvPr>
+          <p:cNvSpPr>
+            <a:spLocks noGrp="1"/>
+          </p:cNvSpPr>
+          <p:nvPr>
+            <p:ph type="body" sz="quarter" idx="14"/>
+          </p:nvPr>
+        </p:nvSpPr>
+        <p:spPr/>
+        <p:txBody>
+          <a:bodyPr/>
+          <a:lstStyle/>
+          <a:p>
+            <a:r>
+              <a:rPr lang="ru-RU" dirty="0"/>
+              <a:t>Исследование динамики связей на рыночном графе</a:t>
+            </a:r>
+          </a:p>
+        </p:txBody>
+      </p:sp>
+      <p:sp>
+        <p:nvSpPr>
+          <p:cNvPr id="7" name="Текст 6">
+            <a:extLst>
+              <a:ext uri="{FF2B5EF4-FFF2-40B4-BE49-F238E27FC236}">
+                <a16:creationId xmlns:a16="http://schemas.microsoft.com/office/drawing/2014/main" id="{88968744-3B75-9B47-92FD-77E1E725F232}"/>
               </a:ext>
             </a:extLst>
           </p:cNvPr>
@@ -36573,320 +33552,20 @@
           <a:bodyPr/>
           <a:lstStyle/>
           <a:p>
-            <a:r>
-              <a:rPr lang="ru-RU" dirty="0"/>
-              <a:t>Постановка задачи</a:t>
-            </a:r>
-          </a:p>
-        </p:txBody>
-      </p:sp>
-      <p:sp>
-        <p:nvSpPr>
-          <p:cNvPr id="8" name="Текст 3">
-            <a:extLst>
-              <a:ext uri="{FF2B5EF4-FFF2-40B4-BE49-F238E27FC236}">
-                <a16:creationId xmlns:a16="http://schemas.microsoft.com/office/drawing/2014/main" id="{378155C5-C1E4-7ECF-856E-968CF9D607E2}"/>
-              </a:ext>
-            </a:extLst>
-          </p:cNvPr>
-          <p:cNvSpPr txBox="1">
-            <a:spLocks/>
-          </p:cNvSpPr>
-          <p:nvPr/>
-        </p:nvSpPr>
-        <p:spPr>
-          <a:xfrm>
-            <a:off x="585897" y="2379663"/>
-            <a:ext cx="9520211" cy="3393234"/>
-          </a:xfrm>
-          <a:prstGeom prst="rect">
-            <a:avLst/>
-          </a:prstGeom>
-        </p:spPr>
-        <p:txBody>
-          <a:bodyPr/>
-          <a:lstStyle>
-            <a:lvl1pPr marL="228600" indent="-228600" algn="l" defTabSz="914400" rtl="0" eaLnBrk="1" latinLnBrk="0" hangingPunct="1">
-              <a:lnSpc>
-                <a:spcPct val="90000"/>
-              </a:lnSpc>
-              <a:spcBef>
-                <a:spcPts val="1000"/>
-              </a:spcBef>
-              <a:buFont typeface="Arial" panose="020B0604020202020204" pitchFamily="34" charset="0"/>
-              <a:buChar char="•"/>
-              <a:defRPr sz="2800" kern="1200">
-                <a:solidFill>
-                  <a:schemeClr val="tx1"/>
-                </a:solidFill>
-                <a:latin typeface="+mn-lt"/>
-                <a:ea typeface="+mn-ea"/>
-                <a:cs typeface="+mn-cs"/>
-              </a:defRPr>
-            </a:lvl1pPr>
-            <a:lvl2pPr marL="685800" indent="-228600" algn="l" defTabSz="914400" rtl="0" eaLnBrk="1" latinLnBrk="0" hangingPunct="1">
-              <a:lnSpc>
-                <a:spcPct val="90000"/>
-              </a:lnSpc>
-              <a:spcBef>
-                <a:spcPts val="500"/>
-              </a:spcBef>
-              <a:buFont typeface="Arial" panose="020B0604020202020204" pitchFamily="34" charset="0"/>
-              <a:buChar char="•"/>
-              <a:defRPr sz="2400" kern="1200">
-                <a:solidFill>
-                  <a:schemeClr val="tx1"/>
-                </a:solidFill>
-                <a:latin typeface="+mn-lt"/>
-                <a:ea typeface="+mn-ea"/>
-                <a:cs typeface="+mn-cs"/>
-              </a:defRPr>
-            </a:lvl2pPr>
-            <a:lvl3pPr marL="1143000" indent="-228600" algn="l" defTabSz="914400" rtl="0" eaLnBrk="1" latinLnBrk="0" hangingPunct="1">
-              <a:lnSpc>
-                <a:spcPct val="90000"/>
-              </a:lnSpc>
-              <a:spcBef>
-                <a:spcPts val="500"/>
-              </a:spcBef>
-              <a:buFont typeface="Arial" panose="020B0604020202020204" pitchFamily="34" charset="0"/>
-              <a:buChar char="•"/>
-              <a:defRPr sz="2000" kern="1200">
-                <a:solidFill>
-                  <a:schemeClr val="tx1"/>
-                </a:solidFill>
-                <a:latin typeface="+mn-lt"/>
-                <a:ea typeface="+mn-ea"/>
-                <a:cs typeface="+mn-cs"/>
-              </a:defRPr>
-            </a:lvl3pPr>
-            <a:lvl4pPr marL="1600200" indent="-228600" algn="l" defTabSz="914400" rtl="0" eaLnBrk="1" latinLnBrk="0" hangingPunct="1">
-              <a:lnSpc>
-                <a:spcPct val="90000"/>
-              </a:lnSpc>
-              <a:spcBef>
-                <a:spcPts val="500"/>
-              </a:spcBef>
-              <a:buFont typeface="Arial" panose="020B0604020202020204" pitchFamily="34" charset="0"/>
-              <a:buChar char="•"/>
-              <a:defRPr sz="1800" kern="1200">
-                <a:solidFill>
-                  <a:schemeClr val="tx1"/>
-                </a:solidFill>
-                <a:latin typeface="+mn-lt"/>
-                <a:ea typeface="+mn-ea"/>
-                <a:cs typeface="+mn-cs"/>
-              </a:defRPr>
-            </a:lvl4pPr>
-            <a:lvl5pPr marL="2057400" indent="-228600" algn="l" defTabSz="914400" rtl="0" eaLnBrk="1" latinLnBrk="0" hangingPunct="1">
-              <a:lnSpc>
-                <a:spcPct val="90000"/>
-              </a:lnSpc>
-              <a:spcBef>
-                <a:spcPts val="500"/>
-              </a:spcBef>
-              <a:buFont typeface="Arial" panose="020B0604020202020204" pitchFamily="34" charset="0"/>
-              <a:buChar char="•"/>
-              <a:defRPr sz="1800" kern="1200">
-                <a:solidFill>
-                  <a:schemeClr val="tx1"/>
-                </a:solidFill>
-                <a:latin typeface="+mn-lt"/>
-                <a:ea typeface="+mn-ea"/>
-                <a:cs typeface="+mn-cs"/>
-              </a:defRPr>
-            </a:lvl5pPr>
-            <a:lvl6pPr marL="2514600" indent="-228600" algn="l" defTabSz="914400" rtl="0" eaLnBrk="1" latinLnBrk="0" hangingPunct="1">
-              <a:lnSpc>
-                <a:spcPct val="90000"/>
-              </a:lnSpc>
-              <a:spcBef>
-                <a:spcPts val="500"/>
-              </a:spcBef>
-              <a:buFont typeface="Arial" panose="020B0604020202020204" pitchFamily="34" charset="0"/>
-              <a:buChar char="•"/>
-              <a:defRPr sz="1800" kern="1200">
-                <a:solidFill>
-                  <a:schemeClr val="tx1"/>
-                </a:solidFill>
-                <a:latin typeface="+mn-lt"/>
-                <a:ea typeface="+mn-ea"/>
-                <a:cs typeface="+mn-cs"/>
-              </a:defRPr>
-            </a:lvl6pPr>
-            <a:lvl7pPr marL="2971800" indent="-228600" algn="l" defTabSz="914400" rtl="0" eaLnBrk="1" latinLnBrk="0" hangingPunct="1">
-              <a:lnSpc>
-                <a:spcPct val="90000"/>
-              </a:lnSpc>
-              <a:spcBef>
-                <a:spcPts val="500"/>
-              </a:spcBef>
-              <a:buFont typeface="Arial" panose="020B0604020202020204" pitchFamily="34" charset="0"/>
-              <a:buChar char="•"/>
-              <a:defRPr sz="1800" kern="1200">
-                <a:solidFill>
-                  <a:schemeClr val="tx1"/>
-                </a:solidFill>
-                <a:latin typeface="+mn-lt"/>
-                <a:ea typeface="+mn-ea"/>
-                <a:cs typeface="+mn-cs"/>
-              </a:defRPr>
-            </a:lvl7pPr>
-            <a:lvl8pPr marL="3429000" indent="-228600" algn="l" defTabSz="914400" rtl="0" eaLnBrk="1" latinLnBrk="0" hangingPunct="1">
-              <a:lnSpc>
-                <a:spcPct val="90000"/>
-              </a:lnSpc>
-              <a:spcBef>
-                <a:spcPts val="500"/>
-              </a:spcBef>
-              <a:buFont typeface="Arial" panose="020B0604020202020204" pitchFamily="34" charset="0"/>
-              <a:buChar char="•"/>
-              <a:defRPr sz="1800" kern="1200">
-                <a:solidFill>
-                  <a:schemeClr val="tx1"/>
-                </a:solidFill>
-                <a:latin typeface="+mn-lt"/>
-                <a:ea typeface="+mn-ea"/>
-                <a:cs typeface="+mn-cs"/>
-              </a:defRPr>
-            </a:lvl8pPr>
-            <a:lvl9pPr marL="3886200" indent="-228600" algn="l" defTabSz="914400" rtl="0" eaLnBrk="1" latinLnBrk="0" hangingPunct="1">
-              <a:lnSpc>
-                <a:spcPct val="90000"/>
-              </a:lnSpc>
-              <a:spcBef>
-                <a:spcPts val="500"/>
-              </a:spcBef>
-              <a:buFont typeface="Arial" panose="020B0604020202020204" pitchFamily="34" charset="0"/>
-              <a:buChar char="•"/>
-              <a:defRPr sz="1800" kern="1200">
-                <a:solidFill>
-                  <a:schemeClr val="tx1"/>
-                </a:solidFill>
-                <a:latin typeface="+mn-lt"/>
-                <a:ea typeface="+mn-ea"/>
-                <a:cs typeface="+mn-cs"/>
-              </a:defRPr>
-            </a:lvl9pPr>
-          </a:lstStyle>
-          <a:p>
-            <a:r>
-              <a:rPr lang="ru-RU" dirty="0"/>
-              <a:t>Понять, как устроен и чем полезен граф рынка</a:t>
-            </a:r>
-          </a:p>
-          <a:p>
-            <a:r>
-              <a:rPr lang="ru-RU" dirty="0"/>
-              <a:t>Получить некоторые реальные рыночные данные</a:t>
-            </a:r>
-          </a:p>
-          <a:p>
-            <a:r>
-              <a:rPr lang="ru-RU" dirty="0"/>
-              <a:t>Провести анализ изменений рыночного графа во времени</a:t>
-            </a:r>
-          </a:p>
-          <a:p>
-            <a:r>
-              <a:rPr lang="ru-RU" dirty="0"/>
-              <a:t>Попробовать разные модификации графа рынка</a:t>
-            </a:r>
-          </a:p>
-        </p:txBody>
-      </p:sp>
-      <p:sp>
-        <p:nvSpPr>
-          <p:cNvPr id="9" name="TextBox 8">
-            <a:extLst>
-              <a:ext uri="{FF2B5EF4-FFF2-40B4-BE49-F238E27FC236}">
-                <a16:creationId xmlns:a16="http://schemas.microsoft.com/office/drawing/2014/main" id="{871074D6-70A6-DC27-F2B9-498BBF47B71C}"/>
-              </a:ext>
-            </a:extLst>
-          </p:cNvPr>
-          <p:cNvSpPr txBox="1"/>
-          <p:nvPr/>
-        </p:nvSpPr>
-        <p:spPr>
-          <a:xfrm>
-            <a:off x="585897" y="1447790"/>
-            <a:ext cx="2962671" cy="707886"/>
-          </a:xfrm>
-          <a:prstGeom prst="rect">
-            <a:avLst/>
-          </a:prstGeom>
-          <a:noFill/>
-        </p:spPr>
-        <p:txBody>
-          <a:bodyPr wrap="none" rtlCol="0">
-            <a:spAutoFit/>
-          </a:bodyPr>
-          <a:lstStyle/>
-          <a:p>
-            <a:pPr algn="l"/>
-            <a:r>
-              <a:rPr lang="ru-RU" sz="4000" dirty="0" smtClean="0">
-                <a:latin typeface="HSE Sans" panose="02000000000000000000" pitchFamily="2" charset="0"/>
-              </a:rPr>
-              <a:t>Наша задача</a:t>
-            </a:r>
-            <a:endParaRPr lang="ru-RU" sz="4000" dirty="0">
-              <a:latin typeface="HSE Sans" panose="02000000000000000000" pitchFamily="2" charset="0"/>
-            </a:endParaRPr>
-          </a:p>
-        </p:txBody>
-      </p:sp>
-      <p:sp>
-        <p:nvSpPr>
-          <p:cNvPr id="13" name="Текст 2">
-            <a:extLst>
-              <a:ext uri="{FF2B5EF4-FFF2-40B4-BE49-F238E27FC236}">
-                <a16:creationId xmlns:a16="http://schemas.microsoft.com/office/drawing/2014/main" id="{C5A111DD-C00C-2D48-9F7A-4E23C5BA0C63}"/>
-              </a:ext>
-            </a:extLst>
-          </p:cNvPr>
-          <p:cNvSpPr>
-            <a:spLocks noGrp="1"/>
-          </p:cNvSpPr>
-          <p:nvPr>
-            <p:ph type="body" sz="quarter" idx="14"/>
-          </p:nvPr>
-        </p:nvSpPr>
-        <p:spPr>
-          <a:xfrm>
-            <a:off x="3459163" y="548720"/>
-            <a:ext cx="2458060" cy="408109"/>
-          </a:xfrm>
-        </p:spPr>
-        <p:txBody>
-          <a:bodyPr/>
-          <a:lstStyle/>
-          <a:p>
-            <a:r>
-              <a:rPr lang="ru-RU" dirty="0"/>
-              <a:t>Применение рекуррентных нейронных сетей для прогнозирования временных рядов</a:t>
-            </a:r>
-            <a:endParaRPr lang="ru-RU" dirty="0"/>
+            <a:endParaRPr lang="ru-RU"/>
           </a:p>
         </p:txBody>
       </p:sp>
     </p:spTree>
     <p:extLst>
       <p:ext uri="{BB962C8B-B14F-4D97-AF65-F5344CB8AC3E}">
-        <p14:creationId xmlns:p14="http://schemas.microsoft.com/office/powerpoint/2010/main" val="4119911467"/>
+        <p14:creationId xmlns:p14="http://schemas.microsoft.com/office/powerpoint/2010/main" val="843577549"/>
       </p:ext>
     </p:extLst>
   </p:cSld>
   <p:clrMapOvr>
     <a:masterClrMapping/>
   </p:clrMapOvr>
-  <p:timing>
-    <p:tnLst>
-      <p:par>
-        <p:cTn id="1" dur="indefinite" restart="never" nodeType="tmRoot"/>
-      </p:par>
-    </p:tnLst>
-  </p:timing>
 </p:sld>
 </file>
 
@@ -36912,7 +33591,7 @@
           <p:cNvPr id="2" name="Текст 1">
             <a:extLst>
               <a:ext uri="{FF2B5EF4-FFF2-40B4-BE49-F238E27FC236}">
-                <a16:creationId xmlns:a16="http://schemas.microsoft.com/office/drawing/2014/main" id="{7AC8064E-5791-204C-B92F-A01827949435}"/>
+                <a16:creationId xmlns:a16="http://schemas.microsoft.com/office/drawing/2014/main" id="{0648CF85-8F56-2C4F-8090-85FF4624B587}"/>
               </a:ext>
             </a:extLst>
           </p:cNvPr>
@@ -36923,36 +33602,12 @@
             <p:ph type="body" sz="quarter" idx="13"/>
           </p:nvPr>
         </p:nvSpPr>
-        <p:spPr>
-          <a:xfrm>
-            <a:off x="1143689" y="540904"/>
-            <a:ext cx="2070100" cy="415925"/>
-          </a:xfrm>
-        </p:spPr>
+        <p:spPr/>
         <p:txBody>
           <a:bodyPr/>
           <a:lstStyle/>
           <a:p>
-            <a:r>
-              <a:rPr lang="ru-RU" dirty="0"/>
-              <a:t>Магистерская программа </a:t>
-            </a:r>
-            <a:r>
-              <a:rPr lang="en-US" dirty="0"/>
-              <a:t>”</a:t>
-            </a:r>
-            <a:r>
-              <a:rPr lang="ru-RU" dirty="0"/>
-              <a:t>Интеллектуальный анализ данных</a:t>
-            </a:r>
-            <a:r>
-              <a:rPr lang="en-US" dirty="0"/>
-              <a:t>”</a:t>
-            </a:r>
-            <a:endParaRPr lang="ru-RU" dirty="0"/>
-          </a:p>
-          <a:p>
-            <a:endParaRPr lang="ru-RU" dirty="0"/>
+            <a:endParaRPr lang="ru-RU"/>
           </a:p>
         </p:txBody>
       </p:sp>
@@ -36961,7 +33616,7 @@
           <p:cNvPr id="3" name="Текст 2">
             <a:extLst>
               <a:ext uri="{FF2B5EF4-FFF2-40B4-BE49-F238E27FC236}">
-                <a16:creationId xmlns:a16="http://schemas.microsoft.com/office/drawing/2014/main" id="{C5A111DD-C00C-2D48-9F7A-4E23C5BA0C63}"/>
+                <a16:creationId xmlns:a16="http://schemas.microsoft.com/office/drawing/2014/main" id="{5576F3CC-3C73-F441-AAE6-50AF712EACBF}"/>
               </a:ext>
             </a:extLst>
           </p:cNvPr>
@@ -36977,19 +33632,66 @@
           <a:bodyPr/>
           <a:lstStyle/>
           <a:p>
-            <a:r>
-              <a:rPr lang="ru-RU" dirty="0"/>
-              <a:t>Исследование динамики связей на рыночном графе</a:t>
-            </a:r>
+            <a:endParaRPr lang="ru-RU"/>
           </a:p>
         </p:txBody>
       </p:sp>
       <p:sp>
         <p:nvSpPr>
-          <p:cNvPr id="4" name="Текст 3">
+          <p:cNvPr id="4" name="Заголовок 3">
             <a:extLst>
               <a:ext uri="{FF2B5EF4-FFF2-40B4-BE49-F238E27FC236}">
-                <a16:creationId xmlns:a16="http://schemas.microsoft.com/office/drawing/2014/main" id="{D7B3E517-ED8B-0241-AB87-BE49B315EEBF}"/>
+                <a16:creationId xmlns:a16="http://schemas.microsoft.com/office/drawing/2014/main" id="{C7D49100-ECF5-A24F-9537-3BD16DFCCCC7}"/>
+              </a:ext>
+            </a:extLst>
+          </p:cNvPr>
+          <p:cNvSpPr>
+            <a:spLocks noGrp="1"/>
+          </p:cNvSpPr>
+          <p:nvPr>
+            <p:ph type="title"/>
+          </p:nvPr>
+        </p:nvSpPr>
+        <p:spPr/>
+        <p:txBody>
+          <a:bodyPr/>
+          <a:lstStyle/>
+          <a:p>
+            <a:endParaRPr lang="ru-RU" dirty="0"/>
+          </a:p>
+        </p:txBody>
+      </p:sp>
+      <p:sp>
+        <p:nvSpPr>
+          <p:cNvPr id="5" name="Текст 4">
+            <a:extLst>
+              <a:ext uri="{FF2B5EF4-FFF2-40B4-BE49-F238E27FC236}">
+                <a16:creationId xmlns:a16="http://schemas.microsoft.com/office/drawing/2014/main" id="{9B7E5D6A-C1E4-8943-BE6A-9D9537FCC2D6}"/>
+              </a:ext>
+            </a:extLst>
+          </p:cNvPr>
+          <p:cNvSpPr>
+            <a:spLocks noGrp="1"/>
+          </p:cNvSpPr>
+          <p:nvPr>
+            <p:ph type="body" sz="quarter" idx="12"/>
+          </p:nvPr>
+        </p:nvSpPr>
+        <p:spPr/>
+        <p:txBody>
+          <a:bodyPr/>
+          <a:lstStyle/>
+          <a:p>
+            <a:endParaRPr lang="ru-RU" dirty="0"/>
+          </a:p>
+        </p:txBody>
+      </p:sp>
+      <p:sp>
+        <p:nvSpPr>
+          <p:cNvPr id="6" name="Текст 5">
+            <a:extLst>
+              <a:ext uri="{FF2B5EF4-FFF2-40B4-BE49-F238E27FC236}">
+                <a16:creationId xmlns:a16="http://schemas.microsoft.com/office/drawing/2014/main" id="{1F4B1D31-3576-0740-BA52-B317564F66BD}"/>
               </a:ext>
             </a:extLst>
           </p:cNvPr>
@@ -37005,1397 +33707,14 @@
           <a:bodyPr/>
           <a:lstStyle/>
           <a:p>
-            <a:r>
-              <a:rPr lang="ru-RU" dirty="0"/>
-              <a:t>Известные подходы</a:t>
-            </a:r>
-          </a:p>
-        </p:txBody>
-      </p:sp>
-      <mc:AlternateContent xmlns:mc="http://schemas.openxmlformats.org/markup-compatibility/2006">
-        <mc:Choice xmlns:a14="http://schemas.microsoft.com/office/drawing/2010/main" Requires="a14">
-          <p:sp>
-            <p:nvSpPr>
-              <p:cNvPr id="9" name="Текст 3">
-                <a:extLst>
-                  <a:ext uri="{FF2B5EF4-FFF2-40B4-BE49-F238E27FC236}">
-                    <a16:creationId xmlns:a16="http://schemas.microsoft.com/office/drawing/2014/main" id="{53356540-7218-FF4B-B6BC-5BD291A372E2}"/>
-                  </a:ext>
-                </a:extLst>
-              </p:cNvPr>
-              <p:cNvSpPr>
-                <a:spLocks noGrp="1"/>
-              </p:cNvSpPr>
-              <p:nvPr/>
-            </p:nvSpPr>
-            <p:spPr>
-              <a:xfrm>
-                <a:off x="697686" y="2408243"/>
-                <a:ext cx="6526898" cy="3393234"/>
-              </a:xfrm>
-              <a:prstGeom prst="rect">
-                <a:avLst/>
-              </a:prstGeom>
-            </p:spPr>
-            <p:txBody>
-              <a:bodyPr vert="horz" lIns="0" tIns="0" rIns="0" bIns="45720" rtlCol="0">
-                <a:normAutofit fontScale="92500" lnSpcReduction="10000"/>
-              </a:bodyPr>
-              <a:lstStyle>
-                <a:lvl1pPr marL="0" marR="0" indent="0" algn="l" defTabSz="914400" rtl="0" eaLnBrk="1" fontAlgn="auto" latinLnBrk="0" hangingPunct="1">
-                  <a:lnSpc>
-                    <a:spcPct val="100000"/>
-                  </a:lnSpc>
-                  <a:spcBef>
-                    <a:spcPts val="1000"/>
-                  </a:spcBef>
-                  <a:spcAft>
-                    <a:spcPts val="0"/>
-                  </a:spcAft>
-                  <a:buClrTx/>
-                  <a:buSzTx/>
-                  <a:buFont typeface="Arial" panose="020B0604020202020204" pitchFamily="34" charset="0"/>
-                  <a:buNone/>
-                  <a:tabLst/>
-                  <a:defRPr sz="1300" b="0" i="0" kern="1200">
-                    <a:solidFill>
-                      <a:srgbClr val="0E2D69"/>
-                    </a:solidFill>
-                    <a:latin typeface="HSE Sans" panose="02000000000000000000" pitchFamily="2" charset="0"/>
-                    <a:ea typeface="+mn-ea"/>
-                    <a:cs typeface="+mn-cs"/>
-                  </a:defRPr>
-                </a:lvl1pPr>
-                <a:lvl2pPr marL="457200" indent="0" algn="l" defTabSz="914400" rtl="0" eaLnBrk="1" latinLnBrk="0" hangingPunct="1">
-                  <a:lnSpc>
-                    <a:spcPct val="100000"/>
-                  </a:lnSpc>
-                  <a:spcBef>
-                    <a:spcPts val="1000"/>
-                  </a:spcBef>
-                  <a:buFont typeface="Arial" panose="020B0604020202020204" pitchFamily="34" charset="0"/>
-                  <a:buNone/>
-                  <a:defRPr sz="1300" b="0" i="0" kern="1200">
-                    <a:solidFill>
-                      <a:srgbClr val="0E2D69"/>
-                    </a:solidFill>
-                    <a:latin typeface="HSE Sans" panose="02000000000000000000" pitchFamily="2" charset="0"/>
-                    <a:ea typeface="+mn-ea"/>
-                    <a:cs typeface="+mn-cs"/>
-                  </a:defRPr>
-                </a:lvl2pPr>
-                <a:lvl3pPr marL="914400" indent="0" algn="l" defTabSz="914400" rtl="0" eaLnBrk="1" latinLnBrk="0" hangingPunct="1">
-                  <a:lnSpc>
-                    <a:spcPct val="100000"/>
-                  </a:lnSpc>
-                  <a:spcBef>
-                    <a:spcPts val="1000"/>
-                  </a:spcBef>
-                  <a:buFont typeface="Arial" panose="020B0604020202020204" pitchFamily="34" charset="0"/>
-                  <a:buNone/>
-                  <a:defRPr sz="1300" b="0" i="0" kern="1200">
-                    <a:solidFill>
-                      <a:srgbClr val="0E2D69"/>
-                    </a:solidFill>
-                    <a:latin typeface="HSE Sans" panose="02000000000000000000" pitchFamily="2" charset="0"/>
-                    <a:ea typeface="+mn-ea"/>
-                    <a:cs typeface="+mn-cs"/>
-                  </a:defRPr>
-                </a:lvl3pPr>
-                <a:lvl4pPr marL="1371600" indent="0" algn="l" defTabSz="914400" rtl="0" eaLnBrk="1" latinLnBrk="0" hangingPunct="1">
-                  <a:lnSpc>
-                    <a:spcPct val="100000"/>
-                  </a:lnSpc>
-                  <a:spcBef>
-                    <a:spcPts val="1000"/>
-                  </a:spcBef>
-                  <a:buFont typeface="Arial" panose="020B0604020202020204" pitchFamily="34" charset="0"/>
-                  <a:buNone/>
-                  <a:defRPr sz="1300" b="0" i="0" kern="1200">
-                    <a:solidFill>
-                      <a:srgbClr val="0E2D69"/>
-                    </a:solidFill>
-                    <a:latin typeface="HSE Sans" panose="02000000000000000000" pitchFamily="2" charset="0"/>
-                    <a:ea typeface="+mn-ea"/>
-                    <a:cs typeface="+mn-cs"/>
-                  </a:defRPr>
-                </a:lvl4pPr>
-                <a:lvl5pPr marL="1828800" indent="0" algn="l" defTabSz="914400" rtl="0" eaLnBrk="1" latinLnBrk="0" hangingPunct="1">
-                  <a:lnSpc>
-                    <a:spcPct val="100000"/>
-                  </a:lnSpc>
-                  <a:spcBef>
-                    <a:spcPts val="1000"/>
-                  </a:spcBef>
-                  <a:buFont typeface="Arial" panose="020B0604020202020204" pitchFamily="34" charset="0"/>
-                  <a:buNone/>
-                  <a:defRPr sz="1300" b="0" i="0" kern="1200">
-                    <a:solidFill>
-                      <a:srgbClr val="0E2D69"/>
-                    </a:solidFill>
-                    <a:latin typeface="HSE Sans" panose="02000000000000000000" pitchFamily="2" charset="0"/>
-                    <a:ea typeface="+mn-ea"/>
-                    <a:cs typeface="+mn-cs"/>
-                  </a:defRPr>
-                </a:lvl5pPr>
-                <a:lvl6pPr marL="2514600" indent="-228600" algn="l" defTabSz="914400" rtl="0" eaLnBrk="1" latinLnBrk="0" hangingPunct="1">
-                  <a:lnSpc>
-                    <a:spcPct val="90000"/>
-                  </a:lnSpc>
-                  <a:spcBef>
-                    <a:spcPts val="500"/>
-                  </a:spcBef>
-                  <a:buFont typeface="Arial" panose="020B0604020202020204" pitchFamily="34" charset="0"/>
-                  <a:buChar char="•"/>
-                  <a:defRPr sz="1800" kern="1200">
-                    <a:solidFill>
-                      <a:schemeClr val="tx1"/>
-                    </a:solidFill>
-                    <a:latin typeface="+mn-lt"/>
-                    <a:ea typeface="+mn-ea"/>
-                    <a:cs typeface="+mn-cs"/>
-                  </a:defRPr>
-                </a:lvl6pPr>
-                <a:lvl7pPr marL="2971800" indent="-228600" algn="l" defTabSz="914400" rtl="0" eaLnBrk="1" latinLnBrk="0" hangingPunct="1">
-                  <a:lnSpc>
-                    <a:spcPct val="90000"/>
-                  </a:lnSpc>
-                  <a:spcBef>
-                    <a:spcPts val="500"/>
-                  </a:spcBef>
-                  <a:buFont typeface="Arial" panose="020B0604020202020204" pitchFamily="34" charset="0"/>
-                  <a:buChar char="•"/>
-                  <a:defRPr sz="1800" kern="1200">
-                    <a:solidFill>
-                      <a:schemeClr val="tx1"/>
-                    </a:solidFill>
-                    <a:latin typeface="+mn-lt"/>
-                    <a:ea typeface="+mn-ea"/>
-                    <a:cs typeface="+mn-cs"/>
-                  </a:defRPr>
-                </a:lvl7pPr>
-                <a:lvl8pPr marL="3429000" indent="-228600" algn="l" defTabSz="914400" rtl="0" eaLnBrk="1" latinLnBrk="0" hangingPunct="1">
-                  <a:lnSpc>
-                    <a:spcPct val="90000"/>
-                  </a:lnSpc>
-                  <a:spcBef>
-                    <a:spcPts val="500"/>
-                  </a:spcBef>
-                  <a:buFont typeface="Arial" panose="020B0604020202020204" pitchFamily="34" charset="0"/>
-                  <a:buChar char="•"/>
-                  <a:defRPr sz="1800" kern="1200">
-                    <a:solidFill>
-                      <a:schemeClr val="tx1"/>
-                    </a:solidFill>
-                    <a:latin typeface="+mn-lt"/>
-                    <a:ea typeface="+mn-ea"/>
-                    <a:cs typeface="+mn-cs"/>
-                  </a:defRPr>
-                </a:lvl8pPr>
-                <a:lvl9pPr marL="3886200" indent="-228600" algn="l" defTabSz="914400" rtl="0" eaLnBrk="1" latinLnBrk="0" hangingPunct="1">
-                  <a:lnSpc>
-                    <a:spcPct val="90000"/>
-                  </a:lnSpc>
-                  <a:spcBef>
-                    <a:spcPts val="500"/>
-                  </a:spcBef>
-                  <a:buFont typeface="Arial" panose="020B0604020202020204" pitchFamily="34" charset="0"/>
-                  <a:buChar char="•"/>
-                  <a:defRPr sz="1800" kern="1200">
-                    <a:solidFill>
-                      <a:schemeClr val="tx1"/>
-                    </a:solidFill>
-                    <a:latin typeface="+mn-lt"/>
-                    <a:ea typeface="+mn-ea"/>
-                    <a:cs typeface="+mn-cs"/>
-                  </a:defRPr>
-                </a:lvl9pPr>
-              </a:lstStyle>
-              <a:p>
-                <a:pPr marL="285750" indent="-285750">
-                  <a:buFont typeface="Arial" panose="020B0604020202020204" pitchFamily="34" charset="0"/>
-                  <a:buChar char="•"/>
-                </a:pPr>
-                <a14:m>
-                  <m:oMath xmlns:m="http://schemas.openxmlformats.org/officeDocument/2006/math">
-                    <m:sSub>
-                      <m:sSubPr>
-                        <m:ctrlPr>
-                          <a:rPr lang="ru-RU" sz="1600" i="1" smtClean="0">
-                            <a:effectLst/>
-                            <a:latin typeface="Cambria Math" panose="02040503050406030204" pitchFamily="18" charset="0"/>
-                          </a:rPr>
-                        </m:ctrlPr>
-                      </m:sSubPr>
-                      <m:e>
-                        <m:r>
-                          <a:rPr lang="en-US" sz="2400" i="1" kern="0">
-                            <a:effectLst/>
-                            <a:latin typeface="Cambria Math" panose="02040503050406030204" pitchFamily="18" charset="0"/>
-                            <a:ea typeface="Calibri" panose="020F0502020204030204" pitchFamily="34" charset="0"/>
-                            <a:cs typeface="Times New Roman" panose="02020603050405020304" pitchFamily="18" charset="0"/>
-                          </a:rPr>
-                          <m:t>𝑅</m:t>
-                        </m:r>
-                      </m:e>
-                      <m:sub>
-                        <m:r>
-                          <a:rPr lang="en-US" sz="2400" i="1" kern="0">
-                            <a:effectLst/>
-                            <a:latin typeface="Cambria Math" panose="02040503050406030204" pitchFamily="18" charset="0"/>
-                            <a:ea typeface="Calibri" panose="020F0502020204030204" pitchFamily="34" charset="0"/>
-                            <a:cs typeface="Times New Roman" panose="02020603050405020304" pitchFamily="18" charset="0"/>
-                          </a:rPr>
-                          <m:t>𝑖</m:t>
-                        </m:r>
-                      </m:sub>
-                    </m:sSub>
-                    <m:r>
-                      <a:rPr lang="en-US" sz="2400" i="1" kern="0">
-                        <a:effectLst/>
-                        <a:latin typeface="Cambria Math" panose="02040503050406030204" pitchFamily="18" charset="0"/>
-                        <a:ea typeface="Calibri" panose="020F0502020204030204" pitchFamily="34" charset="0"/>
-                        <a:cs typeface="Times New Roman" panose="02020603050405020304" pitchFamily="18" charset="0"/>
-                      </a:rPr>
-                      <m:t>(</m:t>
-                    </m:r>
-                    <m:r>
-                      <a:rPr lang="en-US" sz="2400" i="1" kern="0">
-                        <a:effectLst/>
-                        <a:latin typeface="Cambria Math" panose="02040503050406030204" pitchFamily="18" charset="0"/>
-                        <a:ea typeface="Calibri" panose="020F0502020204030204" pitchFamily="34" charset="0"/>
-                        <a:cs typeface="Times New Roman" panose="02020603050405020304" pitchFamily="18" charset="0"/>
-                      </a:rPr>
-                      <m:t>𝑡</m:t>
-                    </m:r>
-                    <m:r>
-                      <a:rPr lang="en-US" sz="2400" i="1" kern="0">
-                        <a:effectLst/>
-                        <a:latin typeface="Cambria Math" panose="02040503050406030204" pitchFamily="18" charset="0"/>
-                        <a:ea typeface="Calibri" panose="020F0502020204030204" pitchFamily="34" charset="0"/>
-                        <a:cs typeface="Times New Roman" panose="02020603050405020304" pitchFamily="18" charset="0"/>
-                      </a:rPr>
-                      <m:t>)=</m:t>
-                    </m:r>
-                    <m:r>
-                      <m:rPr>
-                        <m:sty m:val="p"/>
-                      </m:rPr>
-                      <a:rPr lang="en-US" sz="2400" kern="0">
-                        <a:effectLst/>
-                        <a:latin typeface="Cambria Math" panose="02040503050406030204" pitchFamily="18" charset="0"/>
-                        <a:ea typeface="Calibri" panose="020F0502020204030204" pitchFamily="34" charset="0"/>
-                        <a:cs typeface="Times New Roman" panose="02020603050405020304" pitchFamily="18" charset="0"/>
-                      </a:rPr>
-                      <m:t>ln</m:t>
-                    </m:r>
-                    <m:r>
-                      <a:rPr lang="en-US" sz="2400" kern="0">
-                        <a:effectLst/>
-                        <a:latin typeface="Cambria Math" panose="02040503050406030204" pitchFamily="18" charset="0"/>
-                        <a:ea typeface="Calibri" panose="020F0502020204030204" pitchFamily="34" charset="0"/>
-                        <a:cs typeface="Times New Roman" panose="02020603050405020304" pitchFamily="18" charset="0"/>
-                      </a:rPr>
-                      <m:t>⁡</m:t>
-                    </m:r>
-                    <m:d>
-                      <m:dPr>
-                        <m:ctrlPr>
-                          <a:rPr lang="ru-RU" sz="1600" i="1">
-                            <a:effectLst/>
-                            <a:latin typeface="Cambria Math" panose="02040503050406030204" pitchFamily="18" charset="0"/>
-                          </a:rPr>
-                        </m:ctrlPr>
-                      </m:dPr>
-                      <m:e>
-                        <m:f>
-                          <m:fPr>
-                            <m:ctrlPr>
-                              <a:rPr lang="ru-RU" sz="1600" i="1">
-                                <a:effectLst/>
-                                <a:latin typeface="Cambria Math" panose="02040503050406030204" pitchFamily="18" charset="0"/>
-                              </a:rPr>
-                            </m:ctrlPr>
-                          </m:fPr>
-                          <m:num>
-                            <m:sSub>
-                              <m:sSubPr>
-                                <m:ctrlPr>
-                                  <a:rPr lang="ru-RU" sz="1600" i="1">
-                                    <a:effectLst/>
-                                    <a:latin typeface="Cambria Math" panose="02040503050406030204" pitchFamily="18" charset="0"/>
-                                  </a:rPr>
-                                </m:ctrlPr>
-                              </m:sSubPr>
-                              <m:e>
-                                <m:r>
-                                  <a:rPr lang="en-US" sz="2400" i="1" kern="0">
-                                    <a:effectLst/>
-                                    <a:latin typeface="Cambria Math" panose="02040503050406030204" pitchFamily="18" charset="0"/>
-                                    <a:ea typeface="Calibri" panose="020F0502020204030204" pitchFamily="34" charset="0"/>
-                                    <a:cs typeface="Times New Roman" panose="02020603050405020304" pitchFamily="18" charset="0"/>
-                                  </a:rPr>
-                                  <m:t>𝑃</m:t>
-                                </m:r>
-                              </m:e>
-                              <m:sub>
-                                <m:r>
-                                  <a:rPr lang="en-US" sz="2400" i="1" kern="0">
-                                    <a:effectLst/>
-                                    <a:latin typeface="Cambria Math" panose="02040503050406030204" pitchFamily="18" charset="0"/>
-                                    <a:ea typeface="Calibri" panose="020F0502020204030204" pitchFamily="34" charset="0"/>
-                                    <a:cs typeface="Times New Roman" panose="02020603050405020304" pitchFamily="18" charset="0"/>
-                                  </a:rPr>
-                                  <m:t>𝑖</m:t>
-                                </m:r>
-                              </m:sub>
-                            </m:sSub>
-                            <m:r>
-                              <a:rPr lang="en-US" sz="2400" i="1" kern="0">
-                                <a:effectLst/>
-                                <a:latin typeface="Cambria Math" panose="02040503050406030204" pitchFamily="18" charset="0"/>
-                                <a:ea typeface="Calibri" panose="020F0502020204030204" pitchFamily="34" charset="0"/>
-                                <a:cs typeface="Times New Roman" panose="02020603050405020304" pitchFamily="18" charset="0"/>
-                              </a:rPr>
-                              <m:t>(</m:t>
-                            </m:r>
-                            <m:r>
-                              <a:rPr lang="en-US" sz="2400" i="1" kern="0">
-                                <a:effectLst/>
-                                <a:latin typeface="Cambria Math" panose="02040503050406030204" pitchFamily="18" charset="0"/>
-                                <a:ea typeface="Calibri" panose="020F0502020204030204" pitchFamily="34" charset="0"/>
-                                <a:cs typeface="Times New Roman" panose="02020603050405020304" pitchFamily="18" charset="0"/>
-                              </a:rPr>
-                              <m:t>𝑡</m:t>
-                            </m:r>
-                            <m:r>
-                              <a:rPr lang="en-US" sz="2400" i="1" kern="0">
-                                <a:effectLst/>
-                                <a:latin typeface="Cambria Math" panose="02040503050406030204" pitchFamily="18" charset="0"/>
-                                <a:ea typeface="Calibri" panose="020F0502020204030204" pitchFamily="34" charset="0"/>
-                                <a:cs typeface="Times New Roman" panose="02020603050405020304" pitchFamily="18" charset="0"/>
-                              </a:rPr>
-                              <m:t>)</m:t>
-                            </m:r>
-                          </m:num>
-                          <m:den>
-                            <m:sSub>
-                              <m:sSubPr>
-                                <m:ctrlPr>
-                                  <a:rPr lang="ru-RU" sz="1600" i="1">
-                                    <a:effectLst/>
-                                    <a:latin typeface="Cambria Math" panose="02040503050406030204" pitchFamily="18" charset="0"/>
-                                  </a:rPr>
-                                </m:ctrlPr>
-                              </m:sSubPr>
-                              <m:e>
-                                <m:r>
-                                  <a:rPr lang="en-US" sz="2400" i="1" kern="0">
-                                    <a:effectLst/>
-                                    <a:latin typeface="Cambria Math" panose="02040503050406030204" pitchFamily="18" charset="0"/>
-                                    <a:ea typeface="Calibri" panose="020F0502020204030204" pitchFamily="34" charset="0"/>
-                                    <a:cs typeface="Times New Roman" panose="02020603050405020304" pitchFamily="18" charset="0"/>
-                                  </a:rPr>
-                                  <m:t>𝑃</m:t>
-                                </m:r>
-                              </m:e>
-                              <m:sub>
-                                <m:r>
-                                  <a:rPr lang="en-US" sz="2400" i="1" kern="0">
-                                    <a:effectLst/>
-                                    <a:latin typeface="Cambria Math" panose="02040503050406030204" pitchFamily="18" charset="0"/>
-                                    <a:ea typeface="Calibri" panose="020F0502020204030204" pitchFamily="34" charset="0"/>
-                                    <a:cs typeface="Times New Roman" panose="02020603050405020304" pitchFamily="18" charset="0"/>
-                                  </a:rPr>
-                                  <m:t>𝑖</m:t>
-                                </m:r>
-                              </m:sub>
-                            </m:sSub>
-                            <m:r>
-                              <a:rPr lang="en-US" sz="2400" i="1" kern="0">
-                                <a:effectLst/>
-                                <a:latin typeface="Cambria Math" panose="02040503050406030204" pitchFamily="18" charset="0"/>
-                                <a:ea typeface="Calibri" panose="020F0502020204030204" pitchFamily="34" charset="0"/>
-                                <a:cs typeface="Times New Roman" panose="02020603050405020304" pitchFamily="18" charset="0"/>
-                              </a:rPr>
-                              <m:t>(</m:t>
-                            </m:r>
-                            <m:r>
-                              <a:rPr lang="en-US" sz="2400" i="1" kern="0">
-                                <a:effectLst/>
-                                <a:latin typeface="Cambria Math" panose="02040503050406030204" pitchFamily="18" charset="0"/>
-                                <a:ea typeface="Calibri" panose="020F0502020204030204" pitchFamily="34" charset="0"/>
-                                <a:cs typeface="Times New Roman" panose="02020603050405020304" pitchFamily="18" charset="0"/>
-                              </a:rPr>
-                              <m:t>𝑡</m:t>
-                            </m:r>
-                            <m:r>
-                              <a:rPr lang="en-US" sz="2400" i="1" kern="0">
-                                <a:effectLst/>
-                                <a:latin typeface="Cambria Math" panose="02040503050406030204" pitchFamily="18" charset="0"/>
-                                <a:ea typeface="Calibri" panose="020F0502020204030204" pitchFamily="34" charset="0"/>
-                                <a:cs typeface="Times New Roman" panose="02020603050405020304" pitchFamily="18" charset="0"/>
-                              </a:rPr>
-                              <m:t>−1)</m:t>
-                            </m:r>
-                          </m:den>
-                        </m:f>
-                      </m:e>
-                    </m:d>
-                  </m:oMath>
-                </a14:m>
-                <a:r>
-                  <a:rPr lang="ru-RU" sz="1600" dirty="0">
-                    <a:effectLst/>
-                  </a:rPr>
-                  <a:t> - Доходность бумаги </a:t>
-                </a:r>
-                <a:r>
-                  <a:rPr lang="en-US" sz="1600" dirty="0" err="1"/>
-                  <a:t>i</a:t>
-                </a:r>
-                <a:r>
-                  <a:rPr lang="en-US" sz="1600" dirty="0"/>
-                  <a:t> </a:t>
-                </a:r>
-                <a:r>
-                  <a:rPr lang="ru-RU" sz="1600" dirty="0"/>
-                  <a:t>на конец торгового дня </a:t>
-                </a:r>
-                <a:r>
-                  <a:rPr lang="en-US" sz="1600" dirty="0"/>
-                  <a:t>t.</a:t>
-                </a:r>
-                <a:endParaRPr lang="ru-RU" sz="1600" dirty="0"/>
-              </a:p>
-              <a:p>
-                <a:pPr marL="285750" indent="-285750">
-                  <a:buFont typeface="Arial" panose="020B0604020202020204" pitchFamily="34" charset="0"/>
-                  <a:buChar char="•"/>
-                </a:pPr>
-                <a14:m>
-                  <m:oMath xmlns:m="http://schemas.openxmlformats.org/officeDocument/2006/math">
-                    <m:sSub>
-                      <m:sSubPr>
-                        <m:ctrlPr>
-                          <a:rPr lang="ru-RU" sz="1600" i="1" smtClean="0">
-                            <a:effectLst/>
-                            <a:latin typeface="Cambria Math" panose="02040503050406030204" pitchFamily="18" charset="0"/>
-                          </a:rPr>
-                        </m:ctrlPr>
-                      </m:sSubPr>
-                      <m:e>
-                        <m:r>
-                          <m:rPr>
-                            <m:sty m:val="p"/>
-                          </m:rPr>
-                          <a:rPr lang="ru-RU" sz="2400" kern="0">
-                            <a:effectLst/>
-                            <a:latin typeface="Cambria Math" panose="02040503050406030204" pitchFamily="18" charset="0"/>
-                            <a:ea typeface="Calibri" panose="020F0502020204030204" pitchFamily="34" charset="0"/>
-                            <a:cs typeface="Times New Roman" panose="02020603050405020304" pitchFamily="18" charset="0"/>
-                          </a:rPr>
-                          <m:t>C</m:t>
-                        </m:r>
-                      </m:e>
-                      <m:sub>
-                        <m:r>
-                          <m:rPr>
-                            <m:sty m:val="p"/>
-                          </m:rPr>
-                          <a:rPr lang="ru-RU" sz="2400" kern="0">
-                            <a:effectLst/>
-                            <a:latin typeface="Cambria Math" panose="02040503050406030204" pitchFamily="18" charset="0"/>
-                            <a:ea typeface="Calibri" panose="020F0502020204030204" pitchFamily="34" charset="0"/>
-                            <a:cs typeface="Times New Roman" panose="02020603050405020304" pitchFamily="18" charset="0"/>
-                          </a:rPr>
-                          <m:t>i</m:t>
-                        </m:r>
-                        <m:r>
-                          <a:rPr lang="ru-RU" sz="2400" kern="0">
-                            <a:effectLst/>
-                            <a:latin typeface="Cambria Math" panose="02040503050406030204" pitchFamily="18" charset="0"/>
-                            <a:ea typeface="Calibri" panose="020F0502020204030204" pitchFamily="34" charset="0"/>
-                            <a:cs typeface="Times New Roman" panose="02020603050405020304" pitchFamily="18" charset="0"/>
-                          </a:rPr>
-                          <m:t>,</m:t>
-                        </m:r>
-                        <m:r>
-                          <m:rPr>
-                            <m:sty m:val="p"/>
-                          </m:rPr>
-                          <a:rPr lang="ru-RU" sz="2400" kern="0">
-                            <a:effectLst/>
-                            <a:latin typeface="Cambria Math" panose="02040503050406030204" pitchFamily="18" charset="0"/>
-                            <a:ea typeface="Calibri" panose="020F0502020204030204" pitchFamily="34" charset="0"/>
-                            <a:cs typeface="Times New Roman" panose="02020603050405020304" pitchFamily="18" charset="0"/>
-                          </a:rPr>
-                          <m:t>j</m:t>
-                        </m:r>
-                      </m:sub>
-                    </m:sSub>
-                    <m:r>
-                      <a:rPr lang="ru-RU" sz="2400" kern="0">
-                        <a:effectLst/>
-                        <a:latin typeface="Cambria Math" panose="02040503050406030204" pitchFamily="18" charset="0"/>
-                        <a:ea typeface="Calibri" panose="020F0502020204030204" pitchFamily="34" charset="0"/>
-                        <a:cs typeface="Times New Roman" panose="02020603050405020304" pitchFamily="18" charset="0"/>
-                      </a:rPr>
-                      <m:t> = </m:t>
-                    </m:r>
-                    <m:f>
-                      <m:fPr>
-                        <m:ctrlPr>
-                          <a:rPr lang="ru-RU" sz="1600" i="1">
-                            <a:effectLst/>
-                            <a:latin typeface="Cambria Math" panose="02040503050406030204" pitchFamily="18" charset="0"/>
-                          </a:rPr>
-                        </m:ctrlPr>
-                      </m:fPr>
-                      <m:num>
-                        <m:r>
-                          <a:rPr lang="ru-RU" sz="2400" i="1" kern="0">
-                            <a:effectLst/>
-                            <a:latin typeface="Cambria Math" panose="02040503050406030204" pitchFamily="18" charset="0"/>
-                            <a:ea typeface="Calibri" panose="020F0502020204030204" pitchFamily="34" charset="0"/>
-                            <a:cs typeface="Times New Roman" panose="02020603050405020304" pitchFamily="18" charset="0"/>
-                          </a:rPr>
-                          <m:t>𝑀</m:t>
-                        </m:r>
-                        <m:d>
-                          <m:dPr>
-                            <m:ctrlPr>
-                              <a:rPr lang="ru-RU" sz="1600" i="1">
-                                <a:effectLst/>
-                                <a:latin typeface="Cambria Math" panose="02040503050406030204" pitchFamily="18" charset="0"/>
-                              </a:rPr>
-                            </m:ctrlPr>
-                          </m:dPr>
-                          <m:e>
-                            <m:sSub>
-                              <m:sSubPr>
-                                <m:ctrlPr>
-                                  <a:rPr lang="ru-RU" sz="1600" i="1">
-                                    <a:effectLst/>
-                                    <a:latin typeface="Cambria Math" panose="02040503050406030204" pitchFamily="18" charset="0"/>
-                                  </a:rPr>
-                                </m:ctrlPr>
-                              </m:sSubPr>
-                              <m:e>
-                                <m:r>
-                                  <a:rPr lang="ru-RU" sz="2400" i="1" kern="0">
-                                    <a:effectLst/>
-                                    <a:latin typeface="Cambria Math" panose="02040503050406030204" pitchFamily="18" charset="0"/>
-                                    <a:ea typeface="Calibri" panose="020F0502020204030204" pitchFamily="34" charset="0"/>
-                                    <a:cs typeface="Times New Roman" panose="02020603050405020304" pitchFamily="18" charset="0"/>
-                                  </a:rPr>
-                                  <m:t>𝑅</m:t>
-                                </m:r>
-                              </m:e>
-                              <m:sub>
-                                <m:r>
-                                  <a:rPr lang="ru-RU" sz="2400" i="1" kern="0">
-                                    <a:effectLst/>
-                                    <a:latin typeface="Cambria Math" panose="02040503050406030204" pitchFamily="18" charset="0"/>
-                                    <a:ea typeface="Calibri" panose="020F0502020204030204" pitchFamily="34" charset="0"/>
-                                    <a:cs typeface="Times New Roman" panose="02020603050405020304" pitchFamily="18" charset="0"/>
-                                  </a:rPr>
-                                  <m:t>𝑖</m:t>
-                                </m:r>
-                              </m:sub>
-                            </m:sSub>
-                            <m:sSub>
-                              <m:sSubPr>
-                                <m:ctrlPr>
-                                  <a:rPr lang="ru-RU" sz="1600" i="1">
-                                    <a:effectLst/>
-                                    <a:latin typeface="Cambria Math" panose="02040503050406030204" pitchFamily="18" charset="0"/>
-                                  </a:rPr>
-                                </m:ctrlPr>
-                              </m:sSubPr>
-                              <m:e>
-                                <m:r>
-                                  <a:rPr lang="ru-RU" sz="2400" i="1" kern="0">
-                                    <a:effectLst/>
-                                    <a:latin typeface="Cambria Math" panose="02040503050406030204" pitchFamily="18" charset="0"/>
-                                    <a:ea typeface="Calibri" panose="020F0502020204030204" pitchFamily="34" charset="0"/>
-                                    <a:cs typeface="Times New Roman" panose="02020603050405020304" pitchFamily="18" charset="0"/>
-                                  </a:rPr>
-                                  <m:t>𝑅</m:t>
-                                </m:r>
-                              </m:e>
-                              <m:sub>
-                                <m:r>
-                                  <a:rPr lang="ru-RU" sz="2400" i="1" kern="0">
-                                    <a:effectLst/>
-                                    <a:latin typeface="Cambria Math" panose="02040503050406030204" pitchFamily="18" charset="0"/>
-                                    <a:ea typeface="Calibri" panose="020F0502020204030204" pitchFamily="34" charset="0"/>
-                                    <a:cs typeface="Times New Roman" panose="02020603050405020304" pitchFamily="18" charset="0"/>
-                                  </a:rPr>
-                                  <m:t>𝑗</m:t>
-                                </m:r>
-                              </m:sub>
-                            </m:sSub>
-                          </m:e>
-                        </m:d>
-                        <m:r>
-                          <a:rPr lang="ru-RU" sz="2400" i="1" kern="0">
-                            <a:effectLst/>
-                            <a:latin typeface="Cambria Math" panose="02040503050406030204" pitchFamily="18" charset="0"/>
-                            <a:ea typeface="Calibri" panose="020F0502020204030204" pitchFamily="34" charset="0"/>
-                            <a:cs typeface="Times New Roman" panose="02020603050405020304" pitchFamily="18" charset="0"/>
-                          </a:rPr>
-                          <m:t>−</m:t>
-                        </m:r>
-                        <m:r>
-                          <a:rPr lang="ru-RU" sz="2400" i="1" kern="0">
-                            <a:effectLst/>
-                            <a:latin typeface="Cambria Math" panose="02040503050406030204" pitchFamily="18" charset="0"/>
-                            <a:ea typeface="Calibri" panose="020F0502020204030204" pitchFamily="34" charset="0"/>
-                            <a:cs typeface="Times New Roman" panose="02020603050405020304" pitchFamily="18" charset="0"/>
-                          </a:rPr>
-                          <m:t>𝑀</m:t>
-                        </m:r>
-                        <m:d>
-                          <m:dPr>
-                            <m:ctrlPr>
-                              <a:rPr lang="ru-RU" sz="1600" i="1">
-                                <a:effectLst/>
-                                <a:latin typeface="Cambria Math" panose="02040503050406030204" pitchFamily="18" charset="0"/>
-                              </a:rPr>
-                            </m:ctrlPr>
-                          </m:dPr>
-                          <m:e>
-                            <m:sSub>
-                              <m:sSubPr>
-                                <m:ctrlPr>
-                                  <a:rPr lang="ru-RU" sz="1600" i="1">
-                                    <a:effectLst/>
-                                    <a:latin typeface="Cambria Math" panose="02040503050406030204" pitchFamily="18" charset="0"/>
-                                  </a:rPr>
-                                </m:ctrlPr>
-                              </m:sSubPr>
-                              <m:e>
-                                <m:r>
-                                  <a:rPr lang="ru-RU" sz="2400" i="1" kern="0">
-                                    <a:effectLst/>
-                                    <a:latin typeface="Cambria Math" panose="02040503050406030204" pitchFamily="18" charset="0"/>
-                                    <a:ea typeface="Calibri" panose="020F0502020204030204" pitchFamily="34" charset="0"/>
-                                    <a:cs typeface="Times New Roman" panose="02020603050405020304" pitchFamily="18" charset="0"/>
-                                  </a:rPr>
-                                  <m:t>𝑅</m:t>
-                                </m:r>
-                              </m:e>
-                              <m:sub>
-                                <m:r>
-                                  <a:rPr lang="ru-RU" sz="2400" i="1" kern="0">
-                                    <a:effectLst/>
-                                    <a:latin typeface="Cambria Math" panose="02040503050406030204" pitchFamily="18" charset="0"/>
-                                    <a:ea typeface="Calibri" panose="020F0502020204030204" pitchFamily="34" charset="0"/>
-                                    <a:cs typeface="Times New Roman" panose="02020603050405020304" pitchFamily="18" charset="0"/>
-                                  </a:rPr>
-                                  <m:t>𝑖</m:t>
-                                </m:r>
-                              </m:sub>
-                            </m:sSub>
-                          </m:e>
-                        </m:d>
-                        <m:r>
-                          <a:rPr lang="ru-RU" sz="2400" i="1" kern="0">
-                            <a:effectLst/>
-                            <a:latin typeface="Cambria Math" panose="02040503050406030204" pitchFamily="18" charset="0"/>
-                            <a:ea typeface="Calibri" panose="020F0502020204030204" pitchFamily="34" charset="0"/>
-                            <a:cs typeface="Times New Roman" panose="02020603050405020304" pitchFamily="18" charset="0"/>
-                          </a:rPr>
-                          <m:t>𝑀</m:t>
-                        </m:r>
-                        <m:r>
-                          <a:rPr lang="ru-RU" sz="2400" i="1" kern="0">
-                            <a:effectLst/>
-                            <a:latin typeface="Cambria Math" panose="02040503050406030204" pitchFamily="18" charset="0"/>
-                            <a:ea typeface="Calibri" panose="020F0502020204030204" pitchFamily="34" charset="0"/>
-                            <a:cs typeface="Times New Roman" panose="02020603050405020304" pitchFamily="18" charset="0"/>
-                          </a:rPr>
-                          <m:t>(</m:t>
-                        </m:r>
-                        <m:sSub>
-                          <m:sSubPr>
-                            <m:ctrlPr>
-                              <a:rPr lang="ru-RU" sz="1600" i="1">
-                                <a:effectLst/>
-                                <a:latin typeface="Cambria Math" panose="02040503050406030204" pitchFamily="18" charset="0"/>
-                              </a:rPr>
-                            </m:ctrlPr>
-                          </m:sSubPr>
-                          <m:e>
-                            <m:r>
-                              <a:rPr lang="ru-RU" sz="2400" i="1" kern="0">
-                                <a:effectLst/>
-                                <a:latin typeface="Cambria Math" panose="02040503050406030204" pitchFamily="18" charset="0"/>
-                                <a:ea typeface="Calibri" panose="020F0502020204030204" pitchFamily="34" charset="0"/>
-                                <a:cs typeface="Times New Roman" panose="02020603050405020304" pitchFamily="18" charset="0"/>
-                              </a:rPr>
-                              <m:t>𝑅</m:t>
-                            </m:r>
-                          </m:e>
-                          <m:sub>
-                            <m:r>
-                              <a:rPr lang="ru-RU" sz="2400" i="1" kern="0">
-                                <a:effectLst/>
-                                <a:latin typeface="Cambria Math" panose="02040503050406030204" pitchFamily="18" charset="0"/>
-                                <a:ea typeface="Calibri" panose="020F0502020204030204" pitchFamily="34" charset="0"/>
-                                <a:cs typeface="Times New Roman" panose="02020603050405020304" pitchFamily="18" charset="0"/>
-                              </a:rPr>
-                              <m:t>𝑗</m:t>
-                            </m:r>
-                          </m:sub>
-                        </m:sSub>
-                        <m:r>
-                          <a:rPr lang="ru-RU" sz="2400" i="1" kern="0">
-                            <a:effectLst/>
-                            <a:latin typeface="Cambria Math" panose="02040503050406030204" pitchFamily="18" charset="0"/>
-                            <a:ea typeface="Calibri" panose="020F0502020204030204" pitchFamily="34" charset="0"/>
-                            <a:cs typeface="Times New Roman" panose="02020603050405020304" pitchFamily="18" charset="0"/>
-                          </a:rPr>
-                          <m:t>)</m:t>
-                        </m:r>
-                      </m:num>
-                      <m:den>
-                        <m:rad>
-                          <m:radPr>
-                            <m:degHide m:val="on"/>
-                            <m:ctrlPr>
-                              <a:rPr lang="ru-RU" sz="1600" i="1">
-                                <a:effectLst/>
-                                <a:latin typeface="Cambria Math" panose="02040503050406030204" pitchFamily="18" charset="0"/>
-                              </a:rPr>
-                            </m:ctrlPr>
-                          </m:radPr>
-                          <m:deg/>
-                          <m:e>
-                            <m:r>
-                              <a:rPr lang="ru-RU" sz="2400" i="1" kern="0">
-                                <a:effectLst/>
-                                <a:latin typeface="Cambria Math" panose="02040503050406030204" pitchFamily="18" charset="0"/>
-                                <a:ea typeface="Calibri" panose="020F0502020204030204" pitchFamily="34" charset="0"/>
-                                <a:cs typeface="Times New Roman" panose="02020603050405020304" pitchFamily="18" charset="0"/>
-                              </a:rPr>
-                              <m:t>𝐷</m:t>
-                            </m:r>
-                            <m:d>
-                              <m:dPr>
-                                <m:ctrlPr>
-                                  <a:rPr lang="ru-RU" sz="1600" i="1">
-                                    <a:effectLst/>
-                                    <a:latin typeface="Cambria Math" panose="02040503050406030204" pitchFamily="18" charset="0"/>
-                                  </a:rPr>
-                                </m:ctrlPr>
-                              </m:dPr>
-                              <m:e>
-                                <m:sSub>
-                                  <m:sSubPr>
-                                    <m:ctrlPr>
-                                      <a:rPr lang="ru-RU" sz="1600" i="1">
-                                        <a:effectLst/>
-                                        <a:latin typeface="Cambria Math" panose="02040503050406030204" pitchFamily="18" charset="0"/>
-                                      </a:rPr>
-                                    </m:ctrlPr>
-                                  </m:sSubPr>
-                                  <m:e>
-                                    <m:r>
-                                      <a:rPr lang="ru-RU" sz="2400" i="1" kern="0">
-                                        <a:effectLst/>
-                                        <a:latin typeface="Cambria Math" panose="02040503050406030204" pitchFamily="18" charset="0"/>
-                                        <a:ea typeface="Calibri" panose="020F0502020204030204" pitchFamily="34" charset="0"/>
-                                        <a:cs typeface="Times New Roman" panose="02020603050405020304" pitchFamily="18" charset="0"/>
-                                      </a:rPr>
-                                      <m:t>𝑅</m:t>
-                                    </m:r>
-                                  </m:e>
-                                  <m:sub>
-                                    <m:r>
-                                      <a:rPr lang="ru-RU" sz="2400" i="1" kern="0">
-                                        <a:effectLst/>
-                                        <a:latin typeface="Cambria Math" panose="02040503050406030204" pitchFamily="18" charset="0"/>
-                                        <a:ea typeface="Calibri" panose="020F0502020204030204" pitchFamily="34" charset="0"/>
-                                        <a:cs typeface="Times New Roman" panose="02020603050405020304" pitchFamily="18" charset="0"/>
-                                      </a:rPr>
-                                      <m:t>𝑖</m:t>
-                                    </m:r>
-                                  </m:sub>
-                                </m:sSub>
-                              </m:e>
-                            </m:d>
-                            <m:r>
-                              <a:rPr lang="ru-RU" sz="2400" i="1" kern="0">
-                                <a:effectLst/>
-                                <a:latin typeface="Cambria Math" panose="02040503050406030204" pitchFamily="18" charset="0"/>
-                                <a:ea typeface="Calibri" panose="020F0502020204030204" pitchFamily="34" charset="0"/>
-                                <a:cs typeface="Times New Roman" panose="02020603050405020304" pitchFamily="18" charset="0"/>
-                              </a:rPr>
-                              <m:t>𝐷</m:t>
-                            </m:r>
-                            <m:r>
-                              <a:rPr lang="ru-RU" sz="2400" i="1" kern="0">
-                                <a:effectLst/>
-                                <a:latin typeface="Cambria Math" panose="02040503050406030204" pitchFamily="18" charset="0"/>
-                                <a:ea typeface="Calibri" panose="020F0502020204030204" pitchFamily="34" charset="0"/>
-                                <a:cs typeface="Times New Roman" panose="02020603050405020304" pitchFamily="18" charset="0"/>
-                              </a:rPr>
-                              <m:t>(</m:t>
-                            </m:r>
-                            <m:sSub>
-                              <m:sSubPr>
-                                <m:ctrlPr>
-                                  <a:rPr lang="ru-RU" sz="1600" i="1">
-                                    <a:effectLst/>
-                                    <a:latin typeface="Cambria Math" panose="02040503050406030204" pitchFamily="18" charset="0"/>
-                                  </a:rPr>
-                                </m:ctrlPr>
-                              </m:sSubPr>
-                              <m:e>
-                                <m:r>
-                                  <a:rPr lang="ru-RU" sz="2400" i="1" kern="0">
-                                    <a:effectLst/>
-                                    <a:latin typeface="Cambria Math" panose="02040503050406030204" pitchFamily="18" charset="0"/>
-                                    <a:ea typeface="Calibri" panose="020F0502020204030204" pitchFamily="34" charset="0"/>
-                                    <a:cs typeface="Times New Roman" panose="02020603050405020304" pitchFamily="18" charset="0"/>
-                                  </a:rPr>
-                                  <m:t>𝑅</m:t>
-                                </m:r>
-                              </m:e>
-                              <m:sub>
-                                <m:r>
-                                  <a:rPr lang="ru-RU" sz="2400" i="1" kern="0">
-                                    <a:effectLst/>
-                                    <a:latin typeface="Cambria Math" panose="02040503050406030204" pitchFamily="18" charset="0"/>
-                                    <a:ea typeface="Calibri" panose="020F0502020204030204" pitchFamily="34" charset="0"/>
-                                    <a:cs typeface="Times New Roman" panose="02020603050405020304" pitchFamily="18" charset="0"/>
-                                  </a:rPr>
-                                  <m:t>𝑗</m:t>
-                                </m:r>
-                              </m:sub>
-                            </m:sSub>
-                            <m:r>
-                              <a:rPr lang="ru-RU" sz="2400" i="1" kern="0">
-                                <a:effectLst/>
-                                <a:latin typeface="Cambria Math" panose="02040503050406030204" pitchFamily="18" charset="0"/>
-                                <a:ea typeface="Calibri" panose="020F0502020204030204" pitchFamily="34" charset="0"/>
-                                <a:cs typeface="Times New Roman" panose="02020603050405020304" pitchFamily="18" charset="0"/>
-                              </a:rPr>
-                              <m:t>)</m:t>
-                            </m:r>
-                          </m:e>
-                        </m:rad>
-                      </m:den>
-                    </m:f>
-                    <m:r>
-                      <a:rPr lang="ru-RU" sz="2400" i="1" kern="0">
-                        <a:effectLst/>
-                        <a:latin typeface="Cambria Math" panose="02040503050406030204" pitchFamily="18" charset="0"/>
-                        <a:ea typeface="Calibri" panose="020F0502020204030204" pitchFamily="34" charset="0"/>
-                        <a:cs typeface="Times New Roman" panose="02020603050405020304" pitchFamily="18" charset="0"/>
-                      </a:rPr>
-                      <m:t> ∀</m:t>
-                    </m:r>
-                    <m:r>
-                      <a:rPr lang="ru-RU" sz="2400" i="1" kern="0">
-                        <a:effectLst/>
-                        <a:latin typeface="Cambria Math" panose="02040503050406030204" pitchFamily="18" charset="0"/>
-                        <a:ea typeface="Calibri" panose="020F0502020204030204" pitchFamily="34" charset="0"/>
-                        <a:cs typeface="Times New Roman" panose="02020603050405020304" pitchFamily="18" charset="0"/>
-                      </a:rPr>
-                      <m:t>𝑖</m:t>
-                    </m:r>
-                    <m:r>
-                      <a:rPr lang="ru-RU" sz="2400" i="1" kern="0">
-                        <a:effectLst/>
-                        <a:latin typeface="Cambria Math" panose="02040503050406030204" pitchFamily="18" charset="0"/>
-                        <a:ea typeface="Calibri" panose="020F0502020204030204" pitchFamily="34" charset="0"/>
-                        <a:cs typeface="Times New Roman" panose="02020603050405020304" pitchFamily="18" charset="0"/>
-                      </a:rPr>
-                      <m:t>, </m:t>
-                    </m:r>
-                    <m:r>
-                      <a:rPr lang="ru-RU" sz="2400" i="1" kern="0">
-                        <a:effectLst/>
-                        <a:latin typeface="Cambria Math" panose="02040503050406030204" pitchFamily="18" charset="0"/>
-                        <a:ea typeface="Calibri" panose="020F0502020204030204" pitchFamily="34" charset="0"/>
-                        <a:cs typeface="Times New Roman" panose="02020603050405020304" pitchFamily="18" charset="0"/>
-                      </a:rPr>
-                      <m:t>𝑗</m:t>
-                    </m:r>
-                    <m:r>
-                      <a:rPr lang="ru-RU" sz="2400" i="1" kern="0">
-                        <a:effectLst/>
-                        <a:latin typeface="Cambria Math" panose="02040503050406030204" pitchFamily="18" charset="0"/>
-                        <a:ea typeface="Calibri" panose="020F0502020204030204" pitchFamily="34" charset="0"/>
-                        <a:cs typeface="Times New Roman" panose="02020603050405020304" pitchFamily="18" charset="0"/>
-                      </a:rPr>
-                      <m:t>∈</m:t>
-                    </m:r>
-                    <m:bar>
-                      <m:barPr>
-                        <m:pos m:val="top"/>
-                        <m:ctrlPr>
-                          <a:rPr lang="ru-RU" sz="1600" i="1">
-                            <a:effectLst/>
-                            <a:latin typeface="Cambria Math" panose="02040503050406030204" pitchFamily="18" charset="0"/>
-                          </a:rPr>
-                        </m:ctrlPr>
-                      </m:barPr>
-                      <m:e>
-                        <m:r>
-                          <a:rPr lang="ru-RU" sz="2400" i="1" kern="0">
-                            <a:effectLst/>
-                            <a:latin typeface="Cambria Math" panose="02040503050406030204" pitchFamily="18" charset="0"/>
-                            <a:ea typeface="Calibri" panose="020F0502020204030204" pitchFamily="34" charset="0"/>
-                            <a:cs typeface="Times New Roman" panose="02020603050405020304" pitchFamily="18" charset="0"/>
-                          </a:rPr>
-                          <m:t>1, </m:t>
-                        </m:r>
-                        <m:r>
-                          <a:rPr lang="ru-RU" sz="2400" i="1" kern="0">
-                            <a:effectLst/>
-                            <a:latin typeface="Cambria Math" panose="02040503050406030204" pitchFamily="18" charset="0"/>
-                            <a:ea typeface="Calibri" panose="020F0502020204030204" pitchFamily="34" charset="0"/>
-                            <a:cs typeface="Times New Roman" panose="02020603050405020304" pitchFamily="18" charset="0"/>
-                          </a:rPr>
-                          <m:t>𝑁</m:t>
-                        </m:r>
-                      </m:e>
-                    </m:bar>
-                  </m:oMath>
-                </a14:m>
-                <a:r>
-                  <a:rPr lang="ru-RU" sz="1600" dirty="0">
-                    <a:effectLst/>
-                  </a:rPr>
-                  <a:t>  </a:t>
-                </a:r>
-                <a:r>
-                  <a:rPr lang="en-US" sz="1600" dirty="0">
-                    <a:effectLst/>
-                  </a:rPr>
-                  <a:t> - </a:t>
-                </a:r>
-                <a:r>
-                  <a:rPr lang="ru-RU" sz="1600" dirty="0">
-                    <a:effectLst/>
-                  </a:rPr>
-                  <a:t>Корреляция Пирсона между двумя ценными бумагами</a:t>
-                </a:r>
-              </a:p>
-              <a:p>
-                <a:pPr marL="285750" indent="-285750">
-                  <a:buFont typeface="Arial" panose="020B0604020202020204" pitchFamily="34" charset="0"/>
-                  <a:buChar char="•"/>
-                </a:pPr>
-                <a14:m>
-                  <m:oMath xmlns:m="http://schemas.openxmlformats.org/officeDocument/2006/math">
-                    <m:sSup>
-                      <m:sSupPr>
-                        <m:ctrlPr>
-                          <a:rPr lang="ru-RU" sz="1600" i="1" smtClean="0">
-                            <a:effectLst/>
-                            <a:latin typeface="Cambria Math" panose="02040503050406030204" pitchFamily="18" charset="0"/>
-                          </a:rPr>
-                        </m:ctrlPr>
-                      </m:sSupPr>
-                      <m:e>
-                        <m:r>
-                          <a:rPr lang="en-US" sz="2400" i="1" kern="0">
-                            <a:effectLst/>
-                            <a:latin typeface="Cambria Math" panose="02040503050406030204" pitchFamily="18" charset="0"/>
-                            <a:ea typeface="Calibri" panose="020F0502020204030204" pitchFamily="34" charset="0"/>
-                            <a:cs typeface="Times New Roman" panose="02020603050405020304" pitchFamily="18" charset="0"/>
-                          </a:rPr>
-                          <m:t>𝐺</m:t>
-                        </m:r>
-                      </m:e>
-                      <m:sup>
-                        <m:r>
-                          <a:rPr lang="en-US" sz="2400" i="1" kern="0">
-                            <a:effectLst/>
-                            <a:latin typeface="Cambria Math" panose="02040503050406030204" pitchFamily="18" charset="0"/>
-                            <a:ea typeface="Calibri" panose="020F0502020204030204" pitchFamily="34" charset="0"/>
-                            <a:cs typeface="Times New Roman" panose="02020603050405020304" pitchFamily="18" charset="0"/>
-                          </a:rPr>
-                          <m:t>′</m:t>
-                        </m:r>
-                      </m:sup>
-                    </m:sSup>
-                    <m:r>
-                      <a:rPr lang="en-US" sz="2400" i="1" kern="0">
-                        <a:effectLst/>
-                        <a:latin typeface="Cambria Math" panose="02040503050406030204" pitchFamily="18" charset="0"/>
-                        <a:ea typeface="Calibri" panose="020F0502020204030204" pitchFamily="34" charset="0"/>
-                        <a:cs typeface="Times New Roman" panose="02020603050405020304" pitchFamily="18" charset="0"/>
-                      </a:rPr>
-                      <m:t>=</m:t>
-                    </m:r>
-                    <m:d>
-                      <m:dPr>
-                        <m:ctrlPr>
-                          <a:rPr lang="ru-RU" sz="1600" i="1">
-                            <a:effectLst/>
-                            <a:latin typeface="Cambria Math" panose="02040503050406030204" pitchFamily="18" charset="0"/>
-                          </a:rPr>
-                        </m:ctrlPr>
-                      </m:dPr>
-                      <m:e>
-                        <m:r>
-                          <a:rPr lang="en-US" sz="2400" i="1" kern="0">
-                            <a:effectLst/>
-                            <a:latin typeface="Cambria Math" panose="02040503050406030204" pitchFamily="18" charset="0"/>
-                            <a:ea typeface="Calibri" panose="020F0502020204030204" pitchFamily="34" charset="0"/>
-                            <a:cs typeface="Times New Roman" panose="02020603050405020304" pitchFamily="18" charset="0"/>
-                          </a:rPr>
-                          <m:t>𝑉</m:t>
-                        </m:r>
-                        <m:r>
-                          <a:rPr lang="en-US" sz="2400" i="1" kern="0">
-                            <a:effectLst/>
-                            <a:latin typeface="Cambria Math" panose="02040503050406030204" pitchFamily="18" charset="0"/>
-                            <a:ea typeface="Calibri" panose="020F0502020204030204" pitchFamily="34" charset="0"/>
-                            <a:cs typeface="Times New Roman" panose="02020603050405020304" pitchFamily="18" charset="0"/>
-                          </a:rPr>
-                          <m:t>,</m:t>
-                        </m:r>
-                        <m:sSup>
-                          <m:sSupPr>
-                            <m:ctrlPr>
-                              <a:rPr lang="ru-RU" sz="1600" i="1">
-                                <a:effectLst/>
-                                <a:latin typeface="Cambria Math" panose="02040503050406030204" pitchFamily="18" charset="0"/>
-                              </a:rPr>
-                            </m:ctrlPr>
-                          </m:sSupPr>
-                          <m:e>
-                            <m:r>
-                              <a:rPr lang="en-US" sz="2400" i="1" kern="0">
-                                <a:effectLst/>
-                                <a:latin typeface="Cambria Math" panose="02040503050406030204" pitchFamily="18" charset="0"/>
-                                <a:ea typeface="Calibri" panose="020F0502020204030204" pitchFamily="34" charset="0"/>
-                                <a:cs typeface="Times New Roman" panose="02020603050405020304" pitchFamily="18" charset="0"/>
-                              </a:rPr>
-                              <m:t>𝐸</m:t>
-                            </m:r>
-                          </m:e>
-                          <m:sup>
-                            <m:r>
-                              <a:rPr lang="en-US" sz="2400" i="1" kern="0">
-                                <a:effectLst/>
-                                <a:latin typeface="Cambria Math" panose="02040503050406030204" pitchFamily="18" charset="0"/>
-                                <a:ea typeface="Calibri" panose="020F0502020204030204" pitchFamily="34" charset="0"/>
-                                <a:cs typeface="Times New Roman" panose="02020603050405020304" pitchFamily="18" charset="0"/>
-                              </a:rPr>
-                              <m:t>′</m:t>
-                            </m:r>
-                          </m:sup>
-                        </m:sSup>
-                        <m:r>
-                          <a:rPr lang="en-US" sz="2400" i="1" kern="0">
-                            <a:effectLst/>
-                            <a:latin typeface="Cambria Math" panose="02040503050406030204" pitchFamily="18" charset="0"/>
-                            <a:ea typeface="Calibri" panose="020F0502020204030204" pitchFamily="34" charset="0"/>
-                            <a:cs typeface="Times New Roman" panose="02020603050405020304" pitchFamily="18" charset="0"/>
-                          </a:rPr>
-                          <m:t>⊆</m:t>
-                        </m:r>
-                        <m:r>
-                          <a:rPr lang="en-US" sz="2400" i="1" kern="0">
-                            <a:effectLst/>
-                            <a:latin typeface="Cambria Math" panose="02040503050406030204" pitchFamily="18" charset="0"/>
-                            <a:ea typeface="Calibri" panose="020F0502020204030204" pitchFamily="34" charset="0"/>
-                            <a:cs typeface="Times New Roman" panose="02020603050405020304" pitchFamily="18" charset="0"/>
-                          </a:rPr>
-                          <m:t>𝐸</m:t>
-                        </m:r>
-                        <m:r>
-                          <a:rPr lang="en-US" sz="2400" i="1" kern="0">
-                            <a:effectLst/>
-                            <a:latin typeface="Cambria Math" panose="02040503050406030204" pitchFamily="18" charset="0"/>
-                            <a:ea typeface="Calibri" panose="020F0502020204030204" pitchFamily="34" charset="0"/>
-                            <a:cs typeface="Times New Roman" panose="02020603050405020304" pitchFamily="18" charset="0"/>
-                          </a:rPr>
-                          <m:t> :</m:t>
-                        </m:r>
-                        <m:sSub>
-                          <m:sSubPr>
-                            <m:ctrlPr>
-                              <a:rPr lang="ru-RU" sz="1600" i="1">
-                                <a:effectLst/>
-                                <a:latin typeface="Cambria Math" panose="02040503050406030204" pitchFamily="18" charset="0"/>
-                              </a:rPr>
-                            </m:ctrlPr>
-                          </m:sSubPr>
-                          <m:e>
-                            <m:r>
-                              <a:rPr lang="en-US" sz="2400" i="1" kern="0">
-                                <a:effectLst/>
-                                <a:latin typeface="Cambria Math" panose="02040503050406030204" pitchFamily="18" charset="0"/>
-                                <a:ea typeface="Calibri" panose="020F0502020204030204" pitchFamily="34" charset="0"/>
-                                <a:cs typeface="Times New Roman" panose="02020603050405020304" pitchFamily="18" charset="0"/>
-                              </a:rPr>
-                              <m:t>С</m:t>
-                            </m:r>
-                          </m:e>
-                          <m:sub>
-                            <m:r>
-                              <a:rPr lang="en-US" sz="2400" i="1" kern="0">
-                                <a:effectLst/>
-                                <a:latin typeface="Cambria Math" panose="02040503050406030204" pitchFamily="18" charset="0"/>
-                                <a:ea typeface="Calibri" panose="020F0502020204030204" pitchFamily="34" charset="0"/>
-                                <a:cs typeface="Times New Roman" panose="02020603050405020304" pitchFamily="18" charset="0"/>
-                              </a:rPr>
-                              <m:t>𝑖</m:t>
-                            </m:r>
-                            <m:r>
-                              <a:rPr lang="en-US" sz="2400" i="1" kern="0">
-                                <a:effectLst/>
-                                <a:latin typeface="Cambria Math" panose="02040503050406030204" pitchFamily="18" charset="0"/>
-                                <a:ea typeface="Calibri" panose="020F0502020204030204" pitchFamily="34" charset="0"/>
-                                <a:cs typeface="Times New Roman" panose="02020603050405020304" pitchFamily="18" charset="0"/>
-                              </a:rPr>
-                              <m:t>,</m:t>
-                            </m:r>
-                            <m:r>
-                              <a:rPr lang="en-US" sz="2400" i="1" kern="0">
-                                <a:effectLst/>
-                                <a:latin typeface="Cambria Math" panose="02040503050406030204" pitchFamily="18" charset="0"/>
-                                <a:ea typeface="Calibri" panose="020F0502020204030204" pitchFamily="34" charset="0"/>
-                                <a:cs typeface="Times New Roman" panose="02020603050405020304" pitchFamily="18" charset="0"/>
-                              </a:rPr>
-                              <m:t>𝑗</m:t>
-                            </m:r>
-                          </m:sub>
-                        </m:sSub>
-                        <m:r>
-                          <a:rPr lang="en-US" sz="2400" i="1" kern="0">
-                            <a:effectLst/>
-                            <a:latin typeface="Cambria Math" panose="02040503050406030204" pitchFamily="18" charset="0"/>
-                            <a:ea typeface="Calibri" panose="020F0502020204030204" pitchFamily="34" charset="0"/>
-                            <a:cs typeface="Times New Roman" panose="02020603050405020304" pitchFamily="18" charset="0"/>
-                          </a:rPr>
-                          <m:t>≥</m:t>
-                        </m:r>
-                        <m:r>
-                          <a:rPr lang="en-US" sz="2400" i="1" kern="0">
-                            <a:effectLst/>
-                            <a:latin typeface="Cambria Math" panose="02040503050406030204" pitchFamily="18" charset="0"/>
-                            <a:ea typeface="Calibri" panose="020F0502020204030204" pitchFamily="34" charset="0"/>
-                            <a:cs typeface="Times New Roman" panose="02020603050405020304" pitchFamily="18" charset="0"/>
-                          </a:rPr>
-                          <m:t>𝜃</m:t>
-                        </m:r>
-                      </m:e>
-                    </m:d>
-                  </m:oMath>
-                </a14:m>
-                <a:r>
-                  <a:rPr lang="ru-RU" sz="1600" dirty="0">
-                    <a:effectLst/>
-                  </a:rPr>
-                  <a:t>  - Граф рынка с порогом</a:t>
-                </a:r>
-                <a:r>
-                  <a:rPr lang="en-US" sz="1600" dirty="0">
-                    <a:effectLst/>
-                  </a:rPr>
-                  <a:t> </a:t>
-                </a:r>
-                <a14:m>
-                  <m:oMath xmlns:m="http://schemas.openxmlformats.org/officeDocument/2006/math">
-                    <m:r>
-                      <a:rPr lang="en-US" sz="1600" b="0" i="1" smtClean="0">
-                        <a:effectLst/>
-                        <a:latin typeface="Cambria Math" panose="02040503050406030204" pitchFamily="18" charset="0"/>
-                      </a:rPr>
-                      <m:t>𝜃</m:t>
-                    </m:r>
-                  </m:oMath>
-                </a14:m>
-                <a:endParaRPr lang="en-US" sz="1600" dirty="0"/>
-              </a:p>
-              <a:p>
-                <a:pPr marL="285750" indent="-285750">
-                  <a:buFont typeface="Arial" panose="020B0604020202020204" pitchFamily="34" charset="0"/>
-                  <a:buChar char="•"/>
-                </a:pPr>
-                <a:r>
-                  <a:rPr lang="ru-RU" sz="1600" dirty="0"/>
-                  <a:t>Клика в графе – подмножество вершин, в котором между каждой парой есть ребро</a:t>
-                </a:r>
-              </a:p>
-              <a:p>
-                <a:pPr marL="285750" indent="-285750">
-                  <a:buFont typeface="Arial" panose="020B0604020202020204" pitchFamily="34" charset="0"/>
-                  <a:buChar char="•"/>
-                </a:pPr>
-                <a:r>
-                  <a:rPr lang="ru-RU" sz="1600" dirty="0"/>
-                  <a:t>Максимальная клика – клика, которая при добавлении любой новой вершины перестаёт быть таковой</a:t>
-                </a:r>
-              </a:p>
-            </p:txBody>
-          </p:sp>
-        </mc:Choice>
-        <mc:Fallback>
-          <p:sp>
-            <p:nvSpPr>
-              <p:cNvPr id="9" name="Текст 3">
-                <a:extLst>
-                  <a:ext uri="{FF2B5EF4-FFF2-40B4-BE49-F238E27FC236}">
-                    <a16:creationId xmlns:a16="http://schemas.microsoft.com/office/drawing/2014/main" id="{53356540-7218-FF4B-B6BC-5BD291A372E2}"/>
-                  </a:ext>
-                </a:extLst>
-              </p:cNvPr>
-              <p:cNvSpPr>
-                <a:spLocks noGrp="1" noRot="1" noChangeAspect="1" noMove="1" noResize="1" noEditPoints="1" noAdjustHandles="1" noChangeArrowheads="1" noChangeShapeType="1" noTextEdit="1"/>
-              </p:cNvSpPr>
-              <p:nvPr/>
-            </p:nvSpPr>
-            <p:spPr>
-              <a:xfrm>
-                <a:off x="697686" y="2408243"/>
-                <a:ext cx="6526898" cy="3393234"/>
-              </a:xfrm>
-              <a:prstGeom prst="rect">
-                <a:avLst/>
-              </a:prstGeom>
-              <a:blipFill>
-                <a:blip r:embed="rId2"/>
-                <a:stretch>
-                  <a:fillRect l="-1681" t="-359" r="-3175"/>
-                </a:stretch>
-              </a:blipFill>
-            </p:spPr>
-            <p:txBody>
-              <a:bodyPr/>
-              <a:lstStyle/>
-              <a:p>
-                <a:r>
-                  <a:rPr lang="ru-RU">
-                    <a:noFill/>
-                  </a:rPr>
-                  <a:t> </a:t>
-                </a:r>
-              </a:p>
-            </p:txBody>
-          </p:sp>
-        </mc:Fallback>
-      </mc:AlternateContent>
-      <p:pic>
-        <p:nvPicPr>
-          <p:cNvPr id="11" name="Рисунок 10">
-            <a:extLst>
-              <a:ext uri="{FF2B5EF4-FFF2-40B4-BE49-F238E27FC236}">
-                <a16:creationId xmlns:a16="http://schemas.microsoft.com/office/drawing/2014/main" id="{53686207-E236-5FD0-64B5-22AC8981CE62}"/>
-              </a:ext>
-            </a:extLst>
-          </p:cNvPr>
-          <p:cNvPicPr>
-            <a:picLocks noChangeAspect="1"/>
-          </p:cNvPicPr>
-          <p:nvPr/>
-        </p:nvPicPr>
-        <p:blipFill>
-          <a:blip r:embed="rId3"/>
-          <a:stretch>
-            <a:fillRect/>
-          </a:stretch>
-        </p:blipFill>
-        <p:spPr>
-          <a:xfrm>
-            <a:off x="7163377" y="1935891"/>
-            <a:ext cx="4442725" cy="2992182"/>
-          </a:xfrm>
-          <a:prstGeom prst="rect">
-            <a:avLst/>
-          </a:prstGeom>
-        </p:spPr>
-      </p:pic>
-      <p:sp>
-        <p:nvSpPr>
-          <p:cNvPr id="12" name="TextBox 11">
-            <a:extLst>
-              <a:ext uri="{FF2B5EF4-FFF2-40B4-BE49-F238E27FC236}">
-                <a16:creationId xmlns:a16="http://schemas.microsoft.com/office/drawing/2014/main" id="{BC0738C2-7E28-F4F4-0AC2-CB7E069C6C79}"/>
-              </a:ext>
-            </a:extLst>
-          </p:cNvPr>
-          <p:cNvSpPr txBox="1"/>
-          <p:nvPr/>
-        </p:nvSpPr>
-        <p:spPr>
-          <a:xfrm>
-            <a:off x="7543530" y="4928073"/>
-            <a:ext cx="3682418" cy="307777"/>
-          </a:xfrm>
-          <a:prstGeom prst="rect">
-            <a:avLst/>
-          </a:prstGeom>
-          <a:noFill/>
-        </p:spPr>
-        <p:txBody>
-          <a:bodyPr wrap="none" rtlCol="0">
-            <a:spAutoFit/>
-          </a:bodyPr>
-          <a:lstStyle/>
-          <a:p>
-            <a:pPr algn="l"/>
-            <a:r>
-              <a:rPr lang="ru-RU" sz="1400" dirty="0">
-                <a:latin typeface="HSE Sans" panose="02000000000000000000" pitchFamily="2" charset="0"/>
-              </a:rPr>
-              <a:t>Пример некоторого графа российского рынка</a:t>
-            </a:r>
-          </a:p>
-        </p:txBody>
-      </p:sp>
-      <p:sp>
-        <p:nvSpPr>
-          <p:cNvPr id="16" name="TextBox 15">
-            <a:extLst>
-              <a:ext uri="{FF2B5EF4-FFF2-40B4-BE49-F238E27FC236}">
-                <a16:creationId xmlns:a16="http://schemas.microsoft.com/office/drawing/2014/main" id="{0D0B2F98-1BD8-DB7F-B12E-2E43ADE83F79}"/>
-              </a:ext>
-            </a:extLst>
-          </p:cNvPr>
-          <p:cNvSpPr txBox="1"/>
-          <p:nvPr/>
-        </p:nvSpPr>
-        <p:spPr>
-          <a:xfrm>
-            <a:off x="585897" y="1447790"/>
-            <a:ext cx="2680477" cy="707886"/>
-          </a:xfrm>
-          <a:prstGeom prst="rect">
-            <a:avLst/>
-          </a:prstGeom>
-          <a:noFill/>
-        </p:spPr>
-        <p:txBody>
-          <a:bodyPr wrap="none" rtlCol="0">
-            <a:spAutoFit/>
-          </a:bodyPr>
-          <a:lstStyle/>
-          <a:p>
-            <a:pPr algn="l"/>
-            <a:r>
-              <a:rPr lang="ru-RU" sz="4000" dirty="0">
-                <a:latin typeface="HSE Sans" panose="02000000000000000000" pitchFamily="2" charset="0"/>
-              </a:rPr>
-              <a:t>Граф рынка</a:t>
-            </a:r>
+            <a:endParaRPr lang="ru-RU"/>
           </a:p>
         </p:txBody>
       </p:sp>
     </p:spTree>
     <p:extLst>
       <p:ext uri="{BB962C8B-B14F-4D97-AF65-F5344CB8AC3E}">
-        <p14:creationId xmlns:p14="http://schemas.microsoft.com/office/powerpoint/2010/main" val="445027866"/>
+        <p14:creationId xmlns:p14="http://schemas.microsoft.com/office/powerpoint/2010/main" val="2710688536"/>
       </p:ext>
     </p:extLst>
   </p:cSld>
@@ -39012,6 +34331,15 @@
 </file>
 
 <file path=customXml/item1.xml><?xml version="1.0" encoding="utf-8"?>
+<?mso-contentType ?>
+<FormTemplates xmlns="http://schemas.microsoft.com/sharepoint/v3/contenttype/forms">
+  <Display>DocumentLibraryForm</Display>
+  <Edit>DocumentLibraryForm</Edit>
+  <New>DocumentLibraryForm</New>
+</FormTemplates>
+</file>
+
+<file path=customXml/item2.xml><?xml version="1.0" encoding="utf-8"?>
 <ct:contentTypeSchema xmlns:ct="http://schemas.microsoft.com/office/2006/metadata/contentType" xmlns:ma="http://schemas.microsoft.com/office/2006/metadata/properties/metaAttributes" ct:_="" ma:_="" ma:contentTypeName="Документ" ma:contentTypeID="0x0101002A9C74E6E830D74E9B0FDDB4017A5417" ma:contentTypeVersion="13" ma:contentTypeDescription="Создание документа." ma:contentTypeScope="" ma:versionID="d4e423622451d608a8a05f4da7a1e1a2">
   <xsd:schema xmlns:xsd="http://www.w3.org/2001/XMLSchema" xmlns:xs="http://www.w3.org/2001/XMLSchema" xmlns:p="http://schemas.microsoft.com/office/2006/metadata/properties" xmlns:ns2="9875bd71-cde8-496c-a136-433f55d5e6d0" xmlns:ns3="e96afe77-3acb-4328-97fc-408e1bde3ecd" targetNamespace="http://schemas.microsoft.com/office/2006/metadata/properties" ma:root="true" ma:fieldsID="4831203c63c08b9f52ea6d3ee0d7a96e" ns2:_="" ns3:_="">
     <xsd:import namespace="9875bd71-cde8-496c-a136-433f55d5e6d0"/>
@@ -39234,15 +34562,6 @@
 </ct:contentTypeSchema>
 </file>
 
-<file path=customXml/item2.xml><?xml version="1.0" encoding="utf-8"?>
-<?mso-contentType ?>
-<FormTemplates xmlns="http://schemas.microsoft.com/sharepoint/v3/contenttype/forms">
-  <Display>DocumentLibraryForm</Display>
-  <Edit>DocumentLibraryForm</Edit>
-  <New>DocumentLibraryForm</New>
-</FormTemplates>
-</file>
-
 <file path=customXml/item3.xml><?xml version="1.0" encoding="utf-8"?>
 <p:properties xmlns:p="http://schemas.microsoft.com/office/2006/metadata/properties" xmlns:xsi="http://www.w3.org/2001/XMLSchema-instance" xmlns:pc="http://schemas.microsoft.com/office/infopath/2007/PartnerControls">
   <documentManagement/>
@@ -39250,6 +34569,14 @@
 </file>
 
 <file path=customXml/itemProps1.xml><?xml version="1.0" encoding="utf-8"?>
+<ds:datastoreItem xmlns:ds="http://schemas.openxmlformats.org/officeDocument/2006/customXml" ds:itemID="{B34386AA-1848-4C75-B336-1053927CB025}">
+  <ds:schemaRefs>
+    <ds:schemaRef ds:uri="http://schemas.microsoft.com/sharepoint/v3/contenttype/forms"/>
+  </ds:schemaRefs>
+</ds:datastoreItem>
+</file>
+
+<file path=customXml/itemProps2.xml><?xml version="1.0" encoding="utf-8"?>
 <ds:datastoreItem xmlns:ds="http://schemas.openxmlformats.org/officeDocument/2006/customXml" ds:itemID="{4D4651DD-DCCC-4759-B2F6-7F520BDCC2B9}">
   <ds:schemaRefs>
     <ds:schemaRef ds:uri="http://schemas.microsoft.com/office/2006/metadata/contentType"/>
@@ -39264,14 +34591,6 @@
     <ds:schemaRef ds:uri="http://purl.org/dc/elements/1.1/"/>
     <ds:schemaRef ds:uri="http://purl.org/dc/terms/"/>
     <ds:schemaRef ds:uri="http://schemas.microsoft.com/internal/obd"/>
-  </ds:schemaRefs>
-</ds:datastoreItem>
-</file>
-
-<file path=customXml/itemProps2.xml><?xml version="1.0" encoding="utf-8"?>
-<ds:datastoreItem xmlns:ds="http://schemas.openxmlformats.org/officeDocument/2006/customXml" ds:itemID="{B34386AA-1848-4C75-B336-1053927CB025}">
-  <ds:schemaRefs>
-    <ds:schemaRef ds:uri="http://schemas.microsoft.com/sharepoint/v3/contenttype/forms"/>
   </ds:schemaRefs>
 </ds:datastoreItem>
 </file>
